--- a/발표자료.pptx
+++ b/발표자료.pptx
@@ -5,7 +5,7 @@
     <p:sldMasterId id="2147483648" r:id="rId1"/>
   </p:sldMasterIdLst>
   <p:notesMasterIdLst>
-    <p:notesMasterId r:id="rId42"/>
+    <p:notesMasterId r:id="rId45"/>
   </p:notesMasterIdLst>
   <p:sldIdLst>
     <p:sldId id="256" r:id="rId2"/>
@@ -46,8 +46,11 @@
     <p:sldId id="308" r:id="rId37"/>
     <p:sldId id="310" r:id="rId38"/>
     <p:sldId id="311" r:id="rId39"/>
-    <p:sldId id="309" r:id="rId40"/>
-    <p:sldId id="297" r:id="rId41"/>
+    <p:sldId id="312" r:id="rId40"/>
+    <p:sldId id="313" r:id="rId41"/>
+    <p:sldId id="314" r:id="rId42"/>
+    <p:sldId id="309" r:id="rId43"/>
+    <p:sldId id="297" r:id="rId44"/>
   </p:sldIdLst>
   <p:sldSz cx="12192000" cy="6858000"/>
   <p:notesSz cx="6858000" cy="9144000"/>
@@ -37039,7 +37042,7 @@
             <a:avLst/>
           </a:prstGeom>
           <a:solidFill>
-            <a:schemeClr val="accent4"/>
+            <a:schemeClr val="accent5"/>
           </a:solidFill>
           <a:ln>
             <a:noFill/>
@@ -37887,6 +37890,760 @@
           </a:fontRef>
         </p:style>
       </p:cxnSp>
+      <p:pic>
+        <p:nvPicPr>
+          <p:cNvPr id="3" name="그림 2">
+            <a:extLst>
+              <a:ext uri="{FF2B5EF4-FFF2-40B4-BE49-F238E27FC236}">
+                <a16:creationId xmlns:a16="http://schemas.microsoft.com/office/drawing/2014/main" id="{1B20ACAA-69ED-4558-8686-D9334030013E}"/>
+              </a:ext>
+            </a:extLst>
+          </p:cNvPr>
+          <p:cNvPicPr>
+            <a:picLocks noChangeAspect="1"/>
+          </p:cNvPicPr>
+          <p:nvPr/>
+        </p:nvPicPr>
+        <p:blipFill>
+          <a:blip r:embed="rId2"/>
+          <a:stretch>
+            <a:fillRect/>
+          </a:stretch>
+        </p:blipFill>
+        <p:spPr>
+          <a:xfrm>
+            <a:off x="3775860" y="480061"/>
+            <a:ext cx="8272780" cy="6114108"/>
+          </a:xfrm>
+          <a:prstGeom prst="rect">
+            <a:avLst/>
+          </a:prstGeom>
+        </p:spPr>
+      </p:pic>
+      <p:sp>
+        <p:nvSpPr>
+          <p:cNvPr id="18" name="직사각형 17">
+            <a:extLst>
+              <a:ext uri="{FF2B5EF4-FFF2-40B4-BE49-F238E27FC236}">
+                <a16:creationId xmlns:a16="http://schemas.microsoft.com/office/drawing/2014/main" id="{1D58C348-E364-4479-ABDD-45D53B3C11BB}"/>
+              </a:ext>
+            </a:extLst>
+          </p:cNvPr>
+          <p:cNvSpPr/>
+          <p:nvPr/>
+        </p:nvSpPr>
+        <p:spPr>
+          <a:xfrm>
+            <a:off x="96019" y="1171993"/>
+            <a:ext cx="2776721" cy="405348"/>
+          </a:xfrm>
+          <a:prstGeom prst="rect">
+            <a:avLst/>
+          </a:prstGeom>
+          <a:solidFill>
+            <a:schemeClr val="tx1">
+              <a:lumMod val="75000"/>
+              <a:lumOff val="25000"/>
+            </a:schemeClr>
+          </a:solidFill>
+          <a:ln>
+            <a:noFill/>
+          </a:ln>
+        </p:spPr>
+        <p:style>
+          <a:lnRef idx="2">
+            <a:schemeClr val="accent1">
+              <a:shade val="50000"/>
+            </a:schemeClr>
+          </a:lnRef>
+          <a:fillRef idx="1">
+            <a:schemeClr val="accent1"/>
+          </a:fillRef>
+          <a:effectRef idx="0">
+            <a:schemeClr val="accent1"/>
+          </a:effectRef>
+          <a:fontRef idx="minor">
+            <a:schemeClr val="lt1"/>
+          </a:fontRef>
+        </p:style>
+        <p:txBody>
+          <a:bodyPr rtlCol="0" anchor="ctr"/>
+          <a:lstStyle/>
+          <a:p>
+            <a:pPr algn="ctr"/>
+            <a:r>
+              <a:rPr lang="en-US" altLang="ko-KR" dirty="0">
+                <a:latin typeface="나눔스퀘어 ExtraBold" panose="020B0600000101010101" pitchFamily="50" charset="-127"/>
+                <a:ea typeface="나눔스퀘어 ExtraBold" panose="020B0600000101010101" pitchFamily="50" charset="-127"/>
+              </a:rPr>
+              <a:t>Unity </a:t>
+            </a:r>
+            <a:r>
+              <a:rPr lang="ko-KR" altLang="en-US" dirty="0">
+                <a:latin typeface="나눔스퀘어 ExtraBold" panose="020B0600000101010101" pitchFamily="50" charset="-127"/>
+                <a:ea typeface="나눔스퀘어 ExtraBold" panose="020B0600000101010101" pitchFamily="50" charset="-127"/>
+              </a:rPr>
+              <a:t>연동</a:t>
+            </a:r>
+          </a:p>
+        </p:txBody>
+      </p:sp>
+      <p:cxnSp>
+        <p:nvCxnSpPr>
+          <p:cNvPr id="19" name="직선 화살표 연결선 18">
+            <a:extLst>
+              <a:ext uri="{FF2B5EF4-FFF2-40B4-BE49-F238E27FC236}">
+                <a16:creationId xmlns:a16="http://schemas.microsoft.com/office/drawing/2014/main" id="{4DC1CE95-DC7D-491F-80DE-C6E4F8514491}"/>
+              </a:ext>
+            </a:extLst>
+          </p:cNvPr>
+          <p:cNvCxnSpPr/>
+          <p:nvPr/>
+        </p:nvCxnSpPr>
+        <p:spPr>
+          <a:xfrm>
+            <a:off x="290872" y="1796650"/>
+            <a:ext cx="359682" cy="0"/>
+          </a:xfrm>
+          <a:prstGeom prst="straightConnector1">
+            <a:avLst/>
+          </a:prstGeom>
+          <a:ln w="57150">
+            <a:solidFill>
+              <a:srgbClr val="92D050"/>
+            </a:solidFill>
+            <a:tailEnd type="triangle"/>
+          </a:ln>
+        </p:spPr>
+        <p:style>
+          <a:lnRef idx="1">
+            <a:schemeClr val="accent1"/>
+          </a:lnRef>
+          <a:fillRef idx="0">
+            <a:schemeClr val="accent1"/>
+          </a:fillRef>
+          <a:effectRef idx="0">
+            <a:schemeClr val="accent1"/>
+          </a:effectRef>
+          <a:fontRef idx="minor">
+            <a:schemeClr val="tx1"/>
+          </a:fontRef>
+        </p:style>
+      </p:cxnSp>
+      <p:sp>
+        <p:nvSpPr>
+          <p:cNvPr id="20" name="부제목 2">
+            <a:extLst>
+              <a:ext uri="{FF2B5EF4-FFF2-40B4-BE49-F238E27FC236}">
+                <a16:creationId xmlns:a16="http://schemas.microsoft.com/office/drawing/2014/main" id="{0B3CA94C-F0B6-4432-8CCA-9EC7079D7485}"/>
+              </a:ext>
+            </a:extLst>
+          </p:cNvPr>
+          <p:cNvSpPr txBox="1">
+            <a:spLocks/>
+          </p:cNvSpPr>
+          <p:nvPr/>
+        </p:nvSpPr>
+        <p:spPr>
+          <a:xfrm>
+            <a:off x="650553" y="1616902"/>
+            <a:ext cx="3125307" cy="1161840"/>
+          </a:xfrm>
+          <a:prstGeom prst="rect">
+            <a:avLst/>
+          </a:prstGeom>
+        </p:spPr>
+        <p:txBody>
+          <a:bodyPr vert="horz" lIns="91440" tIns="45720" rIns="91440" bIns="45720" rtlCol="0" anchor="t">
+            <a:normAutofit/>
+          </a:bodyPr>
+          <a:lstStyle>
+            <a:lvl1pPr marL="0" indent="0" algn="ctr" defTabSz="914400" rtl="0" eaLnBrk="1" latinLnBrk="1" hangingPunct="1">
+              <a:lnSpc>
+                <a:spcPct val="90000"/>
+              </a:lnSpc>
+              <a:spcBef>
+                <a:spcPts val="1000"/>
+              </a:spcBef>
+              <a:buFont typeface="Arial" panose="020B0604020202020204" pitchFamily="34" charset="0"/>
+              <a:buNone/>
+              <a:defRPr sz="2400" kern="1200">
+                <a:solidFill>
+                  <a:schemeClr val="tx1"/>
+                </a:solidFill>
+                <a:latin typeface="+mn-lt"/>
+                <a:ea typeface="+mn-ea"/>
+                <a:cs typeface="+mn-cs"/>
+              </a:defRPr>
+            </a:lvl1pPr>
+            <a:lvl2pPr marL="457200" indent="0" algn="ctr" defTabSz="914400" rtl="0" eaLnBrk="1" latinLnBrk="1" hangingPunct="1">
+              <a:lnSpc>
+                <a:spcPct val="90000"/>
+              </a:lnSpc>
+              <a:spcBef>
+                <a:spcPts val="500"/>
+              </a:spcBef>
+              <a:buFont typeface="Arial" panose="020B0604020202020204" pitchFamily="34" charset="0"/>
+              <a:buNone/>
+              <a:defRPr sz="2000" kern="1200">
+                <a:solidFill>
+                  <a:schemeClr val="tx1"/>
+                </a:solidFill>
+                <a:latin typeface="+mn-lt"/>
+                <a:ea typeface="+mn-ea"/>
+                <a:cs typeface="+mn-cs"/>
+              </a:defRPr>
+            </a:lvl2pPr>
+            <a:lvl3pPr marL="914400" indent="0" algn="ctr" defTabSz="914400" rtl="0" eaLnBrk="1" latinLnBrk="1" hangingPunct="1">
+              <a:lnSpc>
+                <a:spcPct val="90000"/>
+              </a:lnSpc>
+              <a:spcBef>
+                <a:spcPts val="500"/>
+              </a:spcBef>
+              <a:buFont typeface="Arial" panose="020B0604020202020204" pitchFamily="34" charset="0"/>
+              <a:buNone/>
+              <a:defRPr sz="1800" kern="1200">
+                <a:solidFill>
+                  <a:schemeClr val="tx1"/>
+                </a:solidFill>
+                <a:latin typeface="+mn-lt"/>
+                <a:ea typeface="+mn-ea"/>
+                <a:cs typeface="+mn-cs"/>
+              </a:defRPr>
+            </a:lvl3pPr>
+            <a:lvl4pPr marL="1371600" indent="0" algn="ctr" defTabSz="914400" rtl="0" eaLnBrk="1" latinLnBrk="1" hangingPunct="1">
+              <a:lnSpc>
+                <a:spcPct val="90000"/>
+              </a:lnSpc>
+              <a:spcBef>
+                <a:spcPts val="500"/>
+              </a:spcBef>
+              <a:buFont typeface="Arial" panose="020B0604020202020204" pitchFamily="34" charset="0"/>
+              <a:buNone/>
+              <a:defRPr sz="1600" kern="1200">
+                <a:solidFill>
+                  <a:schemeClr val="tx1"/>
+                </a:solidFill>
+                <a:latin typeface="+mn-lt"/>
+                <a:ea typeface="+mn-ea"/>
+                <a:cs typeface="+mn-cs"/>
+              </a:defRPr>
+            </a:lvl4pPr>
+            <a:lvl5pPr marL="1828800" indent="0" algn="ctr" defTabSz="914400" rtl="0" eaLnBrk="1" latinLnBrk="1" hangingPunct="1">
+              <a:lnSpc>
+                <a:spcPct val="90000"/>
+              </a:lnSpc>
+              <a:spcBef>
+                <a:spcPts val="500"/>
+              </a:spcBef>
+              <a:buFont typeface="Arial" panose="020B0604020202020204" pitchFamily="34" charset="0"/>
+              <a:buNone/>
+              <a:defRPr sz="1600" kern="1200">
+                <a:solidFill>
+                  <a:schemeClr val="tx1"/>
+                </a:solidFill>
+                <a:latin typeface="+mn-lt"/>
+                <a:ea typeface="+mn-ea"/>
+                <a:cs typeface="+mn-cs"/>
+              </a:defRPr>
+            </a:lvl5pPr>
+            <a:lvl6pPr marL="2286000" indent="0" algn="ctr" defTabSz="914400" rtl="0" eaLnBrk="1" latinLnBrk="1" hangingPunct="1">
+              <a:lnSpc>
+                <a:spcPct val="90000"/>
+              </a:lnSpc>
+              <a:spcBef>
+                <a:spcPts val="500"/>
+              </a:spcBef>
+              <a:buFont typeface="Arial" panose="020B0604020202020204" pitchFamily="34" charset="0"/>
+              <a:buNone/>
+              <a:defRPr sz="1600" kern="1200">
+                <a:solidFill>
+                  <a:schemeClr val="tx1"/>
+                </a:solidFill>
+                <a:latin typeface="+mn-lt"/>
+                <a:ea typeface="+mn-ea"/>
+                <a:cs typeface="+mn-cs"/>
+              </a:defRPr>
+            </a:lvl6pPr>
+            <a:lvl7pPr marL="2743200" indent="0" algn="ctr" defTabSz="914400" rtl="0" eaLnBrk="1" latinLnBrk="1" hangingPunct="1">
+              <a:lnSpc>
+                <a:spcPct val="90000"/>
+              </a:lnSpc>
+              <a:spcBef>
+                <a:spcPts val="500"/>
+              </a:spcBef>
+              <a:buFont typeface="Arial" panose="020B0604020202020204" pitchFamily="34" charset="0"/>
+              <a:buNone/>
+              <a:defRPr sz="1600" kern="1200">
+                <a:solidFill>
+                  <a:schemeClr val="tx1"/>
+                </a:solidFill>
+                <a:latin typeface="+mn-lt"/>
+                <a:ea typeface="+mn-ea"/>
+                <a:cs typeface="+mn-cs"/>
+              </a:defRPr>
+            </a:lvl7pPr>
+            <a:lvl8pPr marL="3200400" indent="0" algn="ctr" defTabSz="914400" rtl="0" eaLnBrk="1" latinLnBrk="1" hangingPunct="1">
+              <a:lnSpc>
+                <a:spcPct val="90000"/>
+              </a:lnSpc>
+              <a:spcBef>
+                <a:spcPts val="500"/>
+              </a:spcBef>
+              <a:buFont typeface="Arial" panose="020B0604020202020204" pitchFamily="34" charset="0"/>
+              <a:buNone/>
+              <a:defRPr sz="1600" kern="1200">
+                <a:solidFill>
+                  <a:schemeClr val="tx1"/>
+                </a:solidFill>
+                <a:latin typeface="+mn-lt"/>
+                <a:ea typeface="+mn-ea"/>
+                <a:cs typeface="+mn-cs"/>
+              </a:defRPr>
+            </a:lvl8pPr>
+            <a:lvl9pPr marL="3657600" indent="0" algn="ctr" defTabSz="914400" rtl="0" eaLnBrk="1" latinLnBrk="1" hangingPunct="1">
+              <a:lnSpc>
+                <a:spcPct val="90000"/>
+              </a:lnSpc>
+              <a:spcBef>
+                <a:spcPts val="500"/>
+              </a:spcBef>
+              <a:buFont typeface="Arial" panose="020B0604020202020204" pitchFamily="34" charset="0"/>
+              <a:buNone/>
+              <a:defRPr sz="1600" kern="1200">
+                <a:solidFill>
+                  <a:schemeClr val="tx1"/>
+                </a:solidFill>
+                <a:latin typeface="+mn-lt"/>
+                <a:ea typeface="+mn-ea"/>
+                <a:cs typeface="+mn-cs"/>
+              </a:defRPr>
+            </a:lvl9pPr>
+          </a:lstStyle>
+          <a:p>
+            <a:pPr algn="l" latinLnBrk="0"/>
+            <a:r>
+              <a:rPr lang="ko-KR" altLang="en-US" sz="1600" dirty="0">
+                <a:latin typeface="나눔스퀘어" panose="020B0600000101010101" pitchFamily="50" charset="-127"/>
+                <a:ea typeface="나눔스퀘어" panose="020B0600000101010101" pitchFamily="50" charset="-127"/>
+              </a:rPr>
+              <a:t>채팅방의 </a:t>
+            </a:r>
+            <a:r>
+              <a:rPr lang="en-US" altLang="ko-KR" sz="1600" dirty="0">
+                <a:latin typeface="나눔스퀘어" panose="020B0600000101010101" pitchFamily="50" charset="-127"/>
+                <a:ea typeface="나눔스퀘어" panose="020B0600000101010101" pitchFamily="50" charset="-127"/>
+              </a:rPr>
+              <a:t>JavaScript</a:t>
+            </a:r>
+            <a:r>
+              <a:rPr lang="ko-KR" altLang="en-US" sz="1600" dirty="0">
+                <a:latin typeface="나눔스퀘어" panose="020B0600000101010101" pitchFamily="50" charset="-127"/>
+                <a:ea typeface="나눔스퀘어" panose="020B0600000101010101" pitchFamily="50" charset="-127"/>
+              </a:rPr>
+              <a:t> </a:t>
+            </a:r>
+            <a:r>
+              <a:rPr lang="en-US" altLang="ko-KR" sz="1600" dirty="0">
+                <a:latin typeface="나눔스퀘어" panose="020B0600000101010101" pitchFamily="50" charset="-127"/>
+                <a:ea typeface="나눔스퀘어" panose="020B0600000101010101" pitchFamily="50" charset="-127"/>
+              </a:rPr>
+              <a:t>+</a:t>
+            </a:r>
+            <a:r>
+              <a:rPr lang="ko-KR" altLang="en-US" sz="1600" dirty="0">
+                <a:latin typeface="나눔스퀘어" panose="020B0600000101010101" pitchFamily="50" charset="-127"/>
+                <a:ea typeface="나눔스퀘어" panose="020B0600000101010101" pitchFamily="50" charset="-127"/>
+              </a:rPr>
+              <a:t> </a:t>
+            </a:r>
+            <a:r>
+              <a:rPr lang="en-US" altLang="ko-KR" sz="1600" dirty="0" err="1">
+                <a:latin typeface="나눔스퀘어" panose="020B0600000101010101" pitchFamily="50" charset="-127"/>
+                <a:ea typeface="나눔스퀘어" panose="020B0600000101010101" pitchFamily="50" charset="-127"/>
+              </a:rPr>
+              <a:t>webGL</a:t>
+            </a:r>
+            <a:endParaRPr lang="en-US" altLang="ko-KR" sz="1600" dirty="0">
+              <a:latin typeface="나눔스퀘어" panose="020B0600000101010101" pitchFamily="50" charset="-127"/>
+              <a:ea typeface="나눔스퀘어" panose="020B0600000101010101" pitchFamily="50" charset="-127"/>
+            </a:endParaRPr>
+          </a:p>
+          <a:p>
+            <a:pPr algn="l" latinLnBrk="0"/>
+            <a:r>
+              <a:rPr lang="en-US" altLang="ko-KR" sz="1600" dirty="0">
+                <a:latin typeface="나눔스퀘어" panose="020B0600000101010101" pitchFamily="50" charset="-127"/>
+                <a:ea typeface="나눔스퀘어" panose="020B0600000101010101" pitchFamily="50" charset="-127"/>
+              </a:rPr>
+              <a:t>Unity 2020.03</a:t>
+            </a:r>
+            <a:r>
+              <a:rPr lang="ko-KR" altLang="en-US" sz="1600" dirty="0">
+                <a:latin typeface="나눔스퀘어" panose="020B0600000101010101" pitchFamily="50" charset="-127"/>
+                <a:ea typeface="나눔스퀘어" panose="020B0600000101010101" pitchFamily="50" charset="-127"/>
+              </a:rPr>
+              <a:t> 버전 기준 작성</a:t>
+            </a:r>
+            <a:endParaRPr lang="en-US" altLang="ko-KR" sz="1600" dirty="0">
+              <a:latin typeface="나눔스퀘어" panose="020B0600000101010101" pitchFamily="50" charset="-127"/>
+              <a:ea typeface="나눔스퀘어" panose="020B0600000101010101" pitchFamily="50" charset="-127"/>
+            </a:endParaRPr>
+          </a:p>
+          <a:p>
+            <a:pPr algn="l" latinLnBrk="0"/>
+            <a:r>
+              <a:rPr lang="en-US" altLang="ko-KR" sz="1600" dirty="0">
+                <a:latin typeface="나눔스퀘어" panose="020B0600000101010101" pitchFamily="50" charset="-127"/>
+                <a:ea typeface="나눔스퀘어" panose="020B0600000101010101" pitchFamily="50" charset="-127"/>
+              </a:rPr>
+              <a:t>Html </a:t>
+            </a:r>
+            <a:r>
+              <a:rPr lang="ko-KR" altLang="en-US" sz="1600" dirty="0">
+                <a:latin typeface="나눔스퀘어" panose="020B0600000101010101" pitchFamily="50" charset="-127"/>
+                <a:ea typeface="나눔스퀘어" panose="020B0600000101010101" pitchFamily="50" charset="-127"/>
+              </a:rPr>
+              <a:t>메인 페이지로 </a:t>
+            </a:r>
+            <a:r>
+              <a:rPr lang="en-US" altLang="ko-KR" sz="1600" dirty="0">
+                <a:latin typeface="나눔스퀘어" panose="020B0600000101010101" pitchFamily="50" charset="-127"/>
+                <a:ea typeface="나눔스퀘어" panose="020B0600000101010101" pitchFamily="50" charset="-127"/>
+              </a:rPr>
+              <a:t>script </a:t>
+            </a:r>
+            <a:r>
+              <a:rPr lang="ko-KR" altLang="en-US" sz="1600" dirty="0">
+                <a:latin typeface="나눔스퀘어" panose="020B0600000101010101" pitchFamily="50" charset="-127"/>
+                <a:ea typeface="나눔스퀘어" panose="020B0600000101010101" pitchFamily="50" charset="-127"/>
+              </a:rPr>
+              <a:t>전달</a:t>
+            </a:r>
+            <a:endParaRPr lang="en-US" altLang="ko-KR" sz="1600" dirty="0">
+              <a:latin typeface="나눔스퀘어" panose="020B0600000101010101" pitchFamily="50" charset="-127"/>
+              <a:ea typeface="나눔스퀘어" panose="020B0600000101010101" pitchFamily="50" charset="-127"/>
+            </a:endParaRPr>
+          </a:p>
+        </p:txBody>
+      </p:sp>
+      <p:cxnSp>
+        <p:nvCxnSpPr>
+          <p:cNvPr id="21" name="직선 화살표 연결선 20">
+            <a:extLst>
+              <a:ext uri="{FF2B5EF4-FFF2-40B4-BE49-F238E27FC236}">
+                <a16:creationId xmlns:a16="http://schemas.microsoft.com/office/drawing/2014/main" id="{5926185C-2555-478E-8414-1D5A6C69428B}"/>
+              </a:ext>
+            </a:extLst>
+          </p:cNvPr>
+          <p:cNvCxnSpPr/>
+          <p:nvPr/>
+        </p:nvCxnSpPr>
+        <p:spPr>
+          <a:xfrm>
+            <a:off x="862372" y="2962085"/>
+            <a:ext cx="359682" cy="0"/>
+          </a:xfrm>
+          <a:prstGeom prst="straightConnector1">
+            <a:avLst/>
+          </a:prstGeom>
+          <a:ln w="57150">
+            <a:solidFill>
+              <a:srgbClr val="00B0F0"/>
+            </a:solidFill>
+            <a:tailEnd type="triangle"/>
+          </a:ln>
+        </p:spPr>
+        <p:style>
+          <a:lnRef idx="1">
+            <a:schemeClr val="accent1"/>
+          </a:lnRef>
+          <a:fillRef idx="0">
+            <a:schemeClr val="accent1"/>
+          </a:fillRef>
+          <a:effectRef idx="0">
+            <a:schemeClr val="accent1"/>
+          </a:effectRef>
+          <a:fontRef idx="minor">
+            <a:schemeClr val="tx1"/>
+          </a:fontRef>
+        </p:style>
+      </p:cxnSp>
+      <p:sp>
+        <p:nvSpPr>
+          <p:cNvPr id="22" name="부제목 2">
+            <a:extLst>
+              <a:ext uri="{FF2B5EF4-FFF2-40B4-BE49-F238E27FC236}">
+                <a16:creationId xmlns:a16="http://schemas.microsoft.com/office/drawing/2014/main" id="{B0AF1BB8-EF53-4DA6-B14C-A941B9224B53}"/>
+              </a:ext>
+            </a:extLst>
+          </p:cNvPr>
+          <p:cNvSpPr txBox="1">
+            <a:spLocks/>
+          </p:cNvSpPr>
+          <p:nvPr/>
+        </p:nvSpPr>
+        <p:spPr>
+          <a:xfrm>
+            <a:off x="1222053" y="2823981"/>
+            <a:ext cx="2991807" cy="303342"/>
+          </a:xfrm>
+          <a:prstGeom prst="rect">
+            <a:avLst/>
+          </a:prstGeom>
+        </p:spPr>
+        <p:txBody>
+          <a:bodyPr vert="horz" lIns="91440" tIns="45720" rIns="91440" bIns="45720" rtlCol="0" anchor="t">
+            <a:normAutofit lnSpcReduction="10000"/>
+          </a:bodyPr>
+          <a:lstStyle>
+            <a:lvl1pPr marL="0" indent="0" algn="ctr" defTabSz="914400" rtl="0" eaLnBrk="1" latinLnBrk="1" hangingPunct="1">
+              <a:lnSpc>
+                <a:spcPct val="90000"/>
+              </a:lnSpc>
+              <a:spcBef>
+                <a:spcPts val="1000"/>
+              </a:spcBef>
+              <a:buFont typeface="Arial" panose="020B0604020202020204" pitchFamily="34" charset="0"/>
+              <a:buNone/>
+              <a:defRPr sz="2400" kern="1200">
+                <a:solidFill>
+                  <a:schemeClr val="tx1"/>
+                </a:solidFill>
+                <a:latin typeface="+mn-lt"/>
+                <a:ea typeface="+mn-ea"/>
+                <a:cs typeface="+mn-cs"/>
+              </a:defRPr>
+            </a:lvl1pPr>
+            <a:lvl2pPr marL="457200" indent="0" algn="ctr" defTabSz="914400" rtl="0" eaLnBrk="1" latinLnBrk="1" hangingPunct="1">
+              <a:lnSpc>
+                <a:spcPct val="90000"/>
+              </a:lnSpc>
+              <a:spcBef>
+                <a:spcPts val="500"/>
+              </a:spcBef>
+              <a:buFont typeface="Arial" panose="020B0604020202020204" pitchFamily="34" charset="0"/>
+              <a:buNone/>
+              <a:defRPr sz="2000" kern="1200">
+                <a:solidFill>
+                  <a:schemeClr val="tx1"/>
+                </a:solidFill>
+                <a:latin typeface="+mn-lt"/>
+                <a:ea typeface="+mn-ea"/>
+                <a:cs typeface="+mn-cs"/>
+              </a:defRPr>
+            </a:lvl2pPr>
+            <a:lvl3pPr marL="914400" indent="0" algn="ctr" defTabSz="914400" rtl="0" eaLnBrk="1" latinLnBrk="1" hangingPunct="1">
+              <a:lnSpc>
+                <a:spcPct val="90000"/>
+              </a:lnSpc>
+              <a:spcBef>
+                <a:spcPts val="500"/>
+              </a:spcBef>
+              <a:buFont typeface="Arial" panose="020B0604020202020204" pitchFamily="34" charset="0"/>
+              <a:buNone/>
+              <a:defRPr sz="1800" kern="1200">
+                <a:solidFill>
+                  <a:schemeClr val="tx1"/>
+                </a:solidFill>
+                <a:latin typeface="+mn-lt"/>
+                <a:ea typeface="+mn-ea"/>
+                <a:cs typeface="+mn-cs"/>
+              </a:defRPr>
+            </a:lvl3pPr>
+            <a:lvl4pPr marL="1371600" indent="0" algn="ctr" defTabSz="914400" rtl="0" eaLnBrk="1" latinLnBrk="1" hangingPunct="1">
+              <a:lnSpc>
+                <a:spcPct val="90000"/>
+              </a:lnSpc>
+              <a:spcBef>
+                <a:spcPts val="500"/>
+              </a:spcBef>
+              <a:buFont typeface="Arial" panose="020B0604020202020204" pitchFamily="34" charset="0"/>
+              <a:buNone/>
+              <a:defRPr sz="1600" kern="1200">
+                <a:solidFill>
+                  <a:schemeClr val="tx1"/>
+                </a:solidFill>
+                <a:latin typeface="+mn-lt"/>
+                <a:ea typeface="+mn-ea"/>
+                <a:cs typeface="+mn-cs"/>
+              </a:defRPr>
+            </a:lvl4pPr>
+            <a:lvl5pPr marL="1828800" indent="0" algn="ctr" defTabSz="914400" rtl="0" eaLnBrk="1" latinLnBrk="1" hangingPunct="1">
+              <a:lnSpc>
+                <a:spcPct val="90000"/>
+              </a:lnSpc>
+              <a:spcBef>
+                <a:spcPts val="500"/>
+              </a:spcBef>
+              <a:buFont typeface="Arial" panose="020B0604020202020204" pitchFamily="34" charset="0"/>
+              <a:buNone/>
+              <a:defRPr sz="1600" kern="1200">
+                <a:solidFill>
+                  <a:schemeClr val="tx1"/>
+                </a:solidFill>
+                <a:latin typeface="+mn-lt"/>
+                <a:ea typeface="+mn-ea"/>
+                <a:cs typeface="+mn-cs"/>
+              </a:defRPr>
+            </a:lvl5pPr>
+            <a:lvl6pPr marL="2286000" indent="0" algn="ctr" defTabSz="914400" rtl="0" eaLnBrk="1" latinLnBrk="1" hangingPunct="1">
+              <a:lnSpc>
+                <a:spcPct val="90000"/>
+              </a:lnSpc>
+              <a:spcBef>
+                <a:spcPts val="500"/>
+              </a:spcBef>
+              <a:buFont typeface="Arial" panose="020B0604020202020204" pitchFamily="34" charset="0"/>
+              <a:buNone/>
+              <a:defRPr sz="1600" kern="1200">
+                <a:solidFill>
+                  <a:schemeClr val="tx1"/>
+                </a:solidFill>
+                <a:latin typeface="+mn-lt"/>
+                <a:ea typeface="+mn-ea"/>
+                <a:cs typeface="+mn-cs"/>
+              </a:defRPr>
+            </a:lvl6pPr>
+            <a:lvl7pPr marL="2743200" indent="0" algn="ctr" defTabSz="914400" rtl="0" eaLnBrk="1" latinLnBrk="1" hangingPunct="1">
+              <a:lnSpc>
+                <a:spcPct val="90000"/>
+              </a:lnSpc>
+              <a:spcBef>
+                <a:spcPts val="500"/>
+              </a:spcBef>
+              <a:buFont typeface="Arial" panose="020B0604020202020204" pitchFamily="34" charset="0"/>
+              <a:buNone/>
+              <a:defRPr sz="1600" kern="1200">
+                <a:solidFill>
+                  <a:schemeClr val="tx1"/>
+                </a:solidFill>
+                <a:latin typeface="+mn-lt"/>
+                <a:ea typeface="+mn-ea"/>
+                <a:cs typeface="+mn-cs"/>
+              </a:defRPr>
+            </a:lvl7pPr>
+            <a:lvl8pPr marL="3200400" indent="0" algn="ctr" defTabSz="914400" rtl="0" eaLnBrk="1" latinLnBrk="1" hangingPunct="1">
+              <a:lnSpc>
+                <a:spcPct val="90000"/>
+              </a:lnSpc>
+              <a:spcBef>
+                <a:spcPts val="500"/>
+              </a:spcBef>
+              <a:buFont typeface="Arial" panose="020B0604020202020204" pitchFamily="34" charset="0"/>
+              <a:buNone/>
+              <a:defRPr sz="1600" kern="1200">
+                <a:solidFill>
+                  <a:schemeClr val="tx1"/>
+                </a:solidFill>
+                <a:latin typeface="+mn-lt"/>
+                <a:ea typeface="+mn-ea"/>
+                <a:cs typeface="+mn-cs"/>
+              </a:defRPr>
+            </a:lvl8pPr>
+            <a:lvl9pPr marL="3657600" indent="0" algn="ctr" defTabSz="914400" rtl="0" eaLnBrk="1" latinLnBrk="1" hangingPunct="1">
+              <a:lnSpc>
+                <a:spcPct val="90000"/>
+              </a:lnSpc>
+              <a:spcBef>
+                <a:spcPts val="500"/>
+              </a:spcBef>
+              <a:buFont typeface="Arial" panose="020B0604020202020204" pitchFamily="34" charset="0"/>
+              <a:buNone/>
+              <a:defRPr sz="1600" kern="1200">
+                <a:solidFill>
+                  <a:schemeClr val="tx1"/>
+                </a:solidFill>
+                <a:latin typeface="+mn-lt"/>
+                <a:ea typeface="+mn-ea"/>
+                <a:cs typeface="+mn-cs"/>
+              </a:defRPr>
+            </a:lvl9pPr>
+          </a:lstStyle>
+          <a:p>
+            <a:pPr algn="l" latinLnBrk="0"/>
+            <a:r>
+              <a:rPr lang="en-US" altLang="ko-KR" sz="1600" dirty="0">
+                <a:latin typeface="나눔스퀘어" panose="020B0600000101010101" pitchFamily="50" charset="-127"/>
+                <a:ea typeface="나눔스퀘어" panose="020B0600000101010101" pitchFamily="50" charset="-127"/>
+              </a:rPr>
+              <a:t>Unity Instance</a:t>
+            </a:r>
+            <a:r>
+              <a:rPr lang="ko-KR" altLang="en-US" sz="1600" dirty="0">
+                <a:latin typeface="나눔스퀘어" panose="020B0600000101010101" pitchFamily="50" charset="-127"/>
+                <a:ea typeface="나눔스퀘어" panose="020B0600000101010101" pitchFamily="50" charset="-127"/>
+              </a:rPr>
+              <a:t> 확보</a:t>
+            </a:r>
+            <a:endParaRPr lang="en-US" altLang="ko-KR" sz="1600" dirty="0">
+              <a:latin typeface="나눔스퀘어" panose="020B0600000101010101" pitchFamily="50" charset="-127"/>
+              <a:ea typeface="나눔스퀘어" panose="020B0600000101010101" pitchFamily="50" charset="-127"/>
+            </a:endParaRPr>
+          </a:p>
+        </p:txBody>
+      </p:sp>
+      <p:sp>
+        <p:nvSpPr>
+          <p:cNvPr id="24" name="직사각형 23">
+            <a:extLst>
+              <a:ext uri="{FF2B5EF4-FFF2-40B4-BE49-F238E27FC236}">
+                <a16:creationId xmlns:a16="http://schemas.microsoft.com/office/drawing/2014/main" id="{9616C488-5814-4933-B492-A7B73F395743}"/>
+              </a:ext>
+            </a:extLst>
+          </p:cNvPr>
+          <p:cNvSpPr/>
+          <p:nvPr/>
+        </p:nvSpPr>
+        <p:spPr>
+          <a:xfrm>
+            <a:off x="4303306" y="5435408"/>
+            <a:ext cx="1975574" cy="172912"/>
+          </a:xfrm>
+          <a:prstGeom prst="rect">
+            <a:avLst/>
+          </a:prstGeom>
+          <a:noFill/>
+          <a:ln w="28575">
+            <a:solidFill>
+              <a:schemeClr val="bg1"/>
+            </a:solidFill>
+          </a:ln>
+          <a:effectLst>
+            <a:glow rad="63500">
+              <a:schemeClr val="accent5">
+                <a:satMod val="175000"/>
+                <a:alpha val="40000"/>
+              </a:schemeClr>
+            </a:glow>
+          </a:effectLst>
+        </p:spPr>
+        <p:style>
+          <a:lnRef idx="2">
+            <a:schemeClr val="accent1">
+              <a:shade val="50000"/>
+            </a:schemeClr>
+          </a:lnRef>
+          <a:fillRef idx="1">
+            <a:schemeClr val="accent1"/>
+          </a:fillRef>
+          <a:effectRef idx="0">
+            <a:schemeClr val="accent1"/>
+          </a:effectRef>
+          <a:fontRef idx="minor">
+            <a:schemeClr val="lt1"/>
+          </a:fontRef>
+        </p:style>
+        <p:txBody>
+          <a:bodyPr rtlCol="0" anchor="ctr"/>
+          <a:lstStyle/>
+          <a:p>
+            <a:pPr algn="ctr"/>
+            <a:endParaRPr lang="ko-KR" altLang="en-US"/>
+          </a:p>
+        </p:txBody>
+      </p:sp>
     </p:spTree>
     <p:extLst>
       <p:ext uri="{BB962C8B-B14F-4D97-AF65-F5344CB8AC3E}">
@@ -37909,6 +38666,163 @@
       </p:transition>
     </mc:Fallback>
   </mc:AlternateContent>
+  <p:timing>
+    <p:tnLst>
+      <p:par>
+        <p:cTn id="1" dur="indefinite" restart="never" nodeType="tmRoot">
+          <p:childTnLst>
+            <p:seq concurrent="1" nextAc="seek">
+              <p:cTn id="2" dur="indefinite" nodeType="mainSeq">
+                <p:childTnLst>
+                  <p:par>
+                    <p:cTn id="3" fill="hold">
+                      <p:stCondLst>
+                        <p:cond delay="indefinite"/>
+                      </p:stCondLst>
+                      <p:childTnLst>
+                        <p:par>
+                          <p:cTn id="4" fill="hold">
+                            <p:stCondLst>
+                              <p:cond delay="0"/>
+                            </p:stCondLst>
+                            <p:childTnLst>
+                              <p:par>
+                                <p:cTn id="5" presetID="10" presetClass="entr" presetSubtype="0" fill="hold" grpId="0" nodeType="clickEffect">
+                                  <p:stCondLst>
+                                    <p:cond delay="0"/>
+                                  </p:stCondLst>
+                                  <p:childTnLst>
+                                    <p:set>
+                                      <p:cBhvr>
+                                        <p:cTn id="6" dur="1" fill="hold">
+                                          <p:stCondLst>
+                                            <p:cond delay="0"/>
+                                          </p:stCondLst>
+                                        </p:cTn>
+                                        <p:tgtEl>
+                                          <p:spTgt spid="24"/>
+                                        </p:tgtEl>
+                                        <p:attrNameLst>
+                                          <p:attrName>style.visibility</p:attrName>
+                                        </p:attrNameLst>
+                                      </p:cBhvr>
+                                      <p:to>
+                                        <p:strVal val="visible"/>
+                                      </p:to>
+                                    </p:set>
+                                    <p:animEffect transition="in" filter="fade">
+                                      <p:cBhvr>
+                                        <p:cTn id="7" dur="250"/>
+                                        <p:tgtEl>
+                                          <p:spTgt spid="24"/>
+                                        </p:tgtEl>
+                                      </p:cBhvr>
+                                    </p:animEffect>
+                                  </p:childTnLst>
+                                </p:cTn>
+                              </p:par>
+                              <p:par>
+                                <p:cTn id="8" presetID="10" presetClass="entr" presetSubtype="0" fill="hold" grpId="0" nodeType="withEffect">
+                                  <p:stCondLst>
+                                    <p:cond delay="0"/>
+                                  </p:stCondLst>
+                                  <p:childTnLst>
+                                    <p:set>
+                                      <p:cBhvr>
+                                        <p:cTn id="9" dur="1" fill="hold">
+                                          <p:stCondLst>
+                                            <p:cond delay="0"/>
+                                          </p:stCondLst>
+                                        </p:cTn>
+                                        <p:tgtEl>
+                                          <p:spTgt spid="22"/>
+                                        </p:tgtEl>
+                                        <p:attrNameLst>
+                                          <p:attrName>style.visibility</p:attrName>
+                                        </p:attrNameLst>
+                                      </p:cBhvr>
+                                      <p:to>
+                                        <p:strVal val="visible"/>
+                                      </p:to>
+                                    </p:set>
+                                    <p:animEffect transition="in" filter="fade">
+                                      <p:cBhvr>
+                                        <p:cTn id="10" dur="250"/>
+                                        <p:tgtEl>
+                                          <p:spTgt spid="22"/>
+                                        </p:tgtEl>
+                                      </p:cBhvr>
+                                    </p:animEffect>
+                                  </p:childTnLst>
+                                </p:cTn>
+                              </p:par>
+                              <p:par>
+                                <p:cTn id="11" presetID="10" presetClass="entr" presetSubtype="0" fill="hold" nodeType="withEffect">
+                                  <p:stCondLst>
+                                    <p:cond delay="0"/>
+                                  </p:stCondLst>
+                                  <p:childTnLst>
+                                    <p:set>
+                                      <p:cBhvr>
+                                        <p:cTn id="12" dur="1" fill="hold">
+                                          <p:stCondLst>
+                                            <p:cond delay="0"/>
+                                          </p:stCondLst>
+                                        </p:cTn>
+                                        <p:tgtEl>
+                                          <p:spTgt spid="21"/>
+                                        </p:tgtEl>
+                                        <p:attrNameLst>
+                                          <p:attrName>style.visibility</p:attrName>
+                                        </p:attrNameLst>
+                                      </p:cBhvr>
+                                      <p:to>
+                                        <p:strVal val="visible"/>
+                                      </p:to>
+                                    </p:set>
+                                    <p:animEffect transition="in" filter="fade">
+                                      <p:cBhvr>
+                                        <p:cTn id="13" dur="250"/>
+                                        <p:tgtEl>
+                                          <p:spTgt spid="21"/>
+                                        </p:tgtEl>
+                                      </p:cBhvr>
+                                    </p:animEffect>
+                                  </p:childTnLst>
+                                </p:cTn>
+                              </p:par>
+                            </p:childTnLst>
+                          </p:cTn>
+                        </p:par>
+                      </p:childTnLst>
+                    </p:cTn>
+                  </p:par>
+                </p:childTnLst>
+              </p:cTn>
+              <p:prevCondLst>
+                <p:cond evt="onPrev" delay="0">
+                  <p:tgtEl>
+                    <p:sldTgt/>
+                  </p:tgtEl>
+                </p:cond>
+              </p:prevCondLst>
+              <p:nextCondLst>
+                <p:cond evt="onNext" delay="0">
+                  <p:tgtEl>
+                    <p:sldTgt/>
+                  </p:tgtEl>
+                </p:cond>
+              </p:nextCondLst>
+            </p:seq>
+          </p:childTnLst>
+        </p:cTn>
+      </p:par>
+    </p:tnLst>
+    <p:bldLst>
+      <p:bldP spid="22" grpId="0"/>
+      <p:bldP spid="24" grpId="0" animBg="1"/>
+    </p:bldLst>
+  </p:timing>
 </p:sld>
 </file>
 
@@ -37931,10 +38845,65 @@
       </p:grpSpPr>
       <p:sp>
         <p:nvSpPr>
-          <p:cNvPr id="6" name="사각형: 잘린 한쪽 모서리 5">
-            <a:extLst>
-              <a:ext uri="{FF2B5EF4-FFF2-40B4-BE49-F238E27FC236}">
-                <a16:creationId xmlns:a16="http://schemas.microsoft.com/office/drawing/2014/main" id="{669DA37B-5DD3-4D78-9B12-107FEA86C5DB}"/>
+          <p:cNvPr id="7" name="직사각형 6">
+            <a:extLst>
+              <a:ext uri="{FF2B5EF4-FFF2-40B4-BE49-F238E27FC236}">
+                <a16:creationId xmlns:a16="http://schemas.microsoft.com/office/drawing/2014/main" id="{C7E1AF28-BE7B-4285-A5AF-85F45383FC55}"/>
+              </a:ext>
+            </a:extLst>
+          </p:cNvPr>
+          <p:cNvSpPr/>
+          <p:nvPr/>
+        </p:nvSpPr>
+        <p:spPr>
+          <a:xfrm>
+            <a:off x="-1" y="6639409"/>
+            <a:ext cx="12192001" cy="247606"/>
+          </a:xfrm>
+          <a:prstGeom prst="rect">
+            <a:avLst/>
+          </a:prstGeom>
+          <a:solidFill>
+            <a:schemeClr val="tx1">
+              <a:lumMod val="85000"/>
+              <a:lumOff val="15000"/>
+            </a:schemeClr>
+          </a:solidFill>
+          <a:ln>
+            <a:noFill/>
+          </a:ln>
+        </p:spPr>
+        <p:style>
+          <a:lnRef idx="2">
+            <a:schemeClr val="accent1">
+              <a:shade val="50000"/>
+            </a:schemeClr>
+          </a:lnRef>
+          <a:fillRef idx="1">
+            <a:schemeClr val="accent1"/>
+          </a:fillRef>
+          <a:effectRef idx="0">
+            <a:schemeClr val="accent1"/>
+          </a:effectRef>
+          <a:fontRef idx="minor">
+            <a:schemeClr val="lt1"/>
+          </a:fontRef>
+        </p:style>
+        <p:txBody>
+          <a:bodyPr rtlCol="0" anchor="ctr"/>
+          <a:lstStyle/>
+          <a:p>
+            <a:pPr algn="ctr"/>
+            <a:endParaRPr lang="ko-KR" altLang="en-US"/>
+          </a:p>
+        </p:txBody>
+      </p:sp>
+      <p:sp>
+        <p:nvSpPr>
+          <p:cNvPr id="28" name="사각형: 잘린 한쪽 모서리 27">
+            <a:extLst>
+              <a:ext uri="{FF2B5EF4-FFF2-40B4-BE49-F238E27FC236}">
+                <a16:creationId xmlns:a16="http://schemas.microsoft.com/office/drawing/2014/main" id="{5D796F9B-147D-447B-9D2F-13D27157339C}"/>
               </a:ext>
             </a:extLst>
           </p:cNvPr>
@@ -37983,12 +38952,287 @@
           </a:p>
         </p:txBody>
       </p:sp>
+      <p:cxnSp>
+        <p:nvCxnSpPr>
+          <p:cNvPr id="29" name="직선 연결선 28">
+            <a:extLst>
+              <a:ext uri="{FF2B5EF4-FFF2-40B4-BE49-F238E27FC236}">
+                <a16:creationId xmlns:a16="http://schemas.microsoft.com/office/drawing/2014/main" id="{8071651C-75AE-4563-B9D3-7626E161FF6B}"/>
+              </a:ext>
+            </a:extLst>
+          </p:cNvPr>
+          <p:cNvCxnSpPr>
+            <a:cxnSpLocks/>
+          </p:cNvCxnSpPr>
+          <p:nvPr/>
+        </p:nvCxnSpPr>
+        <p:spPr>
+          <a:xfrm>
+            <a:off x="7051675" y="285750"/>
+            <a:ext cx="665843" cy="0"/>
+          </a:xfrm>
+          <a:prstGeom prst="line">
+            <a:avLst/>
+          </a:prstGeom>
+          <a:ln w="104775">
+            <a:solidFill>
+              <a:schemeClr val="accent5">
+                <a:lumMod val="40000"/>
+                <a:lumOff val="60000"/>
+              </a:schemeClr>
+            </a:solidFill>
+          </a:ln>
+        </p:spPr>
+        <p:style>
+          <a:lnRef idx="1">
+            <a:schemeClr val="accent1"/>
+          </a:lnRef>
+          <a:fillRef idx="0">
+            <a:schemeClr val="accent1"/>
+          </a:fillRef>
+          <a:effectRef idx="0">
+            <a:schemeClr val="accent1"/>
+          </a:effectRef>
+          <a:fontRef idx="minor">
+            <a:schemeClr val="tx1"/>
+          </a:fontRef>
+        </p:style>
+      </p:cxnSp>
+      <p:cxnSp>
+        <p:nvCxnSpPr>
+          <p:cNvPr id="30" name="직선 연결선 29">
+            <a:extLst>
+              <a:ext uri="{FF2B5EF4-FFF2-40B4-BE49-F238E27FC236}">
+                <a16:creationId xmlns:a16="http://schemas.microsoft.com/office/drawing/2014/main" id="{8885AB92-64D6-450E-96DA-CDE25200CF82}"/>
+              </a:ext>
+            </a:extLst>
+          </p:cNvPr>
+          <p:cNvCxnSpPr>
+            <a:cxnSpLocks/>
+          </p:cNvCxnSpPr>
+          <p:nvPr/>
+        </p:nvCxnSpPr>
+        <p:spPr>
+          <a:xfrm>
+            <a:off x="7861300" y="285750"/>
+            <a:ext cx="665843" cy="0"/>
+          </a:xfrm>
+          <a:prstGeom prst="line">
+            <a:avLst/>
+          </a:prstGeom>
+          <a:ln w="104775">
+            <a:solidFill>
+              <a:schemeClr val="accent5">
+                <a:lumMod val="40000"/>
+                <a:lumOff val="60000"/>
+              </a:schemeClr>
+            </a:solidFill>
+          </a:ln>
+        </p:spPr>
+        <p:style>
+          <a:lnRef idx="1">
+            <a:schemeClr val="accent1"/>
+          </a:lnRef>
+          <a:fillRef idx="0">
+            <a:schemeClr val="accent1"/>
+          </a:fillRef>
+          <a:effectRef idx="0">
+            <a:schemeClr val="accent1"/>
+          </a:effectRef>
+          <a:fontRef idx="minor">
+            <a:schemeClr val="tx1"/>
+          </a:fontRef>
+        </p:style>
+      </p:cxnSp>
+      <p:cxnSp>
+        <p:nvCxnSpPr>
+          <p:cNvPr id="31" name="직선 연결선 30">
+            <a:extLst>
+              <a:ext uri="{FF2B5EF4-FFF2-40B4-BE49-F238E27FC236}">
+                <a16:creationId xmlns:a16="http://schemas.microsoft.com/office/drawing/2014/main" id="{5BA8BD0B-FE35-4C35-8187-F9DDB82FD6A1}"/>
+              </a:ext>
+            </a:extLst>
+          </p:cNvPr>
+          <p:cNvCxnSpPr>
+            <a:cxnSpLocks/>
+          </p:cNvCxnSpPr>
+          <p:nvPr/>
+        </p:nvCxnSpPr>
+        <p:spPr>
+          <a:xfrm>
+            <a:off x="8703404" y="285750"/>
+            <a:ext cx="665843" cy="0"/>
+          </a:xfrm>
+          <a:prstGeom prst="line">
+            <a:avLst/>
+          </a:prstGeom>
+          <a:ln w="104775">
+            <a:solidFill>
+              <a:schemeClr val="accent5">
+                <a:lumMod val="40000"/>
+                <a:lumOff val="60000"/>
+              </a:schemeClr>
+            </a:solidFill>
+          </a:ln>
+        </p:spPr>
+        <p:style>
+          <a:lnRef idx="1">
+            <a:schemeClr val="accent1"/>
+          </a:lnRef>
+          <a:fillRef idx="0">
+            <a:schemeClr val="accent1"/>
+          </a:fillRef>
+          <a:effectRef idx="0">
+            <a:schemeClr val="accent1"/>
+          </a:effectRef>
+          <a:fontRef idx="minor">
+            <a:schemeClr val="tx1"/>
+          </a:fontRef>
+        </p:style>
+      </p:cxnSp>
+      <p:cxnSp>
+        <p:nvCxnSpPr>
+          <p:cNvPr id="32" name="직선 연결선 31">
+            <a:extLst>
+              <a:ext uri="{FF2B5EF4-FFF2-40B4-BE49-F238E27FC236}">
+                <a16:creationId xmlns:a16="http://schemas.microsoft.com/office/drawing/2014/main" id="{8B5AFA0C-16BC-4F08-B7BA-99F04659C010}"/>
+              </a:ext>
+            </a:extLst>
+          </p:cNvPr>
+          <p:cNvCxnSpPr>
+            <a:cxnSpLocks/>
+          </p:cNvCxnSpPr>
+          <p:nvPr/>
+        </p:nvCxnSpPr>
+        <p:spPr>
+          <a:xfrm>
+            <a:off x="9513029" y="285750"/>
+            <a:ext cx="665843" cy="0"/>
+          </a:xfrm>
+          <a:prstGeom prst="line">
+            <a:avLst/>
+          </a:prstGeom>
+          <a:ln w="104775">
+            <a:solidFill>
+              <a:schemeClr val="bg1">
+                <a:lumMod val="85000"/>
+              </a:schemeClr>
+            </a:solidFill>
+          </a:ln>
+        </p:spPr>
+        <p:style>
+          <a:lnRef idx="1">
+            <a:schemeClr val="accent1"/>
+          </a:lnRef>
+          <a:fillRef idx="0">
+            <a:schemeClr val="accent1"/>
+          </a:fillRef>
+          <a:effectRef idx="0">
+            <a:schemeClr val="accent1"/>
+          </a:effectRef>
+          <a:fontRef idx="minor">
+            <a:schemeClr val="tx1"/>
+          </a:fontRef>
+        </p:style>
+      </p:cxnSp>
+      <p:cxnSp>
+        <p:nvCxnSpPr>
+          <p:cNvPr id="33" name="직선 연결선 32">
+            <a:extLst>
+              <a:ext uri="{FF2B5EF4-FFF2-40B4-BE49-F238E27FC236}">
+                <a16:creationId xmlns:a16="http://schemas.microsoft.com/office/drawing/2014/main" id="{8041B1B8-23AF-4C61-8980-C9A87F3D8352}"/>
+              </a:ext>
+            </a:extLst>
+          </p:cNvPr>
+          <p:cNvCxnSpPr>
+            <a:cxnSpLocks/>
+          </p:cNvCxnSpPr>
+          <p:nvPr/>
+        </p:nvCxnSpPr>
+        <p:spPr>
+          <a:xfrm>
+            <a:off x="10351229" y="285750"/>
+            <a:ext cx="665843" cy="0"/>
+          </a:xfrm>
+          <a:prstGeom prst="line">
+            <a:avLst/>
+          </a:prstGeom>
+          <a:ln w="104775">
+            <a:solidFill>
+              <a:schemeClr val="tx1">
+                <a:lumMod val="50000"/>
+                <a:lumOff val="50000"/>
+              </a:schemeClr>
+            </a:solidFill>
+          </a:ln>
+        </p:spPr>
+        <p:style>
+          <a:lnRef idx="1">
+            <a:schemeClr val="accent1"/>
+          </a:lnRef>
+          <a:fillRef idx="0">
+            <a:schemeClr val="accent1"/>
+          </a:fillRef>
+          <a:effectRef idx="0">
+            <a:schemeClr val="accent1"/>
+          </a:effectRef>
+          <a:fontRef idx="minor">
+            <a:schemeClr val="tx1"/>
+          </a:fontRef>
+        </p:style>
+      </p:cxnSp>
+      <p:cxnSp>
+        <p:nvCxnSpPr>
+          <p:cNvPr id="34" name="직선 연결선 33">
+            <a:extLst>
+              <a:ext uri="{FF2B5EF4-FFF2-40B4-BE49-F238E27FC236}">
+                <a16:creationId xmlns:a16="http://schemas.microsoft.com/office/drawing/2014/main" id="{B060F7F2-DED3-42E8-BB35-7ABECE2B6F13}"/>
+              </a:ext>
+            </a:extLst>
+          </p:cNvPr>
+          <p:cNvCxnSpPr>
+            <a:cxnSpLocks/>
+          </p:cNvCxnSpPr>
+          <p:nvPr/>
+        </p:nvCxnSpPr>
+        <p:spPr>
+          <a:xfrm>
+            <a:off x="11160854" y="285750"/>
+            <a:ext cx="665843" cy="0"/>
+          </a:xfrm>
+          <a:prstGeom prst="line">
+            <a:avLst/>
+          </a:prstGeom>
+          <a:ln w="104775">
+            <a:solidFill>
+              <a:schemeClr val="tx1">
+                <a:lumMod val="50000"/>
+                <a:lumOff val="50000"/>
+              </a:schemeClr>
+            </a:solidFill>
+          </a:ln>
+        </p:spPr>
+        <p:style>
+          <a:lnRef idx="1">
+            <a:schemeClr val="accent1"/>
+          </a:lnRef>
+          <a:fillRef idx="0">
+            <a:schemeClr val="accent1"/>
+          </a:fillRef>
+          <a:effectRef idx="0">
+            <a:schemeClr val="accent1"/>
+          </a:effectRef>
+          <a:fontRef idx="minor">
+            <a:schemeClr val="tx1"/>
+          </a:fontRef>
+        </p:style>
+      </p:cxnSp>
       <p:sp>
         <p:nvSpPr>
-          <p:cNvPr id="7" name="직사각형 6">
-            <a:extLst>
-              <a:ext uri="{FF2B5EF4-FFF2-40B4-BE49-F238E27FC236}">
-                <a16:creationId xmlns:a16="http://schemas.microsoft.com/office/drawing/2014/main" id="{C7E1AF28-BE7B-4285-A5AF-85F45383FC55}"/>
+          <p:cNvPr id="35" name="직사각형 34">
+            <a:extLst>
+              <a:ext uri="{FF2B5EF4-FFF2-40B4-BE49-F238E27FC236}">
+                <a16:creationId xmlns:a16="http://schemas.microsoft.com/office/drawing/2014/main" id="{1F877727-60BC-480D-A849-A25BC0373C4C}"/>
               </a:ext>
             </a:extLst>
           </p:cNvPr>
@@ -37997,16 +39241,100 @@
         </p:nvSpPr>
         <p:spPr>
           <a:xfrm>
-            <a:off x="-1" y="6639409"/>
-            <a:ext cx="12192001" cy="247606"/>
+            <a:off x="143360" y="93372"/>
+            <a:ext cx="2265979" cy="523220"/>
+          </a:xfrm>
+          <a:prstGeom prst="rect">
+            <a:avLst/>
+          </a:prstGeom>
+        </p:spPr>
+        <p:txBody>
+          <a:bodyPr wrap="square">
+            <a:spAutoFit/>
+          </a:bodyPr>
+          <a:lstStyle/>
+          <a:p>
+            <a:pPr algn="ctr"/>
+            <a:r>
+              <a:rPr lang="ko-KR" altLang="en-US" sz="2800" dirty="0">
+                <a:solidFill>
+                  <a:schemeClr val="bg1"/>
+                </a:solidFill>
+                <a:latin typeface="나눔스퀘어 ExtraBold" panose="020B0600000101010101" pitchFamily="50" charset="-127"/>
+                <a:ea typeface="나눔스퀘어 ExtraBold" panose="020B0600000101010101" pitchFamily="50" charset="-127"/>
+              </a:rPr>
+              <a:t>개발 내용</a:t>
+            </a:r>
+          </a:p>
+        </p:txBody>
+      </p:sp>
+      <p:cxnSp>
+        <p:nvCxnSpPr>
+          <p:cNvPr id="36" name="직선 연결선 35">
+            <a:extLst>
+              <a:ext uri="{FF2B5EF4-FFF2-40B4-BE49-F238E27FC236}">
+                <a16:creationId xmlns:a16="http://schemas.microsoft.com/office/drawing/2014/main" id="{D45B621A-D247-43F2-9E06-78EE8D611E8B}"/>
+              </a:ext>
+            </a:extLst>
+          </p:cNvPr>
+          <p:cNvCxnSpPr>
+            <a:cxnSpLocks/>
+          </p:cNvCxnSpPr>
+          <p:nvPr/>
+        </p:nvCxnSpPr>
+        <p:spPr>
+          <a:xfrm>
+            <a:off x="9513029" y="285750"/>
+            <a:ext cx="665843" cy="0"/>
+          </a:xfrm>
+          <a:prstGeom prst="line">
+            <a:avLst/>
+          </a:prstGeom>
+          <a:ln w="104775">
+            <a:solidFill>
+              <a:srgbClr val="00B0F0"/>
+            </a:solidFill>
+          </a:ln>
+        </p:spPr>
+        <p:style>
+          <a:lnRef idx="1">
+            <a:schemeClr val="accent1"/>
+          </a:lnRef>
+          <a:fillRef idx="0">
+            <a:schemeClr val="accent1"/>
+          </a:fillRef>
+          <a:effectRef idx="0">
+            <a:schemeClr val="accent1"/>
+          </a:effectRef>
+          <a:fontRef idx="minor">
+            <a:schemeClr val="tx1"/>
+          </a:fontRef>
+        </p:style>
+      </p:cxnSp>
+      <p:sp>
+        <p:nvSpPr>
+          <p:cNvPr id="23" name="직사각형 22">
+            <a:extLst>
+              <a:ext uri="{FF2B5EF4-FFF2-40B4-BE49-F238E27FC236}">
+                <a16:creationId xmlns:a16="http://schemas.microsoft.com/office/drawing/2014/main" id="{7E828519-D581-4570-B51E-963B80AF0E80}"/>
+              </a:ext>
+            </a:extLst>
+          </p:cNvPr>
+          <p:cNvSpPr/>
+          <p:nvPr/>
+        </p:nvSpPr>
+        <p:spPr>
+          <a:xfrm>
+            <a:off x="96019" y="1171993"/>
+            <a:ext cx="2776721" cy="405348"/>
           </a:xfrm>
           <a:prstGeom prst="rect">
             <a:avLst/>
           </a:prstGeom>
           <a:solidFill>
             <a:schemeClr val="tx1">
-              <a:lumMod val="85000"/>
-              <a:lumOff val="15000"/>
+              <a:lumMod val="75000"/>
+              <a:lumOff val="25000"/>
             </a:schemeClr>
           </a:solidFill>
           <a:ln>
@@ -38034,266 +39362,48 @@
           <a:lstStyle/>
           <a:p>
             <a:pPr algn="ctr"/>
-            <a:endParaRPr lang="ko-KR" altLang="en-US"/>
+            <a:r>
+              <a:rPr lang="en-US" altLang="ko-KR" dirty="0">
+                <a:latin typeface="나눔스퀘어 ExtraBold" panose="020B0600000101010101" pitchFamily="50" charset="-127"/>
+                <a:ea typeface="나눔스퀘어 ExtraBold" panose="020B0600000101010101" pitchFamily="50" charset="-127"/>
+              </a:rPr>
+              <a:t>Unity </a:t>
+            </a:r>
+            <a:r>
+              <a:rPr lang="ko-KR" altLang="en-US" dirty="0">
+                <a:latin typeface="나눔스퀘어 ExtraBold" panose="020B0600000101010101" pitchFamily="50" charset="-127"/>
+                <a:ea typeface="나눔스퀘어 ExtraBold" panose="020B0600000101010101" pitchFamily="50" charset="-127"/>
+              </a:rPr>
+              <a:t>연동</a:t>
+            </a:r>
           </a:p>
         </p:txBody>
       </p:sp>
       <p:cxnSp>
         <p:nvCxnSpPr>
-          <p:cNvPr id="198" name="직선 연결선 197">
-            <a:extLst>
-              <a:ext uri="{FF2B5EF4-FFF2-40B4-BE49-F238E27FC236}">
-                <a16:creationId xmlns:a16="http://schemas.microsoft.com/office/drawing/2014/main" id="{0ADD24F6-7FA0-49D5-83DE-852311572FB3}"/>
-              </a:ext>
-            </a:extLst>
-          </p:cNvPr>
-          <p:cNvCxnSpPr>
-            <a:cxnSpLocks/>
-          </p:cNvCxnSpPr>
+          <p:cNvPr id="25" name="직선 화살표 연결선 24">
+            <a:extLst>
+              <a:ext uri="{FF2B5EF4-FFF2-40B4-BE49-F238E27FC236}">
+                <a16:creationId xmlns:a16="http://schemas.microsoft.com/office/drawing/2014/main" id="{D5AA2320-D4FC-482C-BAE4-67776E5EEEEE}"/>
+              </a:ext>
+            </a:extLst>
+          </p:cNvPr>
+          <p:cNvCxnSpPr/>
           <p:nvPr/>
         </p:nvCxnSpPr>
         <p:spPr>
           <a:xfrm>
-            <a:off x="7051675" y="285750"/>
-            <a:ext cx="665843" cy="0"/>
-          </a:xfrm>
-          <a:prstGeom prst="line">
-            <a:avLst/>
-          </a:prstGeom>
-          <a:ln w="104775">
+            <a:off x="290872" y="1796650"/>
+            <a:ext cx="359682" cy="0"/>
+          </a:xfrm>
+          <a:prstGeom prst="straightConnector1">
+            <a:avLst/>
+          </a:prstGeom>
+          <a:ln w="57150">
             <a:solidFill>
-              <a:schemeClr val="accent5">
-                <a:lumMod val="40000"/>
-                <a:lumOff val="60000"/>
-              </a:schemeClr>
+              <a:srgbClr val="92D050"/>
             </a:solidFill>
-          </a:ln>
-        </p:spPr>
-        <p:style>
-          <a:lnRef idx="1">
-            <a:schemeClr val="accent1"/>
-          </a:lnRef>
-          <a:fillRef idx="0">
-            <a:schemeClr val="accent1"/>
-          </a:fillRef>
-          <a:effectRef idx="0">
-            <a:schemeClr val="accent1"/>
-          </a:effectRef>
-          <a:fontRef idx="minor">
-            <a:schemeClr val="tx1"/>
-          </a:fontRef>
-        </p:style>
-      </p:cxnSp>
-      <p:cxnSp>
-        <p:nvCxnSpPr>
-          <p:cNvPr id="199" name="직선 연결선 198">
-            <a:extLst>
-              <a:ext uri="{FF2B5EF4-FFF2-40B4-BE49-F238E27FC236}">
-                <a16:creationId xmlns:a16="http://schemas.microsoft.com/office/drawing/2014/main" id="{9CC6E2BB-3B54-45C8-997C-A110D2A07174}"/>
-              </a:ext>
-            </a:extLst>
-          </p:cNvPr>
-          <p:cNvCxnSpPr>
-            <a:cxnSpLocks/>
-          </p:cNvCxnSpPr>
-          <p:nvPr/>
-        </p:nvCxnSpPr>
-        <p:spPr>
-          <a:xfrm>
-            <a:off x="7861300" y="285750"/>
-            <a:ext cx="665843" cy="0"/>
-          </a:xfrm>
-          <a:prstGeom prst="line">
-            <a:avLst/>
-          </a:prstGeom>
-          <a:ln w="104775">
-            <a:solidFill>
-              <a:schemeClr val="accent5">
-                <a:lumMod val="40000"/>
-                <a:lumOff val="60000"/>
-              </a:schemeClr>
-            </a:solidFill>
-          </a:ln>
-        </p:spPr>
-        <p:style>
-          <a:lnRef idx="1">
-            <a:schemeClr val="accent1"/>
-          </a:lnRef>
-          <a:fillRef idx="0">
-            <a:schemeClr val="accent1"/>
-          </a:fillRef>
-          <a:effectRef idx="0">
-            <a:schemeClr val="accent1"/>
-          </a:effectRef>
-          <a:fontRef idx="minor">
-            <a:schemeClr val="tx1"/>
-          </a:fontRef>
-        </p:style>
-      </p:cxnSp>
-      <p:cxnSp>
-        <p:nvCxnSpPr>
-          <p:cNvPr id="200" name="직선 연결선 199">
-            <a:extLst>
-              <a:ext uri="{FF2B5EF4-FFF2-40B4-BE49-F238E27FC236}">
-                <a16:creationId xmlns:a16="http://schemas.microsoft.com/office/drawing/2014/main" id="{80BB21DC-703D-4A98-9D5C-3DD789D97315}"/>
-              </a:ext>
-            </a:extLst>
-          </p:cNvPr>
-          <p:cNvCxnSpPr>
-            <a:cxnSpLocks/>
-          </p:cNvCxnSpPr>
-          <p:nvPr/>
-        </p:nvCxnSpPr>
-        <p:spPr>
-          <a:xfrm>
-            <a:off x="8703404" y="285750"/>
-            <a:ext cx="665843" cy="0"/>
-          </a:xfrm>
-          <a:prstGeom prst="line">
-            <a:avLst/>
-          </a:prstGeom>
-          <a:ln w="104775">
-            <a:solidFill>
-              <a:schemeClr val="accent5">
-                <a:lumMod val="40000"/>
-                <a:lumOff val="60000"/>
-              </a:schemeClr>
-            </a:solidFill>
-          </a:ln>
-        </p:spPr>
-        <p:style>
-          <a:lnRef idx="1">
-            <a:schemeClr val="accent1"/>
-          </a:lnRef>
-          <a:fillRef idx="0">
-            <a:schemeClr val="accent1"/>
-          </a:fillRef>
-          <a:effectRef idx="0">
-            <a:schemeClr val="accent1"/>
-          </a:effectRef>
-          <a:fontRef idx="minor">
-            <a:schemeClr val="tx1"/>
-          </a:fontRef>
-        </p:style>
-      </p:cxnSp>
-      <p:cxnSp>
-        <p:nvCxnSpPr>
-          <p:cNvPr id="201" name="직선 연결선 200">
-            <a:extLst>
-              <a:ext uri="{FF2B5EF4-FFF2-40B4-BE49-F238E27FC236}">
-                <a16:creationId xmlns:a16="http://schemas.microsoft.com/office/drawing/2014/main" id="{FCABE61B-FC30-46A0-82C8-044A81DCDF1E}"/>
-              </a:ext>
-            </a:extLst>
-          </p:cNvPr>
-          <p:cNvCxnSpPr>
-            <a:cxnSpLocks/>
-          </p:cNvCxnSpPr>
-          <p:nvPr/>
-        </p:nvCxnSpPr>
-        <p:spPr>
-          <a:xfrm>
-            <a:off x="9513029" y="285750"/>
-            <a:ext cx="665843" cy="0"/>
-          </a:xfrm>
-          <a:prstGeom prst="line">
-            <a:avLst/>
-          </a:prstGeom>
-          <a:ln w="104775">
-            <a:solidFill>
-              <a:schemeClr val="accent5">
-                <a:lumMod val="40000"/>
-                <a:lumOff val="60000"/>
-              </a:schemeClr>
-            </a:solidFill>
-          </a:ln>
-        </p:spPr>
-        <p:style>
-          <a:lnRef idx="1">
-            <a:schemeClr val="accent1"/>
-          </a:lnRef>
-          <a:fillRef idx="0">
-            <a:schemeClr val="accent1"/>
-          </a:fillRef>
-          <a:effectRef idx="0">
-            <a:schemeClr val="accent1"/>
-          </a:effectRef>
-          <a:fontRef idx="minor">
-            <a:schemeClr val="tx1"/>
-          </a:fontRef>
-        </p:style>
-      </p:cxnSp>
-      <p:cxnSp>
-        <p:nvCxnSpPr>
-          <p:cNvPr id="202" name="직선 연결선 201">
-            <a:extLst>
-              <a:ext uri="{FF2B5EF4-FFF2-40B4-BE49-F238E27FC236}">
-                <a16:creationId xmlns:a16="http://schemas.microsoft.com/office/drawing/2014/main" id="{54393461-5348-4427-BC48-76002A1B6DE4}"/>
-              </a:ext>
-            </a:extLst>
-          </p:cNvPr>
-          <p:cNvCxnSpPr>
-            <a:cxnSpLocks/>
-          </p:cNvCxnSpPr>
-          <p:nvPr/>
-        </p:nvCxnSpPr>
-        <p:spPr>
-          <a:xfrm>
-            <a:off x="10351229" y="285750"/>
-            <a:ext cx="665843" cy="0"/>
-          </a:xfrm>
-          <a:prstGeom prst="line">
-            <a:avLst/>
-          </a:prstGeom>
-          <a:ln w="104775">
-            <a:solidFill>
-              <a:srgbClr val="00B0F0"/>
-            </a:solidFill>
-          </a:ln>
-        </p:spPr>
-        <p:style>
-          <a:lnRef idx="1">
-            <a:schemeClr val="accent1"/>
-          </a:lnRef>
-          <a:fillRef idx="0">
-            <a:schemeClr val="accent1"/>
-          </a:fillRef>
-          <a:effectRef idx="0">
-            <a:schemeClr val="accent1"/>
-          </a:effectRef>
-          <a:fontRef idx="minor">
-            <a:schemeClr val="tx1"/>
-          </a:fontRef>
-        </p:style>
-      </p:cxnSp>
-      <p:cxnSp>
-        <p:nvCxnSpPr>
-          <p:cNvPr id="203" name="직선 연결선 202">
-            <a:extLst>
-              <a:ext uri="{FF2B5EF4-FFF2-40B4-BE49-F238E27FC236}">
-                <a16:creationId xmlns:a16="http://schemas.microsoft.com/office/drawing/2014/main" id="{F287F060-271B-4F65-ACFC-16618F146830}"/>
-              </a:ext>
-            </a:extLst>
-          </p:cNvPr>
-          <p:cNvCxnSpPr>
-            <a:cxnSpLocks/>
-          </p:cNvCxnSpPr>
-          <p:nvPr/>
-        </p:nvCxnSpPr>
-        <p:spPr>
-          <a:xfrm>
-            <a:off x="11160854" y="285750"/>
-            <a:ext cx="665843" cy="0"/>
-          </a:xfrm>
-          <a:prstGeom prst="line">
-            <a:avLst/>
-          </a:prstGeom>
-          <a:ln w="104775">
-            <a:solidFill>
-              <a:schemeClr val="tx1">
-                <a:lumMod val="50000"/>
-                <a:lumOff val="50000"/>
-              </a:schemeClr>
-            </a:solidFill>
+            <a:tailEnd type="triangle"/>
           </a:ln>
         </p:spPr>
         <p:style>
@@ -38313,69 +39423,907 @@
       </p:cxnSp>
       <p:sp>
         <p:nvSpPr>
-          <p:cNvPr id="204" name="직사각형 203">
-            <a:extLst>
-              <a:ext uri="{FF2B5EF4-FFF2-40B4-BE49-F238E27FC236}">
-                <a16:creationId xmlns:a16="http://schemas.microsoft.com/office/drawing/2014/main" id="{98550F2F-62CD-4ECA-89E9-4B431180B4B1}"/>
-              </a:ext>
-            </a:extLst>
-          </p:cNvPr>
-          <p:cNvSpPr/>
+          <p:cNvPr id="26" name="부제목 2">
+            <a:extLst>
+              <a:ext uri="{FF2B5EF4-FFF2-40B4-BE49-F238E27FC236}">
+                <a16:creationId xmlns:a16="http://schemas.microsoft.com/office/drawing/2014/main" id="{21F6E0AD-3CA8-4F92-AF56-3E24BE9C0640}"/>
+              </a:ext>
+            </a:extLst>
+          </p:cNvPr>
+          <p:cNvSpPr txBox="1">
+            <a:spLocks/>
+          </p:cNvSpPr>
           <p:nvPr/>
         </p:nvSpPr>
         <p:spPr>
           <a:xfrm>
-            <a:off x="82728" y="154927"/>
-            <a:ext cx="2265979" cy="461665"/>
+            <a:off x="650553" y="1616902"/>
+            <a:ext cx="3125307" cy="1161840"/>
           </a:xfrm>
           <a:prstGeom prst="rect">
             <a:avLst/>
           </a:prstGeom>
         </p:spPr>
         <p:txBody>
-          <a:bodyPr wrap="square">
-            <a:spAutoFit/>
+          <a:bodyPr vert="horz" lIns="91440" tIns="45720" rIns="91440" bIns="45720" rtlCol="0" anchor="t">
+            <a:normAutofit/>
           </a:bodyPr>
-          <a:lstStyle/>
+          <a:lstStyle>
+            <a:lvl1pPr marL="0" indent="0" algn="ctr" defTabSz="914400" rtl="0" eaLnBrk="1" latinLnBrk="1" hangingPunct="1">
+              <a:lnSpc>
+                <a:spcPct val="90000"/>
+              </a:lnSpc>
+              <a:spcBef>
+                <a:spcPts val="1000"/>
+              </a:spcBef>
+              <a:buFont typeface="Arial" panose="020B0604020202020204" pitchFamily="34" charset="0"/>
+              <a:buNone/>
+              <a:defRPr sz="2400" kern="1200">
+                <a:solidFill>
+                  <a:schemeClr val="tx1"/>
+                </a:solidFill>
+                <a:latin typeface="+mn-lt"/>
+                <a:ea typeface="+mn-ea"/>
+                <a:cs typeface="+mn-cs"/>
+              </a:defRPr>
+            </a:lvl1pPr>
+            <a:lvl2pPr marL="457200" indent="0" algn="ctr" defTabSz="914400" rtl="0" eaLnBrk="1" latinLnBrk="1" hangingPunct="1">
+              <a:lnSpc>
+                <a:spcPct val="90000"/>
+              </a:lnSpc>
+              <a:spcBef>
+                <a:spcPts val="500"/>
+              </a:spcBef>
+              <a:buFont typeface="Arial" panose="020B0604020202020204" pitchFamily="34" charset="0"/>
+              <a:buNone/>
+              <a:defRPr sz="2000" kern="1200">
+                <a:solidFill>
+                  <a:schemeClr val="tx1"/>
+                </a:solidFill>
+                <a:latin typeface="+mn-lt"/>
+                <a:ea typeface="+mn-ea"/>
+                <a:cs typeface="+mn-cs"/>
+              </a:defRPr>
+            </a:lvl2pPr>
+            <a:lvl3pPr marL="914400" indent="0" algn="ctr" defTabSz="914400" rtl="0" eaLnBrk="1" latinLnBrk="1" hangingPunct="1">
+              <a:lnSpc>
+                <a:spcPct val="90000"/>
+              </a:lnSpc>
+              <a:spcBef>
+                <a:spcPts val="500"/>
+              </a:spcBef>
+              <a:buFont typeface="Arial" panose="020B0604020202020204" pitchFamily="34" charset="0"/>
+              <a:buNone/>
+              <a:defRPr sz="1800" kern="1200">
+                <a:solidFill>
+                  <a:schemeClr val="tx1"/>
+                </a:solidFill>
+                <a:latin typeface="+mn-lt"/>
+                <a:ea typeface="+mn-ea"/>
+                <a:cs typeface="+mn-cs"/>
+              </a:defRPr>
+            </a:lvl3pPr>
+            <a:lvl4pPr marL="1371600" indent="0" algn="ctr" defTabSz="914400" rtl="0" eaLnBrk="1" latinLnBrk="1" hangingPunct="1">
+              <a:lnSpc>
+                <a:spcPct val="90000"/>
+              </a:lnSpc>
+              <a:spcBef>
+                <a:spcPts val="500"/>
+              </a:spcBef>
+              <a:buFont typeface="Arial" panose="020B0604020202020204" pitchFamily="34" charset="0"/>
+              <a:buNone/>
+              <a:defRPr sz="1600" kern="1200">
+                <a:solidFill>
+                  <a:schemeClr val="tx1"/>
+                </a:solidFill>
+                <a:latin typeface="+mn-lt"/>
+                <a:ea typeface="+mn-ea"/>
+                <a:cs typeface="+mn-cs"/>
+              </a:defRPr>
+            </a:lvl4pPr>
+            <a:lvl5pPr marL="1828800" indent="0" algn="ctr" defTabSz="914400" rtl="0" eaLnBrk="1" latinLnBrk="1" hangingPunct="1">
+              <a:lnSpc>
+                <a:spcPct val="90000"/>
+              </a:lnSpc>
+              <a:spcBef>
+                <a:spcPts val="500"/>
+              </a:spcBef>
+              <a:buFont typeface="Arial" panose="020B0604020202020204" pitchFamily="34" charset="0"/>
+              <a:buNone/>
+              <a:defRPr sz="1600" kern="1200">
+                <a:solidFill>
+                  <a:schemeClr val="tx1"/>
+                </a:solidFill>
+                <a:latin typeface="+mn-lt"/>
+                <a:ea typeface="+mn-ea"/>
+                <a:cs typeface="+mn-cs"/>
+              </a:defRPr>
+            </a:lvl5pPr>
+            <a:lvl6pPr marL="2286000" indent="0" algn="ctr" defTabSz="914400" rtl="0" eaLnBrk="1" latinLnBrk="1" hangingPunct="1">
+              <a:lnSpc>
+                <a:spcPct val="90000"/>
+              </a:lnSpc>
+              <a:spcBef>
+                <a:spcPts val="500"/>
+              </a:spcBef>
+              <a:buFont typeface="Arial" panose="020B0604020202020204" pitchFamily="34" charset="0"/>
+              <a:buNone/>
+              <a:defRPr sz="1600" kern="1200">
+                <a:solidFill>
+                  <a:schemeClr val="tx1"/>
+                </a:solidFill>
+                <a:latin typeface="+mn-lt"/>
+                <a:ea typeface="+mn-ea"/>
+                <a:cs typeface="+mn-cs"/>
+              </a:defRPr>
+            </a:lvl6pPr>
+            <a:lvl7pPr marL="2743200" indent="0" algn="ctr" defTabSz="914400" rtl="0" eaLnBrk="1" latinLnBrk="1" hangingPunct="1">
+              <a:lnSpc>
+                <a:spcPct val="90000"/>
+              </a:lnSpc>
+              <a:spcBef>
+                <a:spcPts val="500"/>
+              </a:spcBef>
+              <a:buFont typeface="Arial" panose="020B0604020202020204" pitchFamily="34" charset="0"/>
+              <a:buNone/>
+              <a:defRPr sz="1600" kern="1200">
+                <a:solidFill>
+                  <a:schemeClr val="tx1"/>
+                </a:solidFill>
+                <a:latin typeface="+mn-lt"/>
+                <a:ea typeface="+mn-ea"/>
+                <a:cs typeface="+mn-cs"/>
+              </a:defRPr>
+            </a:lvl7pPr>
+            <a:lvl8pPr marL="3200400" indent="0" algn="ctr" defTabSz="914400" rtl="0" eaLnBrk="1" latinLnBrk="1" hangingPunct="1">
+              <a:lnSpc>
+                <a:spcPct val="90000"/>
+              </a:lnSpc>
+              <a:spcBef>
+                <a:spcPts val="500"/>
+              </a:spcBef>
+              <a:buFont typeface="Arial" panose="020B0604020202020204" pitchFamily="34" charset="0"/>
+              <a:buNone/>
+              <a:defRPr sz="1600" kern="1200">
+                <a:solidFill>
+                  <a:schemeClr val="tx1"/>
+                </a:solidFill>
+                <a:latin typeface="+mn-lt"/>
+                <a:ea typeface="+mn-ea"/>
+                <a:cs typeface="+mn-cs"/>
+              </a:defRPr>
+            </a:lvl8pPr>
+            <a:lvl9pPr marL="3657600" indent="0" algn="ctr" defTabSz="914400" rtl="0" eaLnBrk="1" latinLnBrk="1" hangingPunct="1">
+              <a:lnSpc>
+                <a:spcPct val="90000"/>
+              </a:lnSpc>
+              <a:spcBef>
+                <a:spcPts val="500"/>
+              </a:spcBef>
+              <a:buFont typeface="Arial" panose="020B0604020202020204" pitchFamily="34" charset="0"/>
+              <a:buNone/>
+              <a:defRPr sz="1600" kern="1200">
+                <a:solidFill>
+                  <a:schemeClr val="tx1"/>
+                </a:solidFill>
+                <a:latin typeface="+mn-lt"/>
+                <a:ea typeface="+mn-ea"/>
+                <a:cs typeface="+mn-cs"/>
+              </a:defRPr>
+            </a:lvl9pPr>
+          </a:lstStyle>
           <a:p>
-            <a:pPr algn="ctr"/>
-            <a:r>
-              <a:rPr lang="ko-KR" altLang="en-US" sz="2400" dirty="0">
+            <a:pPr algn="l" latinLnBrk="0"/>
+            <a:r>
+              <a:rPr lang="ko-KR" altLang="en-US" sz="1600" dirty="0">
+                <a:latin typeface="나눔스퀘어" panose="020B0600000101010101" pitchFamily="50" charset="-127"/>
+                <a:ea typeface="나눔스퀘어" panose="020B0600000101010101" pitchFamily="50" charset="-127"/>
+              </a:rPr>
+              <a:t>채팅방의 </a:t>
+            </a:r>
+            <a:r>
+              <a:rPr lang="en-US" altLang="ko-KR" sz="1600" dirty="0">
+                <a:latin typeface="나눔스퀘어" panose="020B0600000101010101" pitchFamily="50" charset="-127"/>
+                <a:ea typeface="나눔스퀘어" panose="020B0600000101010101" pitchFamily="50" charset="-127"/>
+              </a:rPr>
+              <a:t>JavaScript</a:t>
+            </a:r>
+            <a:r>
+              <a:rPr lang="ko-KR" altLang="en-US" sz="1600" dirty="0">
+                <a:latin typeface="나눔스퀘어" panose="020B0600000101010101" pitchFamily="50" charset="-127"/>
+                <a:ea typeface="나눔스퀘어" panose="020B0600000101010101" pitchFamily="50" charset="-127"/>
+              </a:rPr>
+              <a:t> </a:t>
+            </a:r>
+            <a:r>
+              <a:rPr lang="en-US" altLang="ko-KR" sz="1600" dirty="0">
+                <a:latin typeface="나눔스퀘어" panose="020B0600000101010101" pitchFamily="50" charset="-127"/>
+                <a:ea typeface="나눔스퀘어" panose="020B0600000101010101" pitchFamily="50" charset="-127"/>
+              </a:rPr>
+              <a:t>+</a:t>
+            </a:r>
+            <a:r>
+              <a:rPr lang="ko-KR" altLang="en-US" sz="1600" dirty="0">
+                <a:latin typeface="나눔스퀘어" panose="020B0600000101010101" pitchFamily="50" charset="-127"/>
+                <a:ea typeface="나눔스퀘어" panose="020B0600000101010101" pitchFamily="50" charset="-127"/>
+              </a:rPr>
+              <a:t> </a:t>
+            </a:r>
+            <a:r>
+              <a:rPr lang="en-US" altLang="ko-KR" sz="1600" dirty="0" err="1">
+                <a:latin typeface="나눔스퀘어" panose="020B0600000101010101" pitchFamily="50" charset="-127"/>
+                <a:ea typeface="나눔스퀘어" panose="020B0600000101010101" pitchFamily="50" charset="-127"/>
+              </a:rPr>
+              <a:t>webGL</a:t>
+            </a:r>
+            <a:endParaRPr lang="en-US" altLang="ko-KR" sz="1600" dirty="0">
+              <a:latin typeface="나눔스퀘어" panose="020B0600000101010101" pitchFamily="50" charset="-127"/>
+              <a:ea typeface="나눔스퀘어" panose="020B0600000101010101" pitchFamily="50" charset="-127"/>
+            </a:endParaRPr>
+          </a:p>
+          <a:p>
+            <a:pPr algn="l" latinLnBrk="0"/>
+            <a:r>
+              <a:rPr lang="en-US" altLang="ko-KR" sz="1600" dirty="0">
+                <a:latin typeface="나눔스퀘어" panose="020B0600000101010101" pitchFamily="50" charset="-127"/>
+                <a:ea typeface="나눔스퀘어" panose="020B0600000101010101" pitchFamily="50" charset="-127"/>
+              </a:rPr>
+              <a:t>Unity 2020.03</a:t>
+            </a:r>
+            <a:r>
+              <a:rPr lang="ko-KR" altLang="en-US" sz="1600" dirty="0">
+                <a:latin typeface="나눔스퀘어" panose="020B0600000101010101" pitchFamily="50" charset="-127"/>
+                <a:ea typeface="나눔스퀘어" panose="020B0600000101010101" pitchFamily="50" charset="-127"/>
+              </a:rPr>
+              <a:t> 버전 기준 작성</a:t>
+            </a:r>
+            <a:endParaRPr lang="en-US" altLang="ko-KR" sz="1600" dirty="0">
+              <a:latin typeface="나눔스퀘어" panose="020B0600000101010101" pitchFamily="50" charset="-127"/>
+              <a:ea typeface="나눔스퀘어" panose="020B0600000101010101" pitchFamily="50" charset="-127"/>
+            </a:endParaRPr>
+          </a:p>
+          <a:p>
+            <a:pPr algn="l" latinLnBrk="0"/>
+            <a:r>
+              <a:rPr lang="en-US" altLang="ko-KR" sz="1600" dirty="0">
+                <a:latin typeface="나눔스퀘어" panose="020B0600000101010101" pitchFamily="50" charset="-127"/>
+                <a:ea typeface="나눔스퀘어" panose="020B0600000101010101" pitchFamily="50" charset="-127"/>
+              </a:rPr>
+              <a:t>Html </a:t>
+            </a:r>
+            <a:r>
+              <a:rPr lang="ko-KR" altLang="en-US" sz="1600" dirty="0">
+                <a:latin typeface="나눔스퀘어" panose="020B0600000101010101" pitchFamily="50" charset="-127"/>
+                <a:ea typeface="나눔스퀘어" panose="020B0600000101010101" pitchFamily="50" charset="-127"/>
+              </a:rPr>
+              <a:t>메인 페이지로 </a:t>
+            </a:r>
+            <a:r>
+              <a:rPr lang="en-US" altLang="ko-KR" sz="1600" dirty="0">
+                <a:latin typeface="나눔스퀘어" panose="020B0600000101010101" pitchFamily="50" charset="-127"/>
+                <a:ea typeface="나눔스퀘어" panose="020B0600000101010101" pitchFamily="50" charset="-127"/>
+              </a:rPr>
+              <a:t>script </a:t>
+            </a:r>
+            <a:r>
+              <a:rPr lang="ko-KR" altLang="en-US" sz="1600" dirty="0">
+                <a:latin typeface="나눔스퀘어" panose="020B0600000101010101" pitchFamily="50" charset="-127"/>
+                <a:ea typeface="나눔스퀘어" panose="020B0600000101010101" pitchFamily="50" charset="-127"/>
+              </a:rPr>
+              <a:t>전달</a:t>
+            </a:r>
+            <a:endParaRPr lang="en-US" altLang="ko-KR" sz="1600" dirty="0">
+              <a:latin typeface="나눔스퀘어" panose="020B0600000101010101" pitchFamily="50" charset="-127"/>
+              <a:ea typeface="나눔스퀘어" panose="020B0600000101010101" pitchFamily="50" charset="-127"/>
+            </a:endParaRPr>
+          </a:p>
+        </p:txBody>
+      </p:sp>
+      <p:cxnSp>
+        <p:nvCxnSpPr>
+          <p:cNvPr id="27" name="직선 화살표 연결선 26">
+            <a:extLst>
+              <a:ext uri="{FF2B5EF4-FFF2-40B4-BE49-F238E27FC236}">
+                <a16:creationId xmlns:a16="http://schemas.microsoft.com/office/drawing/2014/main" id="{35CC75DA-D29A-4FDA-BF58-8EA475080148}"/>
+              </a:ext>
+            </a:extLst>
+          </p:cNvPr>
+          <p:cNvCxnSpPr/>
+          <p:nvPr/>
+        </p:nvCxnSpPr>
+        <p:spPr>
+          <a:xfrm>
+            <a:off x="862372" y="2962085"/>
+            <a:ext cx="359682" cy="0"/>
+          </a:xfrm>
+          <a:prstGeom prst="straightConnector1">
+            <a:avLst/>
+          </a:prstGeom>
+          <a:ln w="57150">
+            <a:solidFill>
+              <a:srgbClr val="00B0F0"/>
+            </a:solidFill>
+            <a:tailEnd type="triangle"/>
+          </a:ln>
+        </p:spPr>
+        <p:style>
+          <a:lnRef idx="1">
+            <a:schemeClr val="accent1"/>
+          </a:lnRef>
+          <a:fillRef idx="0">
+            <a:schemeClr val="accent1"/>
+          </a:fillRef>
+          <a:effectRef idx="0">
+            <a:schemeClr val="accent1"/>
+          </a:effectRef>
+          <a:fontRef idx="minor">
+            <a:schemeClr val="tx1"/>
+          </a:fontRef>
+        </p:style>
+      </p:cxnSp>
+      <p:sp>
+        <p:nvSpPr>
+          <p:cNvPr id="37" name="부제목 2">
+            <a:extLst>
+              <a:ext uri="{FF2B5EF4-FFF2-40B4-BE49-F238E27FC236}">
+                <a16:creationId xmlns:a16="http://schemas.microsoft.com/office/drawing/2014/main" id="{1FDB2BE9-6625-4777-BF47-B7EEE48772CE}"/>
+              </a:ext>
+            </a:extLst>
+          </p:cNvPr>
+          <p:cNvSpPr txBox="1">
+            <a:spLocks/>
+          </p:cNvSpPr>
+          <p:nvPr/>
+        </p:nvSpPr>
+        <p:spPr>
+          <a:xfrm>
+            <a:off x="1222053" y="2823981"/>
+            <a:ext cx="2991807" cy="303342"/>
+          </a:xfrm>
+          <a:prstGeom prst="rect">
+            <a:avLst/>
+          </a:prstGeom>
+        </p:spPr>
+        <p:txBody>
+          <a:bodyPr vert="horz" lIns="91440" tIns="45720" rIns="91440" bIns="45720" rtlCol="0" anchor="t">
+            <a:normAutofit lnSpcReduction="10000"/>
+          </a:bodyPr>
+          <a:lstStyle>
+            <a:lvl1pPr marL="0" indent="0" algn="ctr" defTabSz="914400" rtl="0" eaLnBrk="1" latinLnBrk="1" hangingPunct="1">
+              <a:lnSpc>
+                <a:spcPct val="90000"/>
+              </a:lnSpc>
+              <a:spcBef>
+                <a:spcPts val="1000"/>
+              </a:spcBef>
+              <a:buFont typeface="Arial" panose="020B0604020202020204" pitchFamily="34" charset="0"/>
+              <a:buNone/>
+              <a:defRPr sz="2400" kern="1200">
                 <a:solidFill>
-                  <a:schemeClr val="bg1"/>
+                  <a:schemeClr val="tx1"/>
                 </a:solidFill>
-                <a:latin typeface="나눔스퀘어 ExtraBold" panose="020B0600000101010101" pitchFamily="50" charset="-127"/>
-                <a:ea typeface="나눔스퀘어 ExtraBold" panose="020B0600000101010101" pitchFamily="50" charset="-127"/>
+                <a:latin typeface="+mn-lt"/>
+                <a:ea typeface="+mn-ea"/>
+                <a:cs typeface="+mn-cs"/>
+              </a:defRPr>
+            </a:lvl1pPr>
+            <a:lvl2pPr marL="457200" indent="0" algn="ctr" defTabSz="914400" rtl="0" eaLnBrk="1" latinLnBrk="1" hangingPunct="1">
+              <a:lnSpc>
+                <a:spcPct val="90000"/>
+              </a:lnSpc>
+              <a:spcBef>
+                <a:spcPts val="500"/>
+              </a:spcBef>
+              <a:buFont typeface="Arial" panose="020B0604020202020204" pitchFamily="34" charset="0"/>
+              <a:buNone/>
+              <a:defRPr sz="2000" kern="1200">
+                <a:solidFill>
+                  <a:schemeClr val="tx1"/>
+                </a:solidFill>
+                <a:latin typeface="+mn-lt"/>
+                <a:ea typeface="+mn-ea"/>
+                <a:cs typeface="+mn-cs"/>
+              </a:defRPr>
+            </a:lvl2pPr>
+            <a:lvl3pPr marL="914400" indent="0" algn="ctr" defTabSz="914400" rtl="0" eaLnBrk="1" latinLnBrk="1" hangingPunct="1">
+              <a:lnSpc>
+                <a:spcPct val="90000"/>
+              </a:lnSpc>
+              <a:spcBef>
+                <a:spcPts val="500"/>
+              </a:spcBef>
+              <a:buFont typeface="Arial" panose="020B0604020202020204" pitchFamily="34" charset="0"/>
+              <a:buNone/>
+              <a:defRPr sz="1800" kern="1200">
+                <a:solidFill>
+                  <a:schemeClr val="tx1"/>
+                </a:solidFill>
+                <a:latin typeface="+mn-lt"/>
+                <a:ea typeface="+mn-ea"/>
+                <a:cs typeface="+mn-cs"/>
+              </a:defRPr>
+            </a:lvl3pPr>
+            <a:lvl4pPr marL="1371600" indent="0" algn="ctr" defTabSz="914400" rtl="0" eaLnBrk="1" latinLnBrk="1" hangingPunct="1">
+              <a:lnSpc>
+                <a:spcPct val="90000"/>
+              </a:lnSpc>
+              <a:spcBef>
+                <a:spcPts val="500"/>
+              </a:spcBef>
+              <a:buFont typeface="Arial" panose="020B0604020202020204" pitchFamily="34" charset="0"/>
+              <a:buNone/>
+              <a:defRPr sz="1600" kern="1200">
+                <a:solidFill>
+                  <a:schemeClr val="tx1"/>
+                </a:solidFill>
+                <a:latin typeface="+mn-lt"/>
+                <a:ea typeface="+mn-ea"/>
+                <a:cs typeface="+mn-cs"/>
+              </a:defRPr>
+            </a:lvl4pPr>
+            <a:lvl5pPr marL="1828800" indent="0" algn="ctr" defTabSz="914400" rtl="0" eaLnBrk="1" latinLnBrk="1" hangingPunct="1">
+              <a:lnSpc>
+                <a:spcPct val="90000"/>
+              </a:lnSpc>
+              <a:spcBef>
+                <a:spcPts val="500"/>
+              </a:spcBef>
+              <a:buFont typeface="Arial" panose="020B0604020202020204" pitchFamily="34" charset="0"/>
+              <a:buNone/>
+              <a:defRPr sz="1600" kern="1200">
+                <a:solidFill>
+                  <a:schemeClr val="tx1"/>
+                </a:solidFill>
+                <a:latin typeface="+mn-lt"/>
+                <a:ea typeface="+mn-ea"/>
+                <a:cs typeface="+mn-cs"/>
+              </a:defRPr>
+            </a:lvl5pPr>
+            <a:lvl6pPr marL="2286000" indent="0" algn="ctr" defTabSz="914400" rtl="0" eaLnBrk="1" latinLnBrk="1" hangingPunct="1">
+              <a:lnSpc>
+                <a:spcPct val="90000"/>
+              </a:lnSpc>
+              <a:spcBef>
+                <a:spcPts val="500"/>
+              </a:spcBef>
+              <a:buFont typeface="Arial" panose="020B0604020202020204" pitchFamily="34" charset="0"/>
+              <a:buNone/>
+              <a:defRPr sz="1600" kern="1200">
+                <a:solidFill>
+                  <a:schemeClr val="tx1"/>
+                </a:solidFill>
+                <a:latin typeface="+mn-lt"/>
+                <a:ea typeface="+mn-ea"/>
+                <a:cs typeface="+mn-cs"/>
+              </a:defRPr>
+            </a:lvl6pPr>
+            <a:lvl7pPr marL="2743200" indent="0" algn="ctr" defTabSz="914400" rtl="0" eaLnBrk="1" latinLnBrk="1" hangingPunct="1">
+              <a:lnSpc>
+                <a:spcPct val="90000"/>
+              </a:lnSpc>
+              <a:spcBef>
+                <a:spcPts val="500"/>
+              </a:spcBef>
+              <a:buFont typeface="Arial" panose="020B0604020202020204" pitchFamily="34" charset="0"/>
+              <a:buNone/>
+              <a:defRPr sz="1600" kern="1200">
+                <a:solidFill>
+                  <a:schemeClr val="tx1"/>
+                </a:solidFill>
+                <a:latin typeface="+mn-lt"/>
+                <a:ea typeface="+mn-ea"/>
+                <a:cs typeface="+mn-cs"/>
+              </a:defRPr>
+            </a:lvl7pPr>
+            <a:lvl8pPr marL="3200400" indent="0" algn="ctr" defTabSz="914400" rtl="0" eaLnBrk="1" latinLnBrk="1" hangingPunct="1">
+              <a:lnSpc>
+                <a:spcPct val="90000"/>
+              </a:lnSpc>
+              <a:spcBef>
+                <a:spcPts val="500"/>
+              </a:spcBef>
+              <a:buFont typeface="Arial" panose="020B0604020202020204" pitchFamily="34" charset="0"/>
+              <a:buNone/>
+              <a:defRPr sz="1600" kern="1200">
+                <a:solidFill>
+                  <a:schemeClr val="tx1"/>
+                </a:solidFill>
+                <a:latin typeface="+mn-lt"/>
+                <a:ea typeface="+mn-ea"/>
+                <a:cs typeface="+mn-cs"/>
+              </a:defRPr>
+            </a:lvl8pPr>
+            <a:lvl9pPr marL="3657600" indent="0" algn="ctr" defTabSz="914400" rtl="0" eaLnBrk="1" latinLnBrk="1" hangingPunct="1">
+              <a:lnSpc>
+                <a:spcPct val="90000"/>
+              </a:lnSpc>
+              <a:spcBef>
+                <a:spcPts val="500"/>
+              </a:spcBef>
+              <a:buFont typeface="Arial" panose="020B0604020202020204" pitchFamily="34" charset="0"/>
+              <a:buNone/>
+              <a:defRPr sz="1600" kern="1200">
+                <a:solidFill>
+                  <a:schemeClr val="tx1"/>
+                </a:solidFill>
+                <a:latin typeface="+mn-lt"/>
+                <a:ea typeface="+mn-ea"/>
+                <a:cs typeface="+mn-cs"/>
+              </a:defRPr>
+            </a:lvl9pPr>
+          </a:lstStyle>
+          <a:p>
+            <a:pPr algn="l" latinLnBrk="0"/>
+            <a:r>
+              <a:rPr lang="en-US" altLang="ko-KR" sz="1600" dirty="0">
+                <a:latin typeface="나눔스퀘어" panose="020B0600000101010101" pitchFamily="50" charset="-127"/>
+                <a:ea typeface="나눔스퀘어" panose="020B0600000101010101" pitchFamily="50" charset="-127"/>
               </a:rPr>
-              <a:t>연구 결과 </a:t>
-            </a:r>
-            <a:r>
-              <a:rPr lang="en-US" altLang="ko-KR" sz="2400" dirty="0">
+              <a:t>Unity Instance</a:t>
+            </a:r>
+            <a:r>
+              <a:rPr lang="ko-KR" altLang="en-US" sz="1600" dirty="0">
+                <a:latin typeface="나눔스퀘어" panose="020B0600000101010101" pitchFamily="50" charset="-127"/>
+                <a:ea typeface="나눔스퀘어" panose="020B0600000101010101" pitchFamily="50" charset="-127"/>
+              </a:rPr>
+              <a:t> 확보</a:t>
+            </a:r>
+            <a:endParaRPr lang="en-US" altLang="ko-KR" sz="1600" dirty="0">
+              <a:latin typeface="나눔스퀘어" panose="020B0600000101010101" pitchFamily="50" charset="-127"/>
+              <a:ea typeface="나눔스퀘어" panose="020B0600000101010101" pitchFamily="50" charset="-127"/>
+            </a:endParaRPr>
+          </a:p>
+        </p:txBody>
+      </p:sp>
+      <p:cxnSp>
+        <p:nvCxnSpPr>
+          <p:cNvPr id="38" name="직선 화살표 연결선 37">
+            <a:extLst>
+              <a:ext uri="{FF2B5EF4-FFF2-40B4-BE49-F238E27FC236}">
+                <a16:creationId xmlns:a16="http://schemas.microsoft.com/office/drawing/2014/main" id="{AC2AC840-0CDF-4D34-82F2-8CC0CA97B2FC}"/>
+              </a:ext>
+            </a:extLst>
+          </p:cNvPr>
+          <p:cNvCxnSpPr/>
+          <p:nvPr/>
+        </p:nvCxnSpPr>
+        <p:spPr>
+          <a:xfrm>
+            <a:off x="290872" y="3632609"/>
+            <a:ext cx="359682" cy="0"/>
+          </a:xfrm>
+          <a:prstGeom prst="straightConnector1">
+            <a:avLst/>
+          </a:prstGeom>
+          <a:ln w="57150">
+            <a:solidFill>
+              <a:srgbClr val="92D050"/>
+            </a:solidFill>
+            <a:tailEnd type="triangle"/>
+          </a:ln>
+        </p:spPr>
+        <p:style>
+          <a:lnRef idx="1">
+            <a:schemeClr val="accent1"/>
+          </a:lnRef>
+          <a:fillRef idx="0">
+            <a:schemeClr val="accent1"/>
+          </a:fillRef>
+          <a:effectRef idx="0">
+            <a:schemeClr val="accent1"/>
+          </a:effectRef>
+          <a:fontRef idx="minor">
+            <a:schemeClr val="tx1"/>
+          </a:fontRef>
+        </p:style>
+      </p:cxnSp>
+      <p:sp>
+        <p:nvSpPr>
+          <p:cNvPr id="39" name="부제목 2">
+            <a:extLst>
+              <a:ext uri="{FF2B5EF4-FFF2-40B4-BE49-F238E27FC236}">
+                <a16:creationId xmlns:a16="http://schemas.microsoft.com/office/drawing/2014/main" id="{F3EE9E15-62A4-4415-A370-D8B48466FE1E}"/>
+              </a:ext>
+            </a:extLst>
+          </p:cNvPr>
+          <p:cNvSpPr txBox="1">
+            <a:spLocks/>
+          </p:cNvSpPr>
+          <p:nvPr/>
+        </p:nvSpPr>
+        <p:spPr>
+          <a:xfrm>
+            <a:off x="650553" y="3316420"/>
+            <a:ext cx="3125307" cy="1161840"/>
+          </a:xfrm>
+          <a:prstGeom prst="rect">
+            <a:avLst/>
+          </a:prstGeom>
+        </p:spPr>
+        <p:txBody>
+          <a:bodyPr vert="horz" lIns="91440" tIns="45720" rIns="91440" bIns="45720" rtlCol="0" anchor="t">
+            <a:normAutofit/>
+          </a:bodyPr>
+          <a:lstStyle>
+            <a:lvl1pPr marL="0" indent="0" algn="ctr" defTabSz="914400" rtl="0" eaLnBrk="1" latinLnBrk="1" hangingPunct="1">
+              <a:lnSpc>
+                <a:spcPct val="90000"/>
+              </a:lnSpc>
+              <a:spcBef>
+                <a:spcPts val="1000"/>
+              </a:spcBef>
+              <a:buFont typeface="Arial" panose="020B0604020202020204" pitchFamily="34" charset="0"/>
+              <a:buNone/>
+              <a:defRPr sz="2400" kern="1200">
                 <a:solidFill>
-                  <a:schemeClr val="bg1"/>
+                  <a:schemeClr val="tx1"/>
                 </a:solidFill>
-                <a:latin typeface="나눔스퀘어 ExtraBold" panose="020B0600000101010101" pitchFamily="50" charset="-127"/>
-                <a:ea typeface="나눔스퀘어 ExtraBold" panose="020B0600000101010101" pitchFamily="50" charset="-127"/>
+                <a:latin typeface="+mn-lt"/>
+                <a:ea typeface="+mn-ea"/>
+                <a:cs typeface="+mn-cs"/>
+              </a:defRPr>
+            </a:lvl1pPr>
+            <a:lvl2pPr marL="457200" indent="0" algn="ctr" defTabSz="914400" rtl="0" eaLnBrk="1" latinLnBrk="1" hangingPunct="1">
+              <a:lnSpc>
+                <a:spcPct val="90000"/>
+              </a:lnSpc>
+              <a:spcBef>
+                <a:spcPts val="500"/>
+              </a:spcBef>
+              <a:buFont typeface="Arial" panose="020B0604020202020204" pitchFamily="34" charset="0"/>
+              <a:buNone/>
+              <a:defRPr sz="2000" kern="1200">
+                <a:solidFill>
+                  <a:schemeClr val="tx1"/>
+                </a:solidFill>
+                <a:latin typeface="+mn-lt"/>
+                <a:ea typeface="+mn-ea"/>
+                <a:cs typeface="+mn-cs"/>
+              </a:defRPr>
+            </a:lvl2pPr>
+            <a:lvl3pPr marL="914400" indent="0" algn="ctr" defTabSz="914400" rtl="0" eaLnBrk="1" latinLnBrk="1" hangingPunct="1">
+              <a:lnSpc>
+                <a:spcPct val="90000"/>
+              </a:lnSpc>
+              <a:spcBef>
+                <a:spcPts val="500"/>
+              </a:spcBef>
+              <a:buFont typeface="Arial" panose="020B0604020202020204" pitchFamily="34" charset="0"/>
+              <a:buNone/>
+              <a:defRPr sz="1800" kern="1200">
+                <a:solidFill>
+                  <a:schemeClr val="tx1"/>
+                </a:solidFill>
+                <a:latin typeface="+mn-lt"/>
+                <a:ea typeface="+mn-ea"/>
+                <a:cs typeface="+mn-cs"/>
+              </a:defRPr>
+            </a:lvl3pPr>
+            <a:lvl4pPr marL="1371600" indent="0" algn="ctr" defTabSz="914400" rtl="0" eaLnBrk="1" latinLnBrk="1" hangingPunct="1">
+              <a:lnSpc>
+                <a:spcPct val="90000"/>
+              </a:lnSpc>
+              <a:spcBef>
+                <a:spcPts val="500"/>
+              </a:spcBef>
+              <a:buFont typeface="Arial" panose="020B0604020202020204" pitchFamily="34" charset="0"/>
+              <a:buNone/>
+              <a:defRPr sz="1600" kern="1200">
+                <a:solidFill>
+                  <a:schemeClr val="tx1"/>
+                </a:solidFill>
+                <a:latin typeface="+mn-lt"/>
+                <a:ea typeface="+mn-ea"/>
+                <a:cs typeface="+mn-cs"/>
+              </a:defRPr>
+            </a:lvl4pPr>
+            <a:lvl5pPr marL="1828800" indent="0" algn="ctr" defTabSz="914400" rtl="0" eaLnBrk="1" latinLnBrk="1" hangingPunct="1">
+              <a:lnSpc>
+                <a:spcPct val="90000"/>
+              </a:lnSpc>
+              <a:spcBef>
+                <a:spcPts val="500"/>
+              </a:spcBef>
+              <a:buFont typeface="Arial" panose="020B0604020202020204" pitchFamily="34" charset="0"/>
+              <a:buNone/>
+              <a:defRPr sz="1600" kern="1200">
+                <a:solidFill>
+                  <a:schemeClr val="tx1"/>
+                </a:solidFill>
+                <a:latin typeface="+mn-lt"/>
+                <a:ea typeface="+mn-ea"/>
+                <a:cs typeface="+mn-cs"/>
+              </a:defRPr>
+            </a:lvl5pPr>
+            <a:lvl6pPr marL="2286000" indent="0" algn="ctr" defTabSz="914400" rtl="0" eaLnBrk="1" latinLnBrk="1" hangingPunct="1">
+              <a:lnSpc>
+                <a:spcPct val="90000"/>
+              </a:lnSpc>
+              <a:spcBef>
+                <a:spcPts val="500"/>
+              </a:spcBef>
+              <a:buFont typeface="Arial" panose="020B0604020202020204" pitchFamily="34" charset="0"/>
+              <a:buNone/>
+              <a:defRPr sz="1600" kern="1200">
+                <a:solidFill>
+                  <a:schemeClr val="tx1"/>
+                </a:solidFill>
+                <a:latin typeface="+mn-lt"/>
+                <a:ea typeface="+mn-ea"/>
+                <a:cs typeface="+mn-cs"/>
+              </a:defRPr>
+            </a:lvl6pPr>
+            <a:lvl7pPr marL="2743200" indent="0" algn="ctr" defTabSz="914400" rtl="0" eaLnBrk="1" latinLnBrk="1" hangingPunct="1">
+              <a:lnSpc>
+                <a:spcPct val="90000"/>
+              </a:lnSpc>
+              <a:spcBef>
+                <a:spcPts val="500"/>
+              </a:spcBef>
+              <a:buFont typeface="Arial" panose="020B0604020202020204" pitchFamily="34" charset="0"/>
+              <a:buNone/>
+              <a:defRPr sz="1600" kern="1200">
+                <a:solidFill>
+                  <a:schemeClr val="tx1"/>
+                </a:solidFill>
+                <a:latin typeface="+mn-lt"/>
+                <a:ea typeface="+mn-ea"/>
+                <a:cs typeface="+mn-cs"/>
+              </a:defRPr>
+            </a:lvl7pPr>
+            <a:lvl8pPr marL="3200400" indent="0" algn="ctr" defTabSz="914400" rtl="0" eaLnBrk="1" latinLnBrk="1" hangingPunct="1">
+              <a:lnSpc>
+                <a:spcPct val="90000"/>
+              </a:lnSpc>
+              <a:spcBef>
+                <a:spcPts val="500"/>
+              </a:spcBef>
+              <a:buFont typeface="Arial" panose="020B0604020202020204" pitchFamily="34" charset="0"/>
+              <a:buNone/>
+              <a:defRPr sz="1600" kern="1200">
+                <a:solidFill>
+                  <a:schemeClr val="tx1"/>
+                </a:solidFill>
+                <a:latin typeface="+mn-lt"/>
+                <a:ea typeface="+mn-ea"/>
+                <a:cs typeface="+mn-cs"/>
+              </a:defRPr>
+            </a:lvl8pPr>
+            <a:lvl9pPr marL="3657600" indent="0" algn="ctr" defTabSz="914400" rtl="0" eaLnBrk="1" latinLnBrk="1" hangingPunct="1">
+              <a:lnSpc>
+                <a:spcPct val="90000"/>
+              </a:lnSpc>
+              <a:spcBef>
+                <a:spcPts val="500"/>
+              </a:spcBef>
+              <a:buFont typeface="Arial" panose="020B0604020202020204" pitchFamily="34" charset="0"/>
+              <a:buNone/>
+              <a:defRPr sz="1600" kern="1200">
+                <a:solidFill>
+                  <a:schemeClr val="tx1"/>
+                </a:solidFill>
+                <a:latin typeface="+mn-lt"/>
+                <a:ea typeface="+mn-ea"/>
+                <a:cs typeface="+mn-cs"/>
+              </a:defRPr>
+            </a:lvl9pPr>
+          </a:lstStyle>
+          <a:p>
+            <a:pPr algn="l" latinLnBrk="0"/>
+            <a:r>
+              <a:rPr lang="en-US" altLang="ko-KR" sz="1200" dirty="0">
+                <a:solidFill>
+                  <a:schemeClr val="accent3">
+                    <a:lumMod val="75000"/>
+                  </a:schemeClr>
+                </a:solidFill>
+                <a:latin typeface="나눔스퀘어" panose="020B0600000101010101" pitchFamily="50" charset="-127"/>
+                <a:ea typeface="나눔스퀘어" panose="020B0600000101010101" pitchFamily="50" charset="-127"/>
               </a:rPr>
-              <a:t>/</a:t>
-            </a:r>
-            <a:r>
-              <a:rPr lang="ko-KR" altLang="en-US" sz="2400" dirty="0">
+              <a:t>(Unity Loader </a:t>
+            </a:r>
+            <a:r>
+              <a:rPr lang="ko-KR" altLang="en-US" sz="1200" dirty="0">
                 <a:solidFill>
-                  <a:schemeClr val="bg1"/>
+                  <a:schemeClr val="accent3">
+                    <a:lumMod val="75000"/>
+                  </a:schemeClr>
                 </a:solidFill>
-                <a:latin typeface="나눔스퀘어 ExtraBold" panose="020B0600000101010101" pitchFamily="50" charset="-127"/>
-                <a:ea typeface="나눔스퀘어 ExtraBold" panose="020B0600000101010101" pitchFamily="50" charset="-127"/>
+                <a:latin typeface="나눔스퀘어" panose="020B0600000101010101" pitchFamily="50" charset="-127"/>
+                <a:ea typeface="나눔스퀘어" panose="020B0600000101010101" pitchFamily="50" charset="-127"/>
               </a:rPr>
-              <a:t> 분석</a:t>
-            </a:r>
+              <a:t>라이브러리</a:t>
+            </a:r>
+            <a:r>
+              <a:rPr lang="en-US" altLang="ko-KR" sz="1200" dirty="0">
+                <a:solidFill>
+                  <a:schemeClr val="accent3">
+                    <a:lumMod val="75000"/>
+                  </a:schemeClr>
+                </a:solidFill>
+                <a:latin typeface="나눔스퀘어" panose="020B0600000101010101" pitchFamily="50" charset="-127"/>
+                <a:ea typeface="나눔스퀘어" panose="020B0600000101010101" pitchFamily="50" charset="-127"/>
+              </a:rPr>
+              <a:t>)</a:t>
+            </a:r>
+            <a:br>
+              <a:rPr lang="en-US" altLang="ko-KR" sz="1200" dirty="0">
+                <a:solidFill>
+                  <a:schemeClr val="accent3">
+                    <a:lumMod val="75000"/>
+                  </a:schemeClr>
+                </a:solidFill>
+                <a:latin typeface="나눔스퀘어" panose="020B0600000101010101" pitchFamily="50" charset="-127"/>
+                <a:ea typeface="나눔스퀘어" panose="020B0600000101010101" pitchFamily="50" charset="-127"/>
+              </a:rPr>
+            </a:br>
+            <a:r>
+              <a:rPr lang="en-US" altLang="ko-KR" sz="1600" dirty="0" err="1">
+                <a:latin typeface="나눔스퀘어" panose="020B0600000101010101" pitchFamily="50" charset="-127"/>
+                <a:ea typeface="나눔스퀘어" panose="020B0600000101010101" pitchFamily="50" charset="-127"/>
+              </a:rPr>
+              <a:t>SendMessage</a:t>
+            </a:r>
+            <a:r>
+              <a:rPr lang="en-US" altLang="ko-KR" sz="1600" dirty="0">
+                <a:latin typeface="나눔스퀘어" panose="020B0600000101010101" pitchFamily="50" charset="-127"/>
+                <a:ea typeface="나눔스퀘어" panose="020B0600000101010101" pitchFamily="50" charset="-127"/>
+              </a:rPr>
+              <a:t> </a:t>
+            </a:r>
+            <a:r>
+              <a:rPr lang="ko-KR" altLang="en-US" sz="1600" dirty="0">
+                <a:latin typeface="나눔스퀘어" panose="020B0600000101010101" pitchFamily="50" charset="-127"/>
+                <a:ea typeface="나눔스퀘어" panose="020B0600000101010101" pitchFamily="50" charset="-127"/>
+              </a:rPr>
+              <a:t>함수를 사용</a:t>
+            </a:r>
+            <a:endParaRPr lang="en-US" altLang="ko-KR" sz="1600" dirty="0">
+              <a:latin typeface="나눔스퀘어" panose="020B0600000101010101" pitchFamily="50" charset="-127"/>
+              <a:ea typeface="나눔스퀘어" panose="020B0600000101010101" pitchFamily="50" charset="-127"/>
+            </a:endParaRPr>
+          </a:p>
+          <a:p>
+            <a:pPr algn="l" latinLnBrk="0"/>
+            <a:r>
+              <a:rPr lang="ko-KR" altLang="en-US" sz="1600" dirty="0">
+                <a:latin typeface="나눔스퀘어" panose="020B0600000101010101" pitchFamily="50" charset="-127"/>
+                <a:ea typeface="나눔스퀘어" panose="020B0600000101010101" pitchFamily="50" charset="-127"/>
+              </a:rPr>
+              <a:t>입 움직임</a:t>
+            </a:r>
+            <a:r>
+              <a:rPr lang="en-US" altLang="ko-KR" sz="1600" dirty="0">
+                <a:latin typeface="나눔스퀘어" panose="020B0600000101010101" pitchFamily="50" charset="-127"/>
+                <a:ea typeface="나눔스퀘어" panose="020B0600000101010101" pitchFamily="50" charset="-127"/>
+              </a:rPr>
+              <a:t>, </a:t>
+            </a:r>
+            <a:r>
+              <a:rPr lang="ko-KR" altLang="en-US" sz="1600" dirty="0" err="1">
+                <a:latin typeface="나눔스퀘어" panose="020B0600000101010101" pitchFamily="50" charset="-127"/>
+                <a:ea typeface="나눔스퀘어" panose="020B0600000101010101" pitchFamily="50" charset="-127"/>
+              </a:rPr>
+              <a:t>제스쳐를</a:t>
+            </a:r>
+            <a:r>
+              <a:rPr lang="ko-KR" altLang="en-US" sz="1600" dirty="0">
+                <a:latin typeface="나눔스퀘어" panose="020B0600000101010101" pitchFamily="50" charset="-127"/>
+                <a:ea typeface="나눔스퀘어" panose="020B0600000101010101" pitchFamily="50" charset="-127"/>
+              </a:rPr>
+              <a:t> 함수로 지정</a:t>
+            </a:r>
+            <a:endParaRPr lang="en-US" altLang="ko-KR" sz="1600" dirty="0">
+              <a:latin typeface="나눔스퀘어" panose="020B0600000101010101" pitchFamily="50" charset="-127"/>
+              <a:ea typeface="나눔스퀘어" panose="020B0600000101010101" pitchFamily="50" charset="-127"/>
+            </a:endParaRPr>
           </a:p>
         </p:txBody>
       </p:sp>
     </p:spTree>
     <p:extLst>
       <p:ext uri="{BB962C8B-B14F-4D97-AF65-F5344CB8AC3E}">
-        <p14:creationId xmlns:p14="http://schemas.microsoft.com/office/powerpoint/2010/main" val="3868856364"/>
+        <p14:creationId xmlns:p14="http://schemas.microsoft.com/office/powerpoint/2010/main" val="3736290812"/>
       </p:ext>
     </p:extLst>
   </p:cSld>
@@ -39189,6 +41137,3197 @@
 </file>
 
 <file path=ppt/slides/slide40.xml><?xml version="1.0" encoding="utf-8"?>
+<p:sld xmlns:a="http://schemas.openxmlformats.org/drawingml/2006/main" xmlns:r="http://schemas.openxmlformats.org/officeDocument/2006/relationships" xmlns:p="http://schemas.openxmlformats.org/presentationml/2006/main">
+  <p:cSld>
+    <p:spTree>
+      <p:nvGrpSpPr>
+        <p:cNvPr id="1" name=""/>
+        <p:cNvGrpSpPr/>
+        <p:nvPr/>
+      </p:nvGrpSpPr>
+      <p:grpSpPr>
+        <a:xfrm>
+          <a:off x="0" y="0"/>
+          <a:ext cx="0" cy="0"/>
+          <a:chOff x="0" y="0"/>
+          <a:chExt cx="0" cy="0"/>
+        </a:xfrm>
+      </p:grpSpPr>
+      <p:sp>
+        <p:nvSpPr>
+          <p:cNvPr id="7" name="직사각형 6">
+            <a:extLst>
+              <a:ext uri="{FF2B5EF4-FFF2-40B4-BE49-F238E27FC236}">
+                <a16:creationId xmlns:a16="http://schemas.microsoft.com/office/drawing/2014/main" id="{C7E1AF28-BE7B-4285-A5AF-85F45383FC55}"/>
+              </a:ext>
+            </a:extLst>
+          </p:cNvPr>
+          <p:cNvSpPr/>
+          <p:nvPr/>
+        </p:nvSpPr>
+        <p:spPr>
+          <a:xfrm>
+            <a:off x="-1" y="6639409"/>
+            <a:ext cx="12192001" cy="247606"/>
+          </a:xfrm>
+          <a:prstGeom prst="rect">
+            <a:avLst/>
+          </a:prstGeom>
+          <a:solidFill>
+            <a:schemeClr val="tx1">
+              <a:lumMod val="85000"/>
+              <a:lumOff val="15000"/>
+            </a:schemeClr>
+          </a:solidFill>
+          <a:ln>
+            <a:noFill/>
+          </a:ln>
+        </p:spPr>
+        <p:style>
+          <a:lnRef idx="2">
+            <a:schemeClr val="accent1">
+              <a:shade val="50000"/>
+            </a:schemeClr>
+          </a:lnRef>
+          <a:fillRef idx="1">
+            <a:schemeClr val="accent1"/>
+          </a:fillRef>
+          <a:effectRef idx="0">
+            <a:schemeClr val="accent1"/>
+          </a:effectRef>
+          <a:fontRef idx="minor">
+            <a:schemeClr val="lt1"/>
+          </a:fontRef>
+        </p:style>
+        <p:txBody>
+          <a:bodyPr rtlCol="0" anchor="ctr"/>
+          <a:lstStyle/>
+          <a:p>
+            <a:pPr algn="ctr"/>
+            <a:endParaRPr lang="ko-KR" altLang="en-US"/>
+          </a:p>
+        </p:txBody>
+      </p:sp>
+      <p:sp>
+        <p:nvSpPr>
+          <p:cNvPr id="28" name="사각형: 잘린 한쪽 모서리 27">
+            <a:extLst>
+              <a:ext uri="{FF2B5EF4-FFF2-40B4-BE49-F238E27FC236}">
+                <a16:creationId xmlns:a16="http://schemas.microsoft.com/office/drawing/2014/main" id="{5D796F9B-147D-447B-9D2F-13D27157339C}"/>
+              </a:ext>
+            </a:extLst>
+          </p:cNvPr>
+          <p:cNvSpPr/>
+          <p:nvPr/>
+        </p:nvSpPr>
+        <p:spPr>
+          <a:xfrm flipV="1">
+            <a:off x="0" y="-2"/>
+            <a:ext cx="2552700" cy="771525"/>
+          </a:xfrm>
+          <a:prstGeom prst="snip1Rect">
+            <a:avLst>
+              <a:gd name="adj" fmla="val 40805"/>
+            </a:avLst>
+          </a:prstGeom>
+          <a:solidFill>
+            <a:schemeClr val="accent5"/>
+          </a:solidFill>
+          <a:ln>
+            <a:noFill/>
+          </a:ln>
+        </p:spPr>
+        <p:style>
+          <a:lnRef idx="2">
+            <a:schemeClr val="accent1">
+              <a:shade val="50000"/>
+            </a:schemeClr>
+          </a:lnRef>
+          <a:fillRef idx="1">
+            <a:schemeClr val="accent1"/>
+          </a:fillRef>
+          <a:effectRef idx="0">
+            <a:schemeClr val="accent1"/>
+          </a:effectRef>
+          <a:fontRef idx="minor">
+            <a:schemeClr val="lt1"/>
+          </a:fontRef>
+        </p:style>
+        <p:txBody>
+          <a:bodyPr rtlCol="0" anchor="ctr"/>
+          <a:lstStyle/>
+          <a:p>
+            <a:pPr algn="ctr"/>
+            <a:endParaRPr lang="ko-KR" altLang="en-US" dirty="0"/>
+          </a:p>
+        </p:txBody>
+      </p:sp>
+      <p:cxnSp>
+        <p:nvCxnSpPr>
+          <p:cNvPr id="29" name="직선 연결선 28">
+            <a:extLst>
+              <a:ext uri="{FF2B5EF4-FFF2-40B4-BE49-F238E27FC236}">
+                <a16:creationId xmlns:a16="http://schemas.microsoft.com/office/drawing/2014/main" id="{8071651C-75AE-4563-B9D3-7626E161FF6B}"/>
+              </a:ext>
+            </a:extLst>
+          </p:cNvPr>
+          <p:cNvCxnSpPr>
+            <a:cxnSpLocks/>
+          </p:cNvCxnSpPr>
+          <p:nvPr/>
+        </p:nvCxnSpPr>
+        <p:spPr>
+          <a:xfrm>
+            <a:off x="7051675" y="285750"/>
+            <a:ext cx="665843" cy="0"/>
+          </a:xfrm>
+          <a:prstGeom prst="line">
+            <a:avLst/>
+          </a:prstGeom>
+          <a:ln w="104775">
+            <a:solidFill>
+              <a:schemeClr val="accent5">
+                <a:lumMod val="40000"/>
+                <a:lumOff val="60000"/>
+              </a:schemeClr>
+            </a:solidFill>
+          </a:ln>
+        </p:spPr>
+        <p:style>
+          <a:lnRef idx="1">
+            <a:schemeClr val="accent1"/>
+          </a:lnRef>
+          <a:fillRef idx="0">
+            <a:schemeClr val="accent1"/>
+          </a:fillRef>
+          <a:effectRef idx="0">
+            <a:schemeClr val="accent1"/>
+          </a:effectRef>
+          <a:fontRef idx="minor">
+            <a:schemeClr val="tx1"/>
+          </a:fontRef>
+        </p:style>
+      </p:cxnSp>
+      <p:cxnSp>
+        <p:nvCxnSpPr>
+          <p:cNvPr id="30" name="직선 연결선 29">
+            <a:extLst>
+              <a:ext uri="{FF2B5EF4-FFF2-40B4-BE49-F238E27FC236}">
+                <a16:creationId xmlns:a16="http://schemas.microsoft.com/office/drawing/2014/main" id="{8885AB92-64D6-450E-96DA-CDE25200CF82}"/>
+              </a:ext>
+            </a:extLst>
+          </p:cNvPr>
+          <p:cNvCxnSpPr>
+            <a:cxnSpLocks/>
+          </p:cNvCxnSpPr>
+          <p:nvPr/>
+        </p:nvCxnSpPr>
+        <p:spPr>
+          <a:xfrm>
+            <a:off x="7861300" y="285750"/>
+            <a:ext cx="665843" cy="0"/>
+          </a:xfrm>
+          <a:prstGeom prst="line">
+            <a:avLst/>
+          </a:prstGeom>
+          <a:ln w="104775">
+            <a:solidFill>
+              <a:schemeClr val="accent5">
+                <a:lumMod val="40000"/>
+                <a:lumOff val="60000"/>
+              </a:schemeClr>
+            </a:solidFill>
+          </a:ln>
+        </p:spPr>
+        <p:style>
+          <a:lnRef idx="1">
+            <a:schemeClr val="accent1"/>
+          </a:lnRef>
+          <a:fillRef idx="0">
+            <a:schemeClr val="accent1"/>
+          </a:fillRef>
+          <a:effectRef idx="0">
+            <a:schemeClr val="accent1"/>
+          </a:effectRef>
+          <a:fontRef idx="minor">
+            <a:schemeClr val="tx1"/>
+          </a:fontRef>
+        </p:style>
+      </p:cxnSp>
+      <p:cxnSp>
+        <p:nvCxnSpPr>
+          <p:cNvPr id="31" name="직선 연결선 30">
+            <a:extLst>
+              <a:ext uri="{FF2B5EF4-FFF2-40B4-BE49-F238E27FC236}">
+                <a16:creationId xmlns:a16="http://schemas.microsoft.com/office/drawing/2014/main" id="{5BA8BD0B-FE35-4C35-8187-F9DDB82FD6A1}"/>
+              </a:ext>
+            </a:extLst>
+          </p:cNvPr>
+          <p:cNvCxnSpPr>
+            <a:cxnSpLocks/>
+          </p:cNvCxnSpPr>
+          <p:nvPr/>
+        </p:nvCxnSpPr>
+        <p:spPr>
+          <a:xfrm>
+            <a:off x="8703404" y="285750"/>
+            <a:ext cx="665843" cy="0"/>
+          </a:xfrm>
+          <a:prstGeom prst="line">
+            <a:avLst/>
+          </a:prstGeom>
+          <a:ln w="104775">
+            <a:solidFill>
+              <a:schemeClr val="accent5">
+                <a:lumMod val="40000"/>
+                <a:lumOff val="60000"/>
+              </a:schemeClr>
+            </a:solidFill>
+          </a:ln>
+        </p:spPr>
+        <p:style>
+          <a:lnRef idx="1">
+            <a:schemeClr val="accent1"/>
+          </a:lnRef>
+          <a:fillRef idx="0">
+            <a:schemeClr val="accent1"/>
+          </a:fillRef>
+          <a:effectRef idx="0">
+            <a:schemeClr val="accent1"/>
+          </a:effectRef>
+          <a:fontRef idx="minor">
+            <a:schemeClr val="tx1"/>
+          </a:fontRef>
+        </p:style>
+      </p:cxnSp>
+      <p:cxnSp>
+        <p:nvCxnSpPr>
+          <p:cNvPr id="32" name="직선 연결선 31">
+            <a:extLst>
+              <a:ext uri="{FF2B5EF4-FFF2-40B4-BE49-F238E27FC236}">
+                <a16:creationId xmlns:a16="http://schemas.microsoft.com/office/drawing/2014/main" id="{8B5AFA0C-16BC-4F08-B7BA-99F04659C010}"/>
+              </a:ext>
+            </a:extLst>
+          </p:cNvPr>
+          <p:cNvCxnSpPr>
+            <a:cxnSpLocks/>
+          </p:cNvCxnSpPr>
+          <p:nvPr/>
+        </p:nvCxnSpPr>
+        <p:spPr>
+          <a:xfrm>
+            <a:off x="9513029" y="285750"/>
+            <a:ext cx="665843" cy="0"/>
+          </a:xfrm>
+          <a:prstGeom prst="line">
+            <a:avLst/>
+          </a:prstGeom>
+          <a:ln w="104775">
+            <a:solidFill>
+              <a:schemeClr val="bg1">
+                <a:lumMod val="85000"/>
+              </a:schemeClr>
+            </a:solidFill>
+          </a:ln>
+        </p:spPr>
+        <p:style>
+          <a:lnRef idx="1">
+            <a:schemeClr val="accent1"/>
+          </a:lnRef>
+          <a:fillRef idx="0">
+            <a:schemeClr val="accent1"/>
+          </a:fillRef>
+          <a:effectRef idx="0">
+            <a:schemeClr val="accent1"/>
+          </a:effectRef>
+          <a:fontRef idx="minor">
+            <a:schemeClr val="tx1"/>
+          </a:fontRef>
+        </p:style>
+      </p:cxnSp>
+      <p:cxnSp>
+        <p:nvCxnSpPr>
+          <p:cNvPr id="33" name="직선 연결선 32">
+            <a:extLst>
+              <a:ext uri="{FF2B5EF4-FFF2-40B4-BE49-F238E27FC236}">
+                <a16:creationId xmlns:a16="http://schemas.microsoft.com/office/drawing/2014/main" id="{8041B1B8-23AF-4C61-8980-C9A87F3D8352}"/>
+              </a:ext>
+            </a:extLst>
+          </p:cNvPr>
+          <p:cNvCxnSpPr>
+            <a:cxnSpLocks/>
+          </p:cNvCxnSpPr>
+          <p:nvPr/>
+        </p:nvCxnSpPr>
+        <p:spPr>
+          <a:xfrm>
+            <a:off x="10351229" y="285750"/>
+            <a:ext cx="665843" cy="0"/>
+          </a:xfrm>
+          <a:prstGeom prst="line">
+            <a:avLst/>
+          </a:prstGeom>
+          <a:ln w="104775">
+            <a:solidFill>
+              <a:schemeClr val="tx1">
+                <a:lumMod val="50000"/>
+                <a:lumOff val="50000"/>
+              </a:schemeClr>
+            </a:solidFill>
+          </a:ln>
+        </p:spPr>
+        <p:style>
+          <a:lnRef idx="1">
+            <a:schemeClr val="accent1"/>
+          </a:lnRef>
+          <a:fillRef idx="0">
+            <a:schemeClr val="accent1"/>
+          </a:fillRef>
+          <a:effectRef idx="0">
+            <a:schemeClr val="accent1"/>
+          </a:effectRef>
+          <a:fontRef idx="minor">
+            <a:schemeClr val="tx1"/>
+          </a:fontRef>
+        </p:style>
+      </p:cxnSp>
+      <p:cxnSp>
+        <p:nvCxnSpPr>
+          <p:cNvPr id="34" name="직선 연결선 33">
+            <a:extLst>
+              <a:ext uri="{FF2B5EF4-FFF2-40B4-BE49-F238E27FC236}">
+                <a16:creationId xmlns:a16="http://schemas.microsoft.com/office/drawing/2014/main" id="{B060F7F2-DED3-42E8-BB35-7ABECE2B6F13}"/>
+              </a:ext>
+            </a:extLst>
+          </p:cNvPr>
+          <p:cNvCxnSpPr>
+            <a:cxnSpLocks/>
+          </p:cNvCxnSpPr>
+          <p:nvPr/>
+        </p:nvCxnSpPr>
+        <p:spPr>
+          <a:xfrm>
+            <a:off x="11160854" y="285750"/>
+            <a:ext cx="665843" cy="0"/>
+          </a:xfrm>
+          <a:prstGeom prst="line">
+            <a:avLst/>
+          </a:prstGeom>
+          <a:ln w="104775">
+            <a:solidFill>
+              <a:schemeClr val="tx1">
+                <a:lumMod val="50000"/>
+                <a:lumOff val="50000"/>
+              </a:schemeClr>
+            </a:solidFill>
+          </a:ln>
+        </p:spPr>
+        <p:style>
+          <a:lnRef idx="1">
+            <a:schemeClr val="accent1"/>
+          </a:lnRef>
+          <a:fillRef idx="0">
+            <a:schemeClr val="accent1"/>
+          </a:fillRef>
+          <a:effectRef idx="0">
+            <a:schemeClr val="accent1"/>
+          </a:effectRef>
+          <a:fontRef idx="minor">
+            <a:schemeClr val="tx1"/>
+          </a:fontRef>
+        </p:style>
+      </p:cxnSp>
+      <p:sp>
+        <p:nvSpPr>
+          <p:cNvPr id="35" name="직사각형 34">
+            <a:extLst>
+              <a:ext uri="{FF2B5EF4-FFF2-40B4-BE49-F238E27FC236}">
+                <a16:creationId xmlns:a16="http://schemas.microsoft.com/office/drawing/2014/main" id="{1F877727-60BC-480D-A849-A25BC0373C4C}"/>
+              </a:ext>
+            </a:extLst>
+          </p:cNvPr>
+          <p:cNvSpPr/>
+          <p:nvPr/>
+        </p:nvSpPr>
+        <p:spPr>
+          <a:xfrm>
+            <a:off x="143360" y="93372"/>
+            <a:ext cx="2265979" cy="523220"/>
+          </a:xfrm>
+          <a:prstGeom prst="rect">
+            <a:avLst/>
+          </a:prstGeom>
+        </p:spPr>
+        <p:txBody>
+          <a:bodyPr wrap="square">
+            <a:spAutoFit/>
+          </a:bodyPr>
+          <a:lstStyle/>
+          <a:p>
+            <a:pPr algn="ctr"/>
+            <a:r>
+              <a:rPr lang="ko-KR" altLang="en-US" sz="2800" dirty="0">
+                <a:solidFill>
+                  <a:schemeClr val="bg1"/>
+                </a:solidFill>
+                <a:latin typeface="나눔스퀘어 ExtraBold" panose="020B0600000101010101" pitchFamily="50" charset="-127"/>
+                <a:ea typeface="나눔스퀘어 ExtraBold" panose="020B0600000101010101" pitchFamily="50" charset="-127"/>
+              </a:rPr>
+              <a:t>개발 내용</a:t>
+            </a:r>
+          </a:p>
+        </p:txBody>
+      </p:sp>
+      <p:cxnSp>
+        <p:nvCxnSpPr>
+          <p:cNvPr id="36" name="직선 연결선 35">
+            <a:extLst>
+              <a:ext uri="{FF2B5EF4-FFF2-40B4-BE49-F238E27FC236}">
+                <a16:creationId xmlns:a16="http://schemas.microsoft.com/office/drawing/2014/main" id="{D45B621A-D247-43F2-9E06-78EE8D611E8B}"/>
+              </a:ext>
+            </a:extLst>
+          </p:cNvPr>
+          <p:cNvCxnSpPr>
+            <a:cxnSpLocks/>
+          </p:cNvCxnSpPr>
+          <p:nvPr/>
+        </p:nvCxnSpPr>
+        <p:spPr>
+          <a:xfrm>
+            <a:off x="9513029" y="285750"/>
+            <a:ext cx="665843" cy="0"/>
+          </a:xfrm>
+          <a:prstGeom prst="line">
+            <a:avLst/>
+          </a:prstGeom>
+          <a:ln w="104775">
+            <a:solidFill>
+              <a:srgbClr val="00B0F0"/>
+            </a:solidFill>
+          </a:ln>
+        </p:spPr>
+        <p:style>
+          <a:lnRef idx="1">
+            <a:schemeClr val="accent1"/>
+          </a:lnRef>
+          <a:fillRef idx="0">
+            <a:schemeClr val="accent1"/>
+          </a:fillRef>
+          <a:effectRef idx="0">
+            <a:schemeClr val="accent1"/>
+          </a:effectRef>
+          <a:fontRef idx="minor">
+            <a:schemeClr val="tx1"/>
+          </a:fontRef>
+        </p:style>
+      </p:cxnSp>
+      <p:sp>
+        <p:nvSpPr>
+          <p:cNvPr id="44" name="직사각형 43">
+            <a:extLst>
+              <a:ext uri="{FF2B5EF4-FFF2-40B4-BE49-F238E27FC236}">
+                <a16:creationId xmlns:a16="http://schemas.microsoft.com/office/drawing/2014/main" id="{1B9BE5A2-8E55-420D-BE6A-10567272E018}"/>
+              </a:ext>
+            </a:extLst>
+          </p:cNvPr>
+          <p:cNvSpPr/>
+          <p:nvPr/>
+        </p:nvSpPr>
+        <p:spPr>
+          <a:xfrm>
+            <a:off x="96019" y="1171993"/>
+            <a:ext cx="2776721" cy="405348"/>
+          </a:xfrm>
+          <a:prstGeom prst="rect">
+            <a:avLst/>
+          </a:prstGeom>
+          <a:solidFill>
+            <a:schemeClr val="tx1">
+              <a:lumMod val="75000"/>
+              <a:lumOff val="25000"/>
+            </a:schemeClr>
+          </a:solidFill>
+          <a:ln>
+            <a:noFill/>
+          </a:ln>
+        </p:spPr>
+        <p:style>
+          <a:lnRef idx="2">
+            <a:schemeClr val="accent1">
+              <a:shade val="50000"/>
+            </a:schemeClr>
+          </a:lnRef>
+          <a:fillRef idx="1">
+            <a:schemeClr val="accent1"/>
+          </a:fillRef>
+          <a:effectRef idx="0">
+            <a:schemeClr val="accent1"/>
+          </a:effectRef>
+          <a:fontRef idx="minor">
+            <a:schemeClr val="lt1"/>
+          </a:fontRef>
+        </p:style>
+        <p:txBody>
+          <a:bodyPr rtlCol="0" anchor="ctr"/>
+          <a:lstStyle/>
+          <a:p>
+            <a:pPr algn="ctr"/>
+            <a:r>
+              <a:rPr lang="en-US" altLang="ko-KR" dirty="0">
+                <a:latin typeface="나눔스퀘어 ExtraBold" panose="020B0600000101010101" pitchFamily="50" charset="-127"/>
+                <a:ea typeface="나눔스퀘어 ExtraBold" panose="020B0600000101010101" pitchFamily="50" charset="-127"/>
+              </a:rPr>
+              <a:t>Unity </a:t>
+            </a:r>
+            <a:r>
+              <a:rPr lang="ko-KR" altLang="en-US" dirty="0">
+                <a:latin typeface="나눔스퀘어 ExtraBold" panose="020B0600000101010101" pitchFamily="50" charset="-127"/>
+                <a:ea typeface="나눔스퀘어 ExtraBold" panose="020B0600000101010101" pitchFamily="50" charset="-127"/>
+              </a:rPr>
+              <a:t>연동</a:t>
+            </a:r>
+          </a:p>
+        </p:txBody>
+      </p:sp>
+      <p:cxnSp>
+        <p:nvCxnSpPr>
+          <p:cNvPr id="45" name="직선 화살표 연결선 44">
+            <a:extLst>
+              <a:ext uri="{FF2B5EF4-FFF2-40B4-BE49-F238E27FC236}">
+                <a16:creationId xmlns:a16="http://schemas.microsoft.com/office/drawing/2014/main" id="{9C468737-A181-4F75-9592-D31248CE4647}"/>
+              </a:ext>
+            </a:extLst>
+          </p:cNvPr>
+          <p:cNvCxnSpPr/>
+          <p:nvPr/>
+        </p:nvCxnSpPr>
+        <p:spPr>
+          <a:xfrm>
+            <a:off x="290872" y="1796650"/>
+            <a:ext cx="359682" cy="0"/>
+          </a:xfrm>
+          <a:prstGeom prst="straightConnector1">
+            <a:avLst/>
+          </a:prstGeom>
+          <a:ln w="57150">
+            <a:solidFill>
+              <a:srgbClr val="92D050"/>
+            </a:solidFill>
+            <a:tailEnd type="triangle"/>
+          </a:ln>
+        </p:spPr>
+        <p:style>
+          <a:lnRef idx="1">
+            <a:schemeClr val="accent1"/>
+          </a:lnRef>
+          <a:fillRef idx="0">
+            <a:schemeClr val="accent1"/>
+          </a:fillRef>
+          <a:effectRef idx="0">
+            <a:schemeClr val="accent1"/>
+          </a:effectRef>
+          <a:fontRef idx="minor">
+            <a:schemeClr val="tx1"/>
+          </a:fontRef>
+        </p:style>
+      </p:cxnSp>
+      <p:sp>
+        <p:nvSpPr>
+          <p:cNvPr id="46" name="부제목 2">
+            <a:extLst>
+              <a:ext uri="{FF2B5EF4-FFF2-40B4-BE49-F238E27FC236}">
+                <a16:creationId xmlns:a16="http://schemas.microsoft.com/office/drawing/2014/main" id="{4D6980A2-0A37-4E15-A6A1-E3E95CFDA585}"/>
+              </a:ext>
+            </a:extLst>
+          </p:cNvPr>
+          <p:cNvSpPr txBox="1">
+            <a:spLocks/>
+          </p:cNvSpPr>
+          <p:nvPr/>
+        </p:nvSpPr>
+        <p:spPr>
+          <a:xfrm>
+            <a:off x="650553" y="1616902"/>
+            <a:ext cx="3125307" cy="1161840"/>
+          </a:xfrm>
+          <a:prstGeom prst="rect">
+            <a:avLst/>
+          </a:prstGeom>
+        </p:spPr>
+        <p:txBody>
+          <a:bodyPr vert="horz" lIns="91440" tIns="45720" rIns="91440" bIns="45720" rtlCol="0" anchor="t">
+            <a:normAutofit/>
+          </a:bodyPr>
+          <a:lstStyle>
+            <a:lvl1pPr marL="0" indent="0" algn="ctr" defTabSz="914400" rtl="0" eaLnBrk="1" latinLnBrk="1" hangingPunct="1">
+              <a:lnSpc>
+                <a:spcPct val="90000"/>
+              </a:lnSpc>
+              <a:spcBef>
+                <a:spcPts val="1000"/>
+              </a:spcBef>
+              <a:buFont typeface="Arial" panose="020B0604020202020204" pitchFamily="34" charset="0"/>
+              <a:buNone/>
+              <a:defRPr sz="2400" kern="1200">
+                <a:solidFill>
+                  <a:schemeClr val="tx1"/>
+                </a:solidFill>
+                <a:latin typeface="+mn-lt"/>
+                <a:ea typeface="+mn-ea"/>
+                <a:cs typeface="+mn-cs"/>
+              </a:defRPr>
+            </a:lvl1pPr>
+            <a:lvl2pPr marL="457200" indent="0" algn="ctr" defTabSz="914400" rtl="0" eaLnBrk="1" latinLnBrk="1" hangingPunct="1">
+              <a:lnSpc>
+                <a:spcPct val="90000"/>
+              </a:lnSpc>
+              <a:spcBef>
+                <a:spcPts val="500"/>
+              </a:spcBef>
+              <a:buFont typeface="Arial" panose="020B0604020202020204" pitchFamily="34" charset="0"/>
+              <a:buNone/>
+              <a:defRPr sz="2000" kern="1200">
+                <a:solidFill>
+                  <a:schemeClr val="tx1"/>
+                </a:solidFill>
+                <a:latin typeface="+mn-lt"/>
+                <a:ea typeface="+mn-ea"/>
+                <a:cs typeface="+mn-cs"/>
+              </a:defRPr>
+            </a:lvl2pPr>
+            <a:lvl3pPr marL="914400" indent="0" algn="ctr" defTabSz="914400" rtl="0" eaLnBrk="1" latinLnBrk="1" hangingPunct="1">
+              <a:lnSpc>
+                <a:spcPct val="90000"/>
+              </a:lnSpc>
+              <a:spcBef>
+                <a:spcPts val="500"/>
+              </a:spcBef>
+              <a:buFont typeface="Arial" panose="020B0604020202020204" pitchFamily="34" charset="0"/>
+              <a:buNone/>
+              <a:defRPr sz="1800" kern="1200">
+                <a:solidFill>
+                  <a:schemeClr val="tx1"/>
+                </a:solidFill>
+                <a:latin typeface="+mn-lt"/>
+                <a:ea typeface="+mn-ea"/>
+                <a:cs typeface="+mn-cs"/>
+              </a:defRPr>
+            </a:lvl3pPr>
+            <a:lvl4pPr marL="1371600" indent="0" algn="ctr" defTabSz="914400" rtl="0" eaLnBrk="1" latinLnBrk="1" hangingPunct="1">
+              <a:lnSpc>
+                <a:spcPct val="90000"/>
+              </a:lnSpc>
+              <a:spcBef>
+                <a:spcPts val="500"/>
+              </a:spcBef>
+              <a:buFont typeface="Arial" panose="020B0604020202020204" pitchFamily="34" charset="0"/>
+              <a:buNone/>
+              <a:defRPr sz="1600" kern="1200">
+                <a:solidFill>
+                  <a:schemeClr val="tx1"/>
+                </a:solidFill>
+                <a:latin typeface="+mn-lt"/>
+                <a:ea typeface="+mn-ea"/>
+                <a:cs typeface="+mn-cs"/>
+              </a:defRPr>
+            </a:lvl4pPr>
+            <a:lvl5pPr marL="1828800" indent="0" algn="ctr" defTabSz="914400" rtl="0" eaLnBrk="1" latinLnBrk="1" hangingPunct="1">
+              <a:lnSpc>
+                <a:spcPct val="90000"/>
+              </a:lnSpc>
+              <a:spcBef>
+                <a:spcPts val="500"/>
+              </a:spcBef>
+              <a:buFont typeface="Arial" panose="020B0604020202020204" pitchFamily="34" charset="0"/>
+              <a:buNone/>
+              <a:defRPr sz="1600" kern="1200">
+                <a:solidFill>
+                  <a:schemeClr val="tx1"/>
+                </a:solidFill>
+                <a:latin typeface="+mn-lt"/>
+                <a:ea typeface="+mn-ea"/>
+                <a:cs typeface="+mn-cs"/>
+              </a:defRPr>
+            </a:lvl5pPr>
+            <a:lvl6pPr marL="2286000" indent="0" algn="ctr" defTabSz="914400" rtl="0" eaLnBrk="1" latinLnBrk="1" hangingPunct="1">
+              <a:lnSpc>
+                <a:spcPct val="90000"/>
+              </a:lnSpc>
+              <a:spcBef>
+                <a:spcPts val="500"/>
+              </a:spcBef>
+              <a:buFont typeface="Arial" panose="020B0604020202020204" pitchFamily="34" charset="0"/>
+              <a:buNone/>
+              <a:defRPr sz="1600" kern="1200">
+                <a:solidFill>
+                  <a:schemeClr val="tx1"/>
+                </a:solidFill>
+                <a:latin typeface="+mn-lt"/>
+                <a:ea typeface="+mn-ea"/>
+                <a:cs typeface="+mn-cs"/>
+              </a:defRPr>
+            </a:lvl6pPr>
+            <a:lvl7pPr marL="2743200" indent="0" algn="ctr" defTabSz="914400" rtl="0" eaLnBrk="1" latinLnBrk="1" hangingPunct="1">
+              <a:lnSpc>
+                <a:spcPct val="90000"/>
+              </a:lnSpc>
+              <a:spcBef>
+                <a:spcPts val="500"/>
+              </a:spcBef>
+              <a:buFont typeface="Arial" panose="020B0604020202020204" pitchFamily="34" charset="0"/>
+              <a:buNone/>
+              <a:defRPr sz="1600" kern="1200">
+                <a:solidFill>
+                  <a:schemeClr val="tx1"/>
+                </a:solidFill>
+                <a:latin typeface="+mn-lt"/>
+                <a:ea typeface="+mn-ea"/>
+                <a:cs typeface="+mn-cs"/>
+              </a:defRPr>
+            </a:lvl7pPr>
+            <a:lvl8pPr marL="3200400" indent="0" algn="ctr" defTabSz="914400" rtl="0" eaLnBrk="1" latinLnBrk="1" hangingPunct="1">
+              <a:lnSpc>
+                <a:spcPct val="90000"/>
+              </a:lnSpc>
+              <a:spcBef>
+                <a:spcPts val="500"/>
+              </a:spcBef>
+              <a:buFont typeface="Arial" panose="020B0604020202020204" pitchFamily="34" charset="0"/>
+              <a:buNone/>
+              <a:defRPr sz="1600" kern="1200">
+                <a:solidFill>
+                  <a:schemeClr val="tx1"/>
+                </a:solidFill>
+                <a:latin typeface="+mn-lt"/>
+                <a:ea typeface="+mn-ea"/>
+                <a:cs typeface="+mn-cs"/>
+              </a:defRPr>
+            </a:lvl8pPr>
+            <a:lvl9pPr marL="3657600" indent="0" algn="ctr" defTabSz="914400" rtl="0" eaLnBrk="1" latinLnBrk="1" hangingPunct="1">
+              <a:lnSpc>
+                <a:spcPct val="90000"/>
+              </a:lnSpc>
+              <a:spcBef>
+                <a:spcPts val="500"/>
+              </a:spcBef>
+              <a:buFont typeface="Arial" panose="020B0604020202020204" pitchFamily="34" charset="0"/>
+              <a:buNone/>
+              <a:defRPr sz="1600" kern="1200">
+                <a:solidFill>
+                  <a:schemeClr val="tx1"/>
+                </a:solidFill>
+                <a:latin typeface="+mn-lt"/>
+                <a:ea typeface="+mn-ea"/>
+                <a:cs typeface="+mn-cs"/>
+              </a:defRPr>
+            </a:lvl9pPr>
+          </a:lstStyle>
+          <a:p>
+            <a:pPr algn="l" latinLnBrk="0"/>
+            <a:r>
+              <a:rPr lang="ko-KR" altLang="en-US" sz="1600" dirty="0">
+                <a:latin typeface="나눔스퀘어" panose="020B0600000101010101" pitchFamily="50" charset="-127"/>
+                <a:ea typeface="나눔스퀘어" panose="020B0600000101010101" pitchFamily="50" charset="-127"/>
+              </a:rPr>
+              <a:t>채팅방의 </a:t>
+            </a:r>
+            <a:r>
+              <a:rPr lang="en-US" altLang="ko-KR" sz="1600" dirty="0">
+                <a:latin typeface="나눔스퀘어" panose="020B0600000101010101" pitchFamily="50" charset="-127"/>
+                <a:ea typeface="나눔스퀘어" panose="020B0600000101010101" pitchFamily="50" charset="-127"/>
+              </a:rPr>
+              <a:t>JavaScript</a:t>
+            </a:r>
+            <a:r>
+              <a:rPr lang="ko-KR" altLang="en-US" sz="1600" dirty="0">
+                <a:latin typeface="나눔스퀘어" panose="020B0600000101010101" pitchFamily="50" charset="-127"/>
+                <a:ea typeface="나눔스퀘어" panose="020B0600000101010101" pitchFamily="50" charset="-127"/>
+              </a:rPr>
+              <a:t> </a:t>
+            </a:r>
+            <a:r>
+              <a:rPr lang="en-US" altLang="ko-KR" sz="1600" dirty="0">
+                <a:latin typeface="나눔스퀘어" panose="020B0600000101010101" pitchFamily="50" charset="-127"/>
+                <a:ea typeface="나눔스퀘어" panose="020B0600000101010101" pitchFamily="50" charset="-127"/>
+              </a:rPr>
+              <a:t>+</a:t>
+            </a:r>
+            <a:r>
+              <a:rPr lang="ko-KR" altLang="en-US" sz="1600" dirty="0">
+                <a:latin typeface="나눔스퀘어" panose="020B0600000101010101" pitchFamily="50" charset="-127"/>
+                <a:ea typeface="나눔스퀘어" panose="020B0600000101010101" pitchFamily="50" charset="-127"/>
+              </a:rPr>
+              <a:t> </a:t>
+            </a:r>
+            <a:r>
+              <a:rPr lang="en-US" altLang="ko-KR" sz="1600" dirty="0" err="1">
+                <a:latin typeface="나눔스퀘어" panose="020B0600000101010101" pitchFamily="50" charset="-127"/>
+                <a:ea typeface="나눔스퀘어" panose="020B0600000101010101" pitchFamily="50" charset="-127"/>
+              </a:rPr>
+              <a:t>webGL</a:t>
+            </a:r>
+            <a:endParaRPr lang="en-US" altLang="ko-KR" sz="1600" dirty="0">
+              <a:latin typeface="나눔스퀘어" panose="020B0600000101010101" pitchFamily="50" charset="-127"/>
+              <a:ea typeface="나눔스퀘어" panose="020B0600000101010101" pitchFamily="50" charset="-127"/>
+            </a:endParaRPr>
+          </a:p>
+          <a:p>
+            <a:pPr algn="l" latinLnBrk="0"/>
+            <a:r>
+              <a:rPr lang="en-US" altLang="ko-KR" sz="1600" dirty="0">
+                <a:latin typeface="나눔스퀘어" panose="020B0600000101010101" pitchFamily="50" charset="-127"/>
+                <a:ea typeface="나눔스퀘어" panose="020B0600000101010101" pitchFamily="50" charset="-127"/>
+              </a:rPr>
+              <a:t>Unity 2020.03</a:t>
+            </a:r>
+            <a:r>
+              <a:rPr lang="ko-KR" altLang="en-US" sz="1600" dirty="0">
+                <a:latin typeface="나눔스퀘어" panose="020B0600000101010101" pitchFamily="50" charset="-127"/>
+                <a:ea typeface="나눔스퀘어" panose="020B0600000101010101" pitchFamily="50" charset="-127"/>
+              </a:rPr>
+              <a:t> 버전 기준 작성</a:t>
+            </a:r>
+            <a:endParaRPr lang="en-US" altLang="ko-KR" sz="1600" dirty="0">
+              <a:latin typeface="나눔스퀘어" panose="020B0600000101010101" pitchFamily="50" charset="-127"/>
+              <a:ea typeface="나눔스퀘어" panose="020B0600000101010101" pitchFamily="50" charset="-127"/>
+            </a:endParaRPr>
+          </a:p>
+          <a:p>
+            <a:pPr algn="l" latinLnBrk="0"/>
+            <a:r>
+              <a:rPr lang="en-US" altLang="ko-KR" sz="1600" dirty="0">
+                <a:latin typeface="나눔스퀘어" panose="020B0600000101010101" pitchFamily="50" charset="-127"/>
+                <a:ea typeface="나눔스퀘어" panose="020B0600000101010101" pitchFamily="50" charset="-127"/>
+              </a:rPr>
+              <a:t>Html </a:t>
+            </a:r>
+            <a:r>
+              <a:rPr lang="ko-KR" altLang="en-US" sz="1600" dirty="0">
+                <a:latin typeface="나눔스퀘어" panose="020B0600000101010101" pitchFamily="50" charset="-127"/>
+                <a:ea typeface="나눔스퀘어" panose="020B0600000101010101" pitchFamily="50" charset="-127"/>
+              </a:rPr>
+              <a:t>메인 페이지로 </a:t>
+            </a:r>
+            <a:r>
+              <a:rPr lang="en-US" altLang="ko-KR" sz="1600" dirty="0">
+                <a:latin typeface="나눔스퀘어" panose="020B0600000101010101" pitchFamily="50" charset="-127"/>
+                <a:ea typeface="나눔스퀘어" panose="020B0600000101010101" pitchFamily="50" charset="-127"/>
+              </a:rPr>
+              <a:t>script </a:t>
+            </a:r>
+            <a:r>
+              <a:rPr lang="ko-KR" altLang="en-US" sz="1600" dirty="0">
+                <a:latin typeface="나눔스퀘어" panose="020B0600000101010101" pitchFamily="50" charset="-127"/>
+                <a:ea typeface="나눔스퀘어" panose="020B0600000101010101" pitchFamily="50" charset="-127"/>
+              </a:rPr>
+              <a:t>전달</a:t>
+            </a:r>
+            <a:endParaRPr lang="en-US" altLang="ko-KR" sz="1600" dirty="0">
+              <a:latin typeface="나눔스퀘어" panose="020B0600000101010101" pitchFamily="50" charset="-127"/>
+              <a:ea typeface="나눔스퀘어" panose="020B0600000101010101" pitchFamily="50" charset="-127"/>
+            </a:endParaRPr>
+          </a:p>
+        </p:txBody>
+      </p:sp>
+      <p:cxnSp>
+        <p:nvCxnSpPr>
+          <p:cNvPr id="47" name="직선 화살표 연결선 46">
+            <a:extLst>
+              <a:ext uri="{FF2B5EF4-FFF2-40B4-BE49-F238E27FC236}">
+                <a16:creationId xmlns:a16="http://schemas.microsoft.com/office/drawing/2014/main" id="{9A6F7131-6BB9-4024-B1C5-B5E73097B4DB}"/>
+              </a:ext>
+            </a:extLst>
+          </p:cNvPr>
+          <p:cNvCxnSpPr/>
+          <p:nvPr/>
+        </p:nvCxnSpPr>
+        <p:spPr>
+          <a:xfrm>
+            <a:off x="862372" y="2962085"/>
+            <a:ext cx="359682" cy="0"/>
+          </a:xfrm>
+          <a:prstGeom prst="straightConnector1">
+            <a:avLst/>
+          </a:prstGeom>
+          <a:ln w="57150">
+            <a:solidFill>
+              <a:srgbClr val="00B0F0"/>
+            </a:solidFill>
+            <a:tailEnd type="triangle"/>
+          </a:ln>
+        </p:spPr>
+        <p:style>
+          <a:lnRef idx="1">
+            <a:schemeClr val="accent1"/>
+          </a:lnRef>
+          <a:fillRef idx="0">
+            <a:schemeClr val="accent1"/>
+          </a:fillRef>
+          <a:effectRef idx="0">
+            <a:schemeClr val="accent1"/>
+          </a:effectRef>
+          <a:fontRef idx="minor">
+            <a:schemeClr val="tx1"/>
+          </a:fontRef>
+        </p:style>
+      </p:cxnSp>
+      <p:sp>
+        <p:nvSpPr>
+          <p:cNvPr id="48" name="부제목 2">
+            <a:extLst>
+              <a:ext uri="{FF2B5EF4-FFF2-40B4-BE49-F238E27FC236}">
+                <a16:creationId xmlns:a16="http://schemas.microsoft.com/office/drawing/2014/main" id="{B3BDDA03-DEB6-4B4C-BAD9-126FF84CD043}"/>
+              </a:ext>
+            </a:extLst>
+          </p:cNvPr>
+          <p:cNvSpPr txBox="1">
+            <a:spLocks/>
+          </p:cNvSpPr>
+          <p:nvPr/>
+        </p:nvSpPr>
+        <p:spPr>
+          <a:xfrm>
+            <a:off x="1222053" y="2823981"/>
+            <a:ext cx="2991807" cy="303342"/>
+          </a:xfrm>
+          <a:prstGeom prst="rect">
+            <a:avLst/>
+          </a:prstGeom>
+        </p:spPr>
+        <p:txBody>
+          <a:bodyPr vert="horz" lIns="91440" tIns="45720" rIns="91440" bIns="45720" rtlCol="0" anchor="t">
+            <a:normAutofit lnSpcReduction="10000"/>
+          </a:bodyPr>
+          <a:lstStyle>
+            <a:lvl1pPr marL="0" indent="0" algn="ctr" defTabSz="914400" rtl="0" eaLnBrk="1" latinLnBrk="1" hangingPunct="1">
+              <a:lnSpc>
+                <a:spcPct val="90000"/>
+              </a:lnSpc>
+              <a:spcBef>
+                <a:spcPts val="1000"/>
+              </a:spcBef>
+              <a:buFont typeface="Arial" panose="020B0604020202020204" pitchFamily="34" charset="0"/>
+              <a:buNone/>
+              <a:defRPr sz="2400" kern="1200">
+                <a:solidFill>
+                  <a:schemeClr val="tx1"/>
+                </a:solidFill>
+                <a:latin typeface="+mn-lt"/>
+                <a:ea typeface="+mn-ea"/>
+                <a:cs typeface="+mn-cs"/>
+              </a:defRPr>
+            </a:lvl1pPr>
+            <a:lvl2pPr marL="457200" indent="0" algn="ctr" defTabSz="914400" rtl="0" eaLnBrk="1" latinLnBrk="1" hangingPunct="1">
+              <a:lnSpc>
+                <a:spcPct val="90000"/>
+              </a:lnSpc>
+              <a:spcBef>
+                <a:spcPts val="500"/>
+              </a:spcBef>
+              <a:buFont typeface="Arial" panose="020B0604020202020204" pitchFamily="34" charset="0"/>
+              <a:buNone/>
+              <a:defRPr sz="2000" kern="1200">
+                <a:solidFill>
+                  <a:schemeClr val="tx1"/>
+                </a:solidFill>
+                <a:latin typeface="+mn-lt"/>
+                <a:ea typeface="+mn-ea"/>
+                <a:cs typeface="+mn-cs"/>
+              </a:defRPr>
+            </a:lvl2pPr>
+            <a:lvl3pPr marL="914400" indent="0" algn="ctr" defTabSz="914400" rtl="0" eaLnBrk="1" latinLnBrk="1" hangingPunct="1">
+              <a:lnSpc>
+                <a:spcPct val="90000"/>
+              </a:lnSpc>
+              <a:spcBef>
+                <a:spcPts val="500"/>
+              </a:spcBef>
+              <a:buFont typeface="Arial" panose="020B0604020202020204" pitchFamily="34" charset="0"/>
+              <a:buNone/>
+              <a:defRPr sz="1800" kern="1200">
+                <a:solidFill>
+                  <a:schemeClr val="tx1"/>
+                </a:solidFill>
+                <a:latin typeface="+mn-lt"/>
+                <a:ea typeface="+mn-ea"/>
+                <a:cs typeface="+mn-cs"/>
+              </a:defRPr>
+            </a:lvl3pPr>
+            <a:lvl4pPr marL="1371600" indent="0" algn="ctr" defTabSz="914400" rtl="0" eaLnBrk="1" latinLnBrk="1" hangingPunct="1">
+              <a:lnSpc>
+                <a:spcPct val="90000"/>
+              </a:lnSpc>
+              <a:spcBef>
+                <a:spcPts val="500"/>
+              </a:spcBef>
+              <a:buFont typeface="Arial" panose="020B0604020202020204" pitchFamily="34" charset="0"/>
+              <a:buNone/>
+              <a:defRPr sz="1600" kern="1200">
+                <a:solidFill>
+                  <a:schemeClr val="tx1"/>
+                </a:solidFill>
+                <a:latin typeface="+mn-lt"/>
+                <a:ea typeface="+mn-ea"/>
+                <a:cs typeface="+mn-cs"/>
+              </a:defRPr>
+            </a:lvl4pPr>
+            <a:lvl5pPr marL="1828800" indent="0" algn="ctr" defTabSz="914400" rtl="0" eaLnBrk="1" latinLnBrk="1" hangingPunct="1">
+              <a:lnSpc>
+                <a:spcPct val="90000"/>
+              </a:lnSpc>
+              <a:spcBef>
+                <a:spcPts val="500"/>
+              </a:spcBef>
+              <a:buFont typeface="Arial" panose="020B0604020202020204" pitchFamily="34" charset="0"/>
+              <a:buNone/>
+              <a:defRPr sz="1600" kern="1200">
+                <a:solidFill>
+                  <a:schemeClr val="tx1"/>
+                </a:solidFill>
+                <a:latin typeface="+mn-lt"/>
+                <a:ea typeface="+mn-ea"/>
+                <a:cs typeface="+mn-cs"/>
+              </a:defRPr>
+            </a:lvl5pPr>
+            <a:lvl6pPr marL="2286000" indent="0" algn="ctr" defTabSz="914400" rtl="0" eaLnBrk="1" latinLnBrk="1" hangingPunct="1">
+              <a:lnSpc>
+                <a:spcPct val="90000"/>
+              </a:lnSpc>
+              <a:spcBef>
+                <a:spcPts val="500"/>
+              </a:spcBef>
+              <a:buFont typeface="Arial" panose="020B0604020202020204" pitchFamily="34" charset="0"/>
+              <a:buNone/>
+              <a:defRPr sz="1600" kern="1200">
+                <a:solidFill>
+                  <a:schemeClr val="tx1"/>
+                </a:solidFill>
+                <a:latin typeface="+mn-lt"/>
+                <a:ea typeface="+mn-ea"/>
+                <a:cs typeface="+mn-cs"/>
+              </a:defRPr>
+            </a:lvl6pPr>
+            <a:lvl7pPr marL="2743200" indent="0" algn="ctr" defTabSz="914400" rtl="0" eaLnBrk="1" latinLnBrk="1" hangingPunct="1">
+              <a:lnSpc>
+                <a:spcPct val="90000"/>
+              </a:lnSpc>
+              <a:spcBef>
+                <a:spcPts val="500"/>
+              </a:spcBef>
+              <a:buFont typeface="Arial" panose="020B0604020202020204" pitchFamily="34" charset="0"/>
+              <a:buNone/>
+              <a:defRPr sz="1600" kern="1200">
+                <a:solidFill>
+                  <a:schemeClr val="tx1"/>
+                </a:solidFill>
+                <a:latin typeface="+mn-lt"/>
+                <a:ea typeface="+mn-ea"/>
+                <a:cs typeface="+mn-cs"/>
+              </a:defRPr>
+            </a:lvl7pPr>
+            <a:lvl8pPr marL="3200400" indent="0" algn="ctr" defTabSz="914400" rtl="0" eaLnBrk="1" latinLnBrk="1" hangingPunct="1">
+              <a:lnSpc>
+                <a:spcPct val="90000"/>
+              </a:lnSpc>
+              <a:spcBef>
+                <a:spcPts val="500"/>
+              </a:spcBef>
+              <a:buFont typeface="Arial" panose="020B0604020202020204" pitchFamily="34" charset="0"/>
+              <a:buNone/>
+              <a:defRPr sz="1600" kern="1200">
+                <a:solidFill>
+                  <a:schemeClr val="tx1"/>
+                </a:solidFill>
+                <a:latin typeface="+mn-lt"/>
+                <a:ea typeface="+mn-ea"/>
+                <a:cs typeface="+mn-cs"/>
+              </a:defRPr>
+            </a:lvl8pPr>
+            <a:lvl9pPr marL="3657600" indent="0" algn="ctr" defTabSz="914400" rtl="0" eaLnBrk="1" latinLnBrk="1" hangingPunct="1">
+              <a:lnSpc>
+                <a:spcPct val="90000"/>
+              </a:lnSpc>
+              <a:spcBef>
+                <a:spcPts val="500"/>
+              </a:spcBef>
+              <a:buFont typeface="Arial" panose="020B0604020202020204" pitchFamily="34" charset="0"/>
+              <a:buNone/>
+              <a:defRPr sz="1600" kern="1200">
+                <a:solidFill>
+                  <a:schemeClr val="tx1"/>
+                </a:solidFill>
+                <a:latin typeface="+mn-lt"/>
+                <a:ea typeface="+mn-ea"/>
+                <a:cs typeface="+mn-cs"/>
+              </a:defRPr>
+            </a:lvl9pPr>
+          </a:lstStyle>
+          <a:p>
+            <a:pPr algn="l" latinLnBrk="0"/>
+            <a:r>
+              <a:rPr lang="en-US" altLang="ko-KR" sz="1600" dirty="0">
+                <a:latin typeface="나눔스퀘어" panose="020B0600000101010101" pitchFamily="50" charset="-127"/>
+                <a:ea typeface="나눔스퀘어" panose="020B0600000101010101" pitchFamily="50" charset="-127"/>
+              </a:rPr>
+              <a:t>Unity Instance</a:t>
+            </a:r>
+            <a:r>
+              <a:rPr lang="ko-KR" altLang="en-US" sz="1600" dirty="0">
+                <a:latin typeface="나눔스퀘어" panose="020B0600000101010101" pitchFamily="50" charset="-127"/>
+                <a:ea typeface="나눔스퀘어" panose="020B0600000101010101" pitchFamily="50" charset="-127"/>
+              </a:rPr>
+              <a:t> 확보</a:t>
+            </a:r>
+            <a:endParaRPr lang="en-US" altLang="ko-KR" sz="1600" dirty="0">
+              <a:latin typeface="나눔스퀘어" panose="020B0600000101010101" pitchFamily="50" charset="-127"/>
+              <a:ea typeface="나눔스퀘어" panose="020B0600000101010101" pitchFamily="50" charset="-127"/>
+            </a:endParaRPr>
+          </a:p>
+        </p:txBody>
+      </p:sp>
+      <p:cxnSp>
+        <p:nvCxnSpPr>
+          <p:cNvPr id="49" name="직선 화살표 연결선 48">
+            <a:extLst>
+              <a:ext uri="{FF2B5EF4-FFF2-40B4-BE49-F238E27FC236}">
+                <a16:creationId xmlns:a16="http://schemas.microsoft.com/office/drawing/2014/main" id="{B2E7ED78-D83F-4153-884D-2BC804036723}"/>
+              </a:ext>
+            </a:extLst>
+          </p:cNvPr>
+          <p:cNvCxnSpPr/>
+          <p:nvPr/>
+        </p:nvCxnSpPr>
+        <p:spPr>
+          <a:xfrm>
+            <a:off x="290872" y="3632609"/>
+            <a:ext cx="359682" cy="0"/>
+          </a:xfrm>
+          <a:prstGeom prst="straightConnector1">
+            <a:avLst/>
+          </a:prstGeom>
+          <a:ln w="57150">
+            <a:solidFill>
+              <a:srgbClr val="92D050"/>
+            </a:solidFill>
+            <a:tailEnd type="triangle"/>
+          </a:ln>
+        </p:spPr>
+        <p:style>
+          <a:lnRef idx="1">
+            <a:schemeClr val="accent1"/>
+          </a:lnRef>
+          <a:fillRef idx="0">
+            <a:schemeClr val="accent1"/>
+          </a:fillRef>
+          <a:effectRef idx="0">
+            <a:schemeClr val="accent1"/>
+          </a:effectRef>
+          <a:fontRef idx="minor">
+            <a:schemeClr val="tx1"/>
+          </a:fontRef>
+        </p:style>
+      </p:cxnSp>
+      <p:sp>
+        <p:nvSpPr>
+          <p:cNvPr id="50" name="부제목 2">
+            <a:extLst>
+              <a:ext uri="{FF2B5EF4-FFF2-40B4-BE49-F238E27FC236}">
+                <a16:creationId xmlns:a16="http://schemas.microsoft.com/office/drawing/2014/main" id="{3E5B7385-2631-42F2-ABD8-A5F545E0F709}"/>
+              </a:ext>
+            </a:extLst>
+          </p:cNvPr>
+          <p:cNvSpPr txBox="1">
+            <a:spLocks/>
+          </p:cNvSpPr>
+          <p:nvPr/>
+        </p:nvSpPr>
+        <p:spPr>
+          <a:xfrm>
+            <a:off x="650553" y="3316420"/>
+            <a:ext cx="3125307" cy="1161840"/>
+          </a:xfrm>
+          <a:prstGeom prst="rect">
+            <a:avLst/>
+          </a:prstGeom>
+        </p:spPr>
+        <p:txBody>
+          <a:bodyPr vert="horz" lIns="91440" tIns="45720" rIns="91440" bIns="45720" rtlCol="0" anchor="t">
+            <a:normAutofit/>
+          </a:bodyPr>
+          <a:lstStyle>
+            <a:lvl1pPr marL="0" indent="0" algn="ctr" defTabSz="914400" rtl="0" eaLnBrk="1" latinLnBrk="1" hangingPunct="1">
+              <a:lnSpc>
+                <a:spcPct val="90000"/>
+              </a:lnSpc>
+              <a:spcBef>
+                <a:spcPts val="1000"/>
+              </a:spcBef>
+              <a:buFont typeface="Arial" panose="020B0604020202020204" pitchFamily="34" charset="0"/>
+              <a:buNone/>
+              <a:defRPr sz="2400" kern="1200">
+                <a:solidFill>
+                  <a:schemeClr val="tx1"/>
+                </a:solidFill>
+                <a:latin typeface="+mn-lt"/>
+                <a:ea typeface="+mn-ea"/>
+                <a:cs typeface="+mn-cs"/>
+              </a:defRPr>
+            </a:lvl1pPr>
+            <a:lvl2pPr marL="457200" indent="0" algn="ctr" defTabSz="914400" rtl="0" eaLnBrk="1" latinLnBrk="1" hangingPunct="1">
+              <a:lnSpc>
+                <a:spcPct val="90000"/>
+              </a:lnSpc>
+              <a:spcBef>
+                <a:spcPts val="500"/>
+              </a:spcBef>
+              <a:buFont typeface="Arial" panose="020B0604020202020204" pitchFamily="34" charset="0"/>
+              <a:buNone/>
+              <a:defRPr sz="2000" kern="1200">
+                <a:solidFill>
+                  <a:schemeClr val="tx1"/>
+                </a:solidFill>
+                <a:latin typeface="+mn-lt"/>
+                <a:ea typeface="+mn-ea"/>
+                <a:cs typeface="+mn-cs"/>
+              </a:defRPr>
+            </a:lvl2pPr>
+            <a:lvl3pPr marL="914400" indent="0" algn="ctr" defTabSz="914400" rtl="0" eaLnBrk="1" latinLnBrk="1" hangingPunct="1">
+              <a:lnSpc>
+                <a:spcPct val="90000"/>
+              </a:lnSpc>
+              <a:spcBef>
+                <a:spcPts val="500"/>
+              </a:spcBef>
+              <a:buFont typeface="Arial" panose="020B0604020202020204" pitchFamily="34" charset="0"/>
+              <a:buNone/>
+              <a:defRPr sz="1800" kern="1200">
+                <a:solidFill>
+                  <a:schemeClr val="tx1"/>
+                </a:solidFill>
+                <a:latin typeface="+mn-lt"/>
+                <a:ea typeface="+mn-ea"/>
+                <a:cs typeface="+mn-cs"/>
+              </a:defRPr>
+            </a:lvl3pPr>
+            <a:lvl4pPr marL="1371600" indent="0" algn="ctr" defTabSz="914400" rtl="0" eaLnBrk="1" latinLnBrk="1" hangingPunct="1">
+              <a:lnSpc>
+                <a:spcPct val="90000"/>
+              </a:lnSpc>
+              <a:spcBef>
+                <a:spcPts val="500"/>
+              </a:spcBef>
+              <a:buFont typeface="Arial" panose="020B0604020202020204" pitchFamily="34" charset="0"/>
+              <a:buNone/>
+              <a:defRPr sz="1600" kern="1200">
+                <a:solidFill>
+                  <a:schemeClr val="tx1"/>
+                </a:solidFill>
+                <a:latin typeface="+mn-lt"/>
+                <a:ea typeface="+mn-ea"/>
+                <a:cs typeface="+mn-cs"/>
+              </a:defRPr>
+            </a:lvl4pPr>
+            <a:lvl5pPr marL="1828800" indent="0" algn="ctr" defTabSz="914400" rtl="0" eaLnBrk="1" latinLnBrk="1" hangingPunct="1">
+              <a:lnSpc>
+                <a:spcPct val="90000"/>
+              </a:lnSpc>
+              <a:spcBef>
+                <a:spcPts val="500"/>
+              </a:spcBef>
+              <a:buFont typeface="Arial" panose="020B0604020202020204" pitchFamily="34" charset="0"/>
+              <a:buNone/>
+              <a:defRPr sz="1600" kern="1200">
+                <a:solidFill>
+                  <a:schemeClr val="tx1"/>
+                </a:solidFill>
+                <a:latin typeface="+mn-lt"/>
+                <a:ea typeface="+mn-ea"/>
+                <a:cs typeface="+mn-cs"/>
+              </a:defRPr>
+            </a:lvl5pPr>
+            <a:lvl6pPr marL="2286000" indent="0" algn="ctr" defTabSz="914400" rtl="0" eaLnBrk="1" latinLnBrk="1" hangingPunct="1">
+              <a:lnSpc>
+                <a:spcPct val="90000"/>
+              </a:lnSpc>
+              <a:spcBef>
+                <a:spcPts val="500"/>
+              </a:spcBef>
+              <a:buFont typeface="Arial" panose="020B0604020202020204" pitchFamily="34" charset="0"/>
+              <a:buNone/>
+              <a:defRPr sz="1600" kern="1200">
+                <a:solidFill>
+                  <a:schemeClr val="tx1"/>
+                </a:solidFill>
+                <a:latin typeface="+mn-lt"/>
+                <a:ea typeface="+mn-ea"/>
+                <a:cs typeface="+mn-cs"/>
+              </a:defRPr>
+            </a:lvl6pPr>
+            <a:lvl7pPr marL="2743200" indent="0" algn="ctr" defTabSz="914400" rtl="0" eaLnBrk="1" latinLnBrk="1" hangingPunct="1">
+              <a:lnSpc>
+                <a:spcPct val="90000"/>
+              </a:lnSpc>
+              <a:spcBef>
+                <a:spcPts val="500"/>
+              </a:spcBef>
+              <a:buFont typeface="Arial" panose="020B0604020202020204" pitchFamily="34" charset="0"/>
+              <a:buNone/>
+              <a:defRPr sz="1600" kern="1200">
+                <a:solidFill>
+                  <a:schemeClr val="tx1"/>
+                </a:solidFill>
+                <a:latin typeface="+mn-lt"/>
+                <a:ea typeface="+mn-ea"/>
+                <a:cs typeface="+mn-cs"/>
+              </a:defRPr>
+            </a:lvl7pPr>
+            <a:lvl8pPr marL="3200400" indent="0" algn="ctr" defTabSz="914400" rtl="0" eaLnBrk="1" latinLnBrk="1" hangingPunct="1">
+              <a:lnSpc>
+                <a:spcPct val="90000"/>
+              </a:lnSpc>
+              <a:spcBef>
+                <a:spcPts val="500"/>
+              </a:spcBef>
+              <a:buFont typeface="Arial" panose="020B0604020202020204" pitchFamily="34" charset="0"/>
+              <a:buNone/>
+              <a:defRPr sz="1600" kern="1200">
+                <a:solidFill>
+                  <a:schemeClr val="tx1"/>
+                </a:solidFill>
+                <a:latin typeface="+mn-lt"/>
+                <a:ea typeface="+mn-ea"/>
+                <a:cs typeface="+mn-cs"/>
+              </a:defRPr>
+            </a:lvl8pPr>
+            <a:lvl9pPr marL="3657600" indent="0" algn="ctr" defTabSz="914400" rtl="0" eaLnBrk="1" latinLnBrk="1" hangingPunct="1">
+              <a:lnSpc>
+                <a:spcPct val="90000"/>
+              </a:lnSpc>
+              <a:spcBef>
+                <a:spcPts val="500"/>
+              </a:spcBef>
+              <a:buFont typeface="Arial" panose="020B0604020202020204" pitchFamily="34" charset="0"/>
+              <a:buNone/>
+              <a:defRPr sz="1600" kern="1200">
+                <a:solidFill>
+                  <a:schemeClr val="tx1"/>
+                </a:solidFill>
+                <a:latin typeface="+mn-lt"/>
+                <a:ea typeface="+mn-ea"/>
+                <a:cs typeface="+mn-cs"/>
+              </a:defRPr>
+            </a:lvl9pPr>
+          </a:lstStyle>
+          <a:p>
+            <a:pPr algn="l" latinLnBrk="0"/>
+            <a:r>
+              <a:rPr lang="en-US" altLang="ko-KR" sz="1200" dirty="0">
+                <a:solidFill>
+                  <a:schemeClr val="accent3">
+                    <a:lumMod val="75000"/>
+                  </a:schemeClr>
+                </a:solidFill>
+                <a:latin typeface="나눔스퀘어" panose="020B0600000101010101" pitchFamily="50" charset="-127"/>
+                <a:ea typeface="나눔스퀘어" panose="020B0600000101010101" pitchFamily="50" charset="-127"/>
+              </a:rPr>
+              <a:t>(Unity Loader </a:t>
+            </a:r>
+            <a:r>
+              <a:rPr lang="ko-KR" altLang="en-US" sz="1200" dirty="0">
+                <a:solidFill>
+                  <a:schemeClr val="accent3">
+                    <a:lumMod val="75000"/>
+                  </a:schemeClr>
+                </a:solidFill>
+                <a:latin typeface="나눔스퀘어" panose="020B0600000101010101" pitchFamily="50" charset="-127"/>
+                <a:ea typeface="나눔스퀘어" panose="020B0600000101010101" pitchFamily="50" charset="-127"/>
+              </a:rPr>
+              <a:t>라이브러리</a:t>
+            </a:r>
+            <a:r>
+              <a:rPr lang="en-US" altLang="ko-KR" sz="1200" dirty="0">
+                <a:solidFill>
+                  <a:schemeClr val="accent3">
+                    <a:lumMod val="75000"/>
+                  </a:schemeClr>
+                </a:solidFill>
+                <a:latin typeface="나눔스퀘어" panose="020B0600000101010101" pitchFamily="50" charset="-127"/>
+                <a:ea typeface="나눔스퀘어" panose="020B0600000101010101" pitchFamily="50" charset="-127"/>
+              </a:rPr>
+              <a:t>)</a:t>
+            </a:r>
+            <a:br>
+              <a:rPr lang="en-US" altLang="ko-KR" sz="1200" dirty="0">
+                <a:solidFill>
+                  <a:schemeClr val="accent3">
+                    <a:lumMod val="75000"/>
+                  </a:schemeClr>
+                </a:solidFill>
+                <a:latin typeface="나눔스퀘어" panose="020B0600000101010101" pitchFamily="50" charset="-127"/>
+                <a:ea typeface="나눔스퀘어" panose="020B0600000101010101" pitchFamily="50" charset="-127"/>
+              </a:rPr>
+            </a:br>
+            <a:r>
+              <a:rPr lang="en-US" altLang="ko-KR" sz="1600" dirty="0" err="1">
+                <a:latin typeface="나눔스퀘어" panose="020B0600000101010101" pitchFamily="50" charset="-127"/>
+                <a:ea typeface="나눔스퀘어" panose="020B0600000101010101" pitchFamily="50" charset="-127"/>
+              </a:rPr>
+              <a:t>SendMessage</a:t>
+            </a:r>
+            <a:r>
+              <a:rPr lang="en-US" altLang="ko-KR" sz="1600" dirty="0">
+                <a:latin typeface="나눔스퀘어" panose="020B0600000101010101" pitchFamily="50" charset="-127"/>
+                <a:ea typeface="나눔스퀘어" panose="020B0600000101010101" pitchFamily="50" charset="-127"/>
+              </a:rPr>
+              <a:t> </a:t>
+            </a:r>
+            <a:r>
+              <a:rPr lang="ko-KR" altLang="en-US" sz="1600" dirty="0">
+                <a:latin typeface="나눔스퀘어" panose="020B0600000101010101" pitchFamily="50" charset="-127"/>
+                <a:ea typeface="나눔스퀘어" panose="020B0600000101010101" pitchFamily="50" charset="-127"/>
+              </a:rPr>
+              <a:t>함수를 사용</a:t>
+            </a:r>
+            <a:endParaRPr lang="en-US" altLang="ko-KR" sz="1600" dirty="0">
+              <a:latin typeface="나눔스퀘어" panose="020B0600000101010101" pitchFamily="50" charset="-127"/>
+              <a:ea typeface="나눔스퀘어" panose="020B0600000101010101" pitchFamily="50" charset="-127"/>
+            </a:endParaRPr>
+          </a:p>
+          <a:p>
+            <a:pPr algn="l" latinLnBrk="0"/>
+            <a:r>
+              <a:rPr lang="ko-KR" altLang="en-US" sz="1600" dirty="0">
+                <a:latin typeface="나눔스퀘어" panose="020B0600000101010101" pitchFamily="50" charset="-127"/>
+                <a:ea typeface="나눔스퀘어" panose="020B0600000101010101" pitchFamily="50" charset="-127"/>
+              </a:rPr>
+              <a:t>입 움직임</a:t>
+            </a:r>
+            <a:r>
+              <a:rPr lang="en-US" altLang="ko-KR" sz="1600" dirty="0">
+                <a:latin typeface="나눔스퀘어" panose="020B0600000101010101" pitchFamily="50" charset="-127"/>
+                <a:ea typeface="나눔스퀘어" panose="020B0600000101010101" pitchFamily="50" charset="-127"/>
+              </a:rPr>
+              <a:t>, </a:t>
+            </a:r>
+            <a:r>
+              <a:rPr lang="ko-KR" altLang="en-US" sz="1600" dirty="0" err="1">
+                <a:latin typeface="나눔스퀘어" panose="020B0600000101010101" pitchFamily="50" charset="-127"/>
+                <a:ea typeface="나눔스퀘어" panose="020B0600000101010101" pitchFamily="50" charset="-127"/>
+              </a:rPr>
+              <a:t>제스쳐를</a:t>
+            </a:r>
+            <a:r>
+              <a:rPr lang="ko-KR" altLang="en-US" sz="1600" dirty="0">
+                <a:latin typeface="나눔스퀘어" panose="020B0600000101010101" pitchFamily="50" charset="-127"/>
+                <a:ea typeface="나눔스퀘어" panose="020B0600000101010101" pitchFamily="50" charset="-127"/>
+              </a:rPr>
+              <a:t> 함수로 지정</a:t>
+            </a:r>
+            <a:endParaRPr lang="en-US" altLang="ko-KR" sz="1600" dirty="0">
+              <a:latin typeface="나눔스퀘어" panose="020B0600000101010101" pitchFamily="50" charset="-127"/>
+              <a:ea typeface="나눔스퀘어" panose="020B0600000101010101" pitchFamily="50" charset="-127"/>
+            </a:endParaRPr>
+          </a:p>
+        </p:txBody>
+      </p:sp>
+      <p:cxnSp>
+        <p:nvCxnSpPr>
+          <p:cNvPr id="51" name="직선 화살표 연결선 50">
+            <a:extLst>
+              <a:ext uri="{FF2B5EF4-FFF2-40B4-BE49-F238E27FC236}">
+                <a16:creationId xmlns:a16="http://schemas.microsoft.com/office/drawing/2014/main" id="{73960C37-BCB8-42AB-8E71-C91862B1C9F4}"/>
+              </a:ext>
+            </a:extLst>
+          </p:cNvPr>
+          <p:cNvCxnSpPr/>
+          <p:nvPr/>
+        </p:nvCxnSpPr>
+        <p:spPr>
+          <a:xfrm>
+            <a:off x="290872" y="4722063"/>
+            <a:ext cx="359682" cy="0"/>
+          </a:xfrm>
+          <a:prstGeom prst="straightConnector1">
+            <a:avLst/>
+          </a:prstGeom>
+          <a:ln w="57150">
+            <a:solidFill>
+              <a:srgbClr val="92D050"/>
+            </a:solidFill>
+            <a:tailEnd type="triangle"/>
+          </a:ln>
+        </p:spPr>
+        <p:style>
+          <a:lnRef idx="1">
+            <a:schemeClr val="accent1"/>
+          </a:lnRef>
+          <a:fillRef idx="0">
+            <a:schemeClr val="accent1"/>
+          </a:fillRef>
+          <a:effectRef idx="0">
+            <a:schemeClr val="accent1"/>
+          </a:effectRef>
+          <a:fontRef idx="minor">
+            <a:schemeClr val="tx1"/>
+          </a:fontRef>
+        </p:style>
+      </p:cxnSp>
+      <p:sp>
+        <p:nvSpPr>
+          <p:cNvPr id="52" name="부제목 2">
+            <a:extLst>
+              <a:ext uri="{FF2B5EF4-FFF2-40B4-BE49-F238E27FC236}">
+                <a16:creationId xmlns:a16="http://schemas.microsoft.com/office/drawing/2014/main" id="{34EF5393-BB04-4A51-A1AE-80B4CB4779EE}"/>
+              </a:ext>
+            </a:extLst>
+          </p:cNvPr>
+          <p:cNvSpPr txBox="1">
+            <a:spLocks/>
+          </p:cNvSpPr>
+          <p:nvPr/>
+        </p:nvSpPr>
+        <p:spPr>
+          <a:xfrm>
+            <a:off x="650553" y="4542315"/>
+            <a:ext cx="3125307" cy="1161840"/>
+          </a:xfrm>
+          <a:prstGeom prst="rect">
+            <a:avLst/>
+          </a:prstGeom>
+        </p:spPr>
+        <p:txBody>
+          <a:bodyPr vert="horz" lIns="91440" tIns="45720" rIns="91440" bIns="45720" rtlCol="0" anchor="t">
+            <a:normAutofit/>
+          </a:bodyPr>
+          <a:lstStyle>
+            <a:lvl1pPr marL="0" indent="0" algn="ctr" defTabSz="914400" rtl="0" eaLnBrk="1" latinLnBrk="1" hangingPunct="1">
+              <a:lnSpc>
+                <a:spcPct val="90000"/>
+              </a:lnSpc>
+              <a:spcBef>
+                <a:spcPts val="1000"/>
+              </a:spcBef>
+              <a:buFont typeface="Arial" panose="020B0604020202020204" pitchFamily="34" charset="0"/>
+              <a:buNone/>
+              <a:defRPr sz="2400" kern="1200">
+                <a:solidFill>
+                  <a:schemeClr val="tx1"/>
+                </a:solidFill>
+                <a:latin typeface="+mn-lt"/>
+                <a:ea typeface="+mn-ea"/>
+                <a:cs typeface="+mn-cs"/>
+              </a:defRPr>
+            </a:lvl1pPr>
+            <a:lvl2pPr marL="457200" indent="0" algn="ctr" defTabSz="914400" rtl="0" eaLnBrk="1" latinLnBrk="1" hangingPunct="1">
+              <a:lnSpc>
+                <a:spcPct val="90000"/>
+              </a:lnSpc>
+              <a:spcBef>
+                <a:spcPts val="500"/>
+              </a:spcBef>
+              <a:buFont typeface="Arial" panose="020B0604020202020204" pitchFamily="34" charset="0"/>
+              <a:buNone/>
+              <a:defRPr sz="2000" kern="1200">
+                <a:solidFill>
+                  <a:schemeClr val="tx1"/>
+                </a:solidFill>
+                <a:latin typeface="+mn-lt"/>
+                <a:ea typeface="+mn-ea"/>
+                <a:cs typeface="+mn-cs"/>
+              </a:defRPr>
+            </a:lvl2pPr>
+            <a:lvl3pPr marL="914400" indent="0" algn="ctr" defTabSz="914400" rtl="0" eaLnBrk="1" latinLnBrk="1" hangingPunct="1">
+              <a:lnSpc>
+                <a:spcPct val="90000"/>
+              </a:lnSpc>
+              <a:spcBef>
+                <a:spcPts val="500"/>
+              </a:spcBef>
+              <a:buFont typeface="Arial" panose="020B0604020202020204" pitchFamily="34" charset="0"/>
+              <a:buNone/>
+              <a:defRPr sz="1800" kern="1200">
+                <a:solidFill>
+                  <a:schemeClr val="tx1"/>
+                </a:solidFill>
+                <a:latin typeface="+mn-lt"/>
+                <a:ea typeface="+mn-ea"/>
+                <a:cs typeface="+mn-cs"/>
+              </a:defRPr>
+            </a:lvl3pPr>
+            <a:lvl4pPr marL="1371600" indent="0" algn="ctr" defTabSz="914400" rtl="0" eaLnBrk="1" latinLnBrk="1" hangingPunct="1">
+              <a:lnSpc>
+                <a:spcPct val="90000"/>
+              </a:lnSpc>
+              <a:spcBef>
+                <a:spcPts val="500"/>
+              </a:spcBef>
+              <a:buFont typeface="Arial" panose="020B0604020202020204" pitchFamily="34" charset="0"/>
+              <a:buNone/>
+              <a:defRPr sz="1600" kern="1200">
+                <a:solidFill>
+                  <a:schemeClr val="tx1"/>
+                </a:solidFill>
+                <a:latin typeface="+mn-lt"/>
+                <a:ea typeface="+mn-ea"/>
+                <a:cs typeface="+mn-cs"/>
+              </a:defRPr>
+            </a:lvl4pPr>
+            <a:lvl5pPr marL="1828800" indent="0" algn="ctr" defTabSz="914400" rtl="0" eaLnBrk="1" latinLnBrk="1" hangingPunct="1">
+              <a:lnSpc>
+                <a:spcPct val="90000"/>
+              </a:lnSpc>
+              <a:spcBef>
+                <a:spcPts val="500"/>
+              </a:spcBef>
+              <a:buFont typeface="Arial" panose="020B0604020202020204" pitchFamily="34" charset="0"/>
+              <a:buNone/>
+              <a:defRPr sz="1600" kern="1200">
+                <a:solidFill>
+                  <a:schemeClr val="tx1"/>
+                </a:solidFill>
+                <a:latin typeface="+mn-lt"/>
+                <a:ea typeface="+mn-ea"/>
+                <a:cs typeface="+mn-cs"/>
+              </a:defRPr>
+            </a:lvl5pPr>
+            <a:lvl6pPr marL="2286000" indent="0" algn="ctr" defTabSz="914400" rtl="0" eaLnBrk="1" latinLnBrk="1" hangingPunct="1">
+              <a:lnSpc>
+                <a:spcPct val="90000"/>
+              </a:lnSpc>
+              <a:spcBef>
+                <a:spcPts val="500"/>
+              </a:spcBef>
+              <a:buFont typeface="Arial" panose="020B0604020202020204" pitchFamily="34" charset="0"/>
+              <a:buNone/>
+              <a:defRPr sz="1600" kern="1200">
+                <a:solidFill>
+                  <a:schemeClr val="tx1"/>
+                </a:solidFill>
+                <a:latin typeface="+mn-lt"/>
+                <a:ea typeface="+mn-ea"/>
+                <a:cs typeface="+mn-cs"/>
+              </a:defRPr>
+            </a:lvl6pPr>
+            <a:lvl7pPr marL="2743200" indent="0" algn="ctr" defTabSz="914400" rtl="0" eaLnBrk="1" latinLnBrk="1" hangingPunct="1">
+              <a:lnSpc>
+                <a:spcPct val="90000"/>
+              </a:lnSpc>
+              <a:spcBef>
+                <a:spcPts val="500"/>
+              </a:spcBef>
+              <a:buFont typeface="Arial" panose="020B0604020202020204" pitchFamily="34" charset="0"/>
+              <a:buNone/>
+              <a:defRPr sz="1600" kern="1200">
+                <a:solidFill>
+                  <a:schemeClr val="tx1"/>
+                </a:solidFill>
+                <a:latin typeface="+mn-lt"/>
+                <a:ea typeface="+mn-ea"/>
+                <a:cs typeface="+mn-cs"/>
+              </a:defRPr>
+            </a:lvl7pPr>
+            <a:lvl8pPr marL="3200400" indent="0" algn="ctr" defTabSz="914400" rtl="0" eaLnBrk="1" latinLnBrk="1" hangingPunct="1">
+              <a:lnSpc>
+                <a:spcPct val="90000"/>
+              </a:lnSpc>
+              <a:spcBef>
+                <a:spcPts val="500"/>
+              </a:spcBef>
+              <a:buFont typeface="Arial" panose="020B0604020202020204" pitchFamily="34" charset="0"/>
+              <a:buNone/>
+              <a:defRPr sz="1600" kern="1200">
+                <a:solidFill>
+                  <a:schemeClr val="tx1"/>
+                </a:solidFill>
+                <a:latin typeface="+mn-lt"/>
+                <a:ea typeface="+mn-ea"/>
+                <a:cs typeface="+mn-cs"/>
+              </a:defRPr>
+            </a:lvl8pPr>
+            <a:lvl9pPr marL="3657600" indent="0" algn="ctr" defTabSz="914400" rtl="0" eaLnBrk="1" latinLnBrk="1" hangingPunct="1">
+              <a:lnSpc>
+                <a:spcPct val="90000"/>
+              </a:lnSpc>
+              <a:spcBef>
+                <a:spcPts val="500"/>
+              </a:spcBef>
+              <a:buFont typeface="Arial" panose="020B0604020202020204" pitchFamily="34" charset="0"/>
+              <a:buNone/>
+              <a:defRPr sz="1600" kern="1200">
+                <a:solidFill>
+                  <a:schemeClr val="tx1"/>
+                </a:solidFill>
+                <a:latin typeface="+mn-lt"/>
+                <a:ea typeface="+mn-ea"/>
+                <a:cs typeface="+mn-cs"/>
+              </a:defRPr>
+            </a:lvl9pPr>
+          </a:lstStyle>
+          <a:p>
+            <a:pPr algn="l" latinLnBrk="0"/>
+            <a:r>
+              <a:rPr lang="ko-KR" altLang="en-US" sz="1600" dirty="0">
+                <a:latin typeface="나눔스퀘어" panose="020B0600000101010101" pitchFamily="50" charset="-127"/>
+                <a:ea typeface="나눔스퀘어" panose="020B0600000101010101" pitchFamily="50" charset="-127"/>
+              </a:rPr>
+              <a:t>고객이 상담원 메시지 수신 시</a:t>
+            </a:r>
+            <a:br>
+              <a:rPr lang="en-US" altLang="ko-KR" sz="1600" dirty="0">
+                <a:latin typeface="나눔스퀘어" panose="020B0600000101010101" pitchFamily="50" charset="-127"/>
+                <a:ea typeface="나눔스퀘어" panose="020B0600000101010101" pitchFamily="50" charset="-127"/>
+              </a:rPr>
+            </a:br>
+            <a:r>
+              <a:rPr lang="ko-KR" altLang="en-US" sz="1600" dirty="0">
+                <a:latin typeface="나눔스퀘어" panose="020B0600000101010101" pitchFamily="50" charset="-127"/>
+                <a:ea typeface="나눔스퀘어" panose="020B0600000101010101" pitchFamily="50" charset="-127"/>
+              </a:rPr>
+              <a:t>정해 둔 움직임과 </a:t>
+            </a:r>
+            <a:r>
+              <a:rPr lang="ko-KR" altLang="en-US" sz="1600" dirty="0" err="1">
+                <a:latin typeface="나눔스퀘어" panose="020B0600000101010101" pitchFamily="50" charset="-127"/>
+                <a:ea typeface="나눔스퀘어" panose="020B0600000101010101" pitchFamily="50" charset="-127"/>
+              </a:rPr>
+              <a:t>제스쳐를</a:t>
+            </a:r>
+            <a:r>
+              <a:rPr lang="ko-KR" altLang="en-US" sz="1600" dirty="0">
+                <a:latin typeface="나눔스퀘어" panose="020B0600000101010101" pitchFamily="50" charset="-127"/>
+                <a:ea typeface="나눔스퀘어" panose="020B0600000101010101" pitchFamily="50" charset="-127"/>
+              </a:rPr>
+              <a:t> 실행</a:t>
+            </a:r>
+            <a:endParaRPr lang="en-US" altLang="ko-KR" sz="1600" dirty="0">
+              <a:latin typeface="나눔스퀘어" panose="020B0600000101010101" pitchFamily="50" charset="-127"/>
+              <a:ea typeface="나눔스퀘어" panose="020B0600000101010101" pitchFamily="50" charset="-127"/>
+            </a:endParaRPr>
+          </a:p>
+        </p:txBody>
+      </p:sp>
+    </p:spTree>
+    <p:extLst>
+      <p:ext uri="{BB962C8B-B14F-4D97-AF65-F5344CB8AC3E}">
+        <p14:creationId xmlns:p14="http://schemas.microsoft.com/office/powerpoint/2010/main" val="4195653241"/>
+      </p:ext>
+    </p:extLst>
+  </p:cSld>
+  <p:clrMapOvr>
+    <a:masterClrMapping/>
+  </p:clrMapOvr>
+  <mc:AlternateContent xmlns:mc="http://schemas.openxmlformats.org/markup-compatibility/2006">
+    <mc:Choice xmlns:p14="http://schemas.microsoft.com/office/powerpoint/2010/main" Requires="p14">
+      <p:transition p14:dur="250">
+        <p:fade/>
+      </p:transition>
+    </mc:Choice>
+    <mc:Fallback>
+      <p:transition>
+        <p:fade/>
+      </p:transition>
+    </mc:Fallback>
+  </mc:AlternateContent>
+</p:sld>
+</file>
+
+<file path=ppt/slides/slide41.xml><?xml version="1.0" encoding="utf-8"?>
+<p:sld xmlns:a="http://schemas.openxmlformats.org/drawingml/2006/main" xmlns:r="http://schemas.openxmlformats.org/officeDocument/2006/relationships" xmlns:p="http://schemas.openxmlformats.org/presentationml/2006/main">
+  <p:cSld>
+    <p:spTree>
+      <p:nvGrpSpPr>
+        <p:cNvPr id="1" name=""/>
+        <p:cNvGrpSpPr/>
+        <p:nvPr/>
+      </p:nvGrpSpPr>
+      <p:grpSpPr>
+        <a:xfrm>
+          <a:off x="0" y="0"/>
+          <a:ext cx="0" cy="0"/>
+          <a:chOff x="0" y="0"/>
+          <a:chExt cx="0" cy="0"/>
+        </a:xfrm>
+      </p:grpSpPr>
+      <p:sp>
+        <p:nvSpPr>
+          <p:cNvPr id="7" name="직사각형 6">
+            <a:extLst>
+              <a:ext uri="{FF2B5EF4-FFF2-40B4-BE49-F238E27FC236}">
+                <a16:creationId xmlns:a16="http://schemas.microsoft.com/office/drawing/2014/main" id="{C7E1AF28-BE7B-4285-A5AF-85F45383FC55}"/>
+              </a:ext>
+            </a:extLst>
+          </p:cNvPr>
+          <p:cNvSpPr/>
+          <p:nvPr/>
+        </p:nvSpPr>
+        <p:spPr>
+          <a:xfrm>
+            <a:off x="-1" y="6639409"/>
+            <a:ext cx="12192001" cy="247606"/>
+          </a:xfrm>
+          <a:prstGeom prst="rect">
+            <a:avLst/>
+          </a:prstGeom>
+          <a:solidFill>
+            <a:schemeClr val="tx1">
+              <a:lumMod val="85000"/>
+              <a:lumOff val="15000"/>
+            </a:schemeClr>
+          </a:solidFill>
+          <a:ln>
+            <a:noFill/>
+          </a:ln>
+        </p:spPr>
+        <p:style>
+          <a:lnRef idx="2">
+            <a:schemeClr val="accent1">
+              <a:shade val="50000"/>
+            </a:schemeClr>
+          </a:lnRef>
+          <a:fillRef idx="1">
+            <a:schemeClr val="accent1"/>
+          </a:fillRef>
+          <a:effectRef idx="0">
+            <a:schemeClr val="accent1"/>
+          </a:effectRef>
+          <a:fontRef idx="minor">
+            <a:schemeClr val="lt1"/>
+          </a:fontRef>
+        </p:style>
+        <p:txBody>
+          <a:bodyPr rtlCol="0" anchor="ctr"/>
+          <a:lstStyle/>
+          <a:p>
+            <a:pPr algn="ctr"/>
+            <a:endParaRPr lang="ko-KR" altLang="en-US"/>
+          </a:p>
+        </p:txBody>
+      </p:sp>
+      <p:sp>
+        <p:nvSpPr>
+          <p:cNvPr id="28" name="사각형: 잘린 한쪽 모서리 27">
+            <a:extLst>
+              <a:ext uri="{FF2B5EF4-FFF2-40B4-BE49-F238E27FC236}">
+                <a16:creationId xmlns:a16="http://schemas.microsoft.com/office/drawing/2014/main" id="{5D796F9B-147D-447B-9D2F-13D27157339C}"/>
+              </a:ext>
+            </a:extLst>
+          </p:cNvPr>
+          <p:cNvSpPr/>
+          <p:nvPr/>
+        </p:nvSpPr>
+        <p:spPr>
+          <a:xfrm flipV="1">
+            <a:off x="0" y="-2"/>
+            <a:ext cx="2552700" cy="771525"/>
+          </a:xfrm>
+          <a:prstGeom prst="snip1Rect">
+            <a:avLst>
+              <a:gd name="adj" fmla="val 40805"/>
+            </a:avLst>
+          </a:prstGeom>
+          <a:solidFill>
+            <a:schemeClr val="accent5"/>
+          </a:solidFill>
+          <a:ln>
+            <a:noFill/>
+          </a:ln>
+        </p:spPr>
+        <p:style>
+          <a:lnRef idx="2">
+            <a:schemeClr val="accent1">
+              <a:shade val="50000"/>
+            </a:schemeClr>
+          </a:lnRef>
+          <a:fillRef idx="1">
+            <a:schemeClr val="accent1"/>
+          </a:fillRef>
+          <a:effectRef idx="0">
+            <a:schemeClr val="accent1"/>
+          </a:effectRef>
+          <a:fontRef idx="minor">
+            <a:schemeClr val="lt1"/>
+          </a:fontRef>
+        </p:style>
+        <p:txBody>
+          <a:bodyPr rtlCol="0" anchor="ctr"/>
+          <a:lstStyle/>
+          <a:p>
+            <a:pPr algn="ctr"/>
+            <a:endParaRPr lang="ko-KR" altLang="en-US" dirty="0"/>
+          </a:p>
+        </p:txBody>
+      </p:sp>
+      <p:cxnSp>
+        <p:nvCxnSpPr>
+          <p:cNvPr id="29" name="직선 연결선 28">
+            <a:extLst>
+              <a:ext uri="{FF2B5EF4-FFF2-40B4-BE49-F238E27FC236}">
+                <a16:creationId xmlns:a16="http://schemas.microsoft.com/office/drawing/2014/main" id="{8071651C-75AE-4563-B9D3-7626E161FF6B}"/>
+              </a:ext>
+            </a:extLst>
+          </p:cNvPr>
+          <p:cNvCxnSpPr>
+            <a:cxnSpLocks/>
+          </p:cNvCxnSpPr>
+          <p:nvPr/>
+        </p:nvCxnSpPr>
+        <p:spPr>
+          <a:xfrm>
+            <a:off x="7051675" y="285750"/>
+            <a:ext cx="665843" cy="0"/>
+          </a:xfrm>
+          <a:prstGeom prst="line">
+            <a:avLst/>
+          </a:prstGeom>
+          <a:ln w="104775">
+            <a:solidFill>
+              <a:schemeClr val="accent5">
+                <a:lumMod val="40000"/>
+                <a:lumOff val="60000"/>
+              </a:schemeClr>
+            </a:solidFill>
+          </a:ln>
+        </p:spPr>
+        <p:style>
+          <a:lnRef idx="1">
+            <a:schemeClr val="accent1"/>
+          </a:lnRef>
+          <a:fillRef idx="0">
+            <a:schemeClr val="accent1"/>
+          </a:fillRef>
+          <a:effectRef idx="0">
+            <a:schemeClr val="accent1"/>
+          </a:effectRef>
+          <a:fontRef idx="minor">
+            <a:schemeClr val="tx1"/>
+          </a:fontRef>
+        </p:style>
+      </p:cxnSp>
+      <p:cxnSp>
+        <p:nvCxnSpPr>
+          <p:cNvPr id="30" name="직선 연결선 29">
+            <a:extLst>
+              <a:ext uri="{FF2B5EF4-FFF2-40B4-BE49-F238E27FC236}">
+                <a16:creationId xmlns:a16="http://schemas.microsoft.com/office/drawing/2014/main" id="{8885AB92-64D6-450E-96DA-CDE25200CF82}"/>
+              </a:ext>
+            </a:extLst>
+          </p:cNvPr>
+          <p:cNvCxnSpPr>
+            <a:cxnSpLocks/>
+          </p:cNvCxnSpPr>
+          <p:nvPr/>
+        </p:nvCxnSpPr>
+        <p:spPr>
+          <a:xfrm>
+            <a:off x="7861300" y="285750"/>
+            <a:ext cx="665843" cy="0"/>
+          </a:xfrm>
+          <a:prstGeom prst="line">
+            <a:avLst/>
+          </a:prstGeom>
+          <a:ln w="104775">
+            <a:solidFill>
+              <a:schemeClr val="accent5">
+                <a:lumMod val="40000"/>
+                <a:lumOff val="60000"/>
+              </a:schemeClr>
+            </a:solidFill>
+          </a:ln>
+        </p:spPr>
+        <p:style>
+          <a:lnRef idx="1">
+            <a:schemeClr val="accent1"/>
+          </a:lnRef>
+          <a:fillRef idx="0">
+            <a:schemeClr val="accent1"/>
+          </a:fillRef>
+          <a:effectRef idx="0">
+            <a:schemeClr val="accent1"/>
+          </a:effectRef>
+          <a:fontRef idx="minor">
+            <a:schemeClr val="tx1"/>
+          </a:fontRef>
+        </p:style>
+      </p:cxnSp>
+      <p:cxnSp>
+        <p:nvCxnSpPr>
+          <p:cNvPr id="31" name="직선 연결선 30">
+            <a:extLst>
+              <a:ext uri="{FF2B5EF4-FFF2-40B4-BE49-F238E27FC236}">
+                <a16:creationId xmlns:a16="http://schemas.microsoft.com/office/drawing/2014/main" id="{5BA8BD0B-FE35-4C35-8187-F9DDB82FD6A1}"/>
+              </a:ext>
+            </a:extLst>
+          </p:cNvPr>
+          <p:cNvCxnSpPr>
+            <a:cxnSpLocks/>
+          </p:cNvCxnSpPr>
+          <p:nvPr/>
+        </p:nvCxnSpPr>
+        <p:spPr>
+          <a:xfrm>
+            <a:off x="8703404" y="285750"/>
+            <a:ext cx="665843" cy="0"/>
+          </a:xfrm>
+          <a:prstGeom prst="line">
+            <a:avLst/>
+          </a:prstGeom>
+          <a:ln w="104775">
+            <a:solidFill>
+              <a:schemeClr val="accent5">
+                <a:lumMod val="40000"/>
+                <a:lumOff val="60000"/>
+              </a:schemeClr>
+            </a:solidFill>
+          </a:ln>
+        </p:spPr>
+        <p:style>
+          <a:lnRef idx="1">
+            <a:schemeClr val="accent1"/>
+          </a:lnRef>
+          <a:fillRef idx="0">
+            <a:schemeClr val="accent1"/>
+          </a:fillRef>
+          <a:effectRef idx="0">
+            <a:schemeClr val="accent1"/>
+          </a:effectRef>
+          <a:fontRef idx="minor">
+            <a:schemeClr val="tx1"/>
+          </a:fontRef>
+        </p:style>
+      </p:cxnSp>
+      <p:cxnSp>
+        <p:nvCxnSpPr>
+          <p:cNvPr id="32" name="직선 연결선 31">
+            <a:extLst>
+              <a:ext uri="{FF2B5EF4-FFF2-40B4-BE49-F238E27FC236}">
+                <a16:creationId xmlns:a16="http://schemas.microsoft.com/office/drawing/2014/main" id="{8B5AFA0C-16BC-4F08-B7BA-99F04659C010}"/>
+              </a:ext>
+            </a:extLst>
+          </p:cNvPr>
+          <p:cNvCxnSpPr>
+            <a:cxnSpLocks/>
+          </p:cNvCxnSpPr>
+          <p:nvPr/>
+        </p:nvCxnSpPr>
+        <p:spPr>
+          <a:xfrm>
+            <a:off x="9513029" y="285750"/>
+            <a:ext cx="665843" cy="0"/>
+          </a:xfrm>
+          <a:prstGeom prst="line">
+            <a:avLst/>
+          </a:prstGeom>
+          <a:ln w="104775">
+            <a:solidFill>
+              <a:schemeClr val="bg1">
+                <a:lumMod val="85000"/>
+              </a:schemeClr>
+            </a:solidFill>
+          </a:ln>
+        </p:spPr>
+        <p:style>
+          <a:lnRef idx="1">
+            <a:schemeClr val="accent1"/>
+          </a:lnRef>
+          <a:fillRef idx="0">
+            <a:schemeClr val="accent1"/>
+          </a:fillRef>
+          <a:effectRef idx="0">
+            <a:schemeClr val="accent1"/>
+          </a:effectRef>
+          <a:fontRef idx="minor">
+            <a:schemeClr val="tx1"/>
+          </a:fontRef>
+        </p:style>
+      </p:cxnSp>
+      <p:cxnSp>
+        <p:nvCxnSpPr>
+          <p:cNvPr id="33" name="직선 연결선 32">
+            <a:extLst>
+              <a:ext uri="{FF2B5EF4-FFF2-40B4-BE49-F238E27FC236}">
+                <a16:creationId xmlns:a16="http://schemas.microsoft.com/office/drawing/2014/main" id="{8041B1B8-23AF-4C61-8980-C9A87F3D8352}"/>
+              </a:ext>
+            </a:extLst>
+          </p:cNvPr>
+          <p:cNvCxnSpPr>
+            <a:cxnSpLocks/>
+          </p:cNvCxnSpPr>
+          <p:nvPr/>
+        </p:nvCxnSpPr>
+        <p:spPr>
+          <a:xfrm>
+            <a:off x="10351229" y="285750"/>
+            <a:ext cx="665843" cy="0"/>
+          </a:xfrm>
+          <a:prstGeom prst="line">
+            <a:avLst/>
+          </a:prstGeom>
+          <a:ln w="104775">
+            <a:solidFill>
+              <a:schemeClr val="tx1">
+                <a:lumMod val="50000"/>
+                <a:lumOff val="50000"/>
+              </a:schemeClr>
+            </a:solidFill>
+          </a:ln>
+        </p:spPr>
+        <p:style>
+          <a:lnRef idx="1">
+            <a:schemeClr val="accent1"/>
+          </a:lnRef>
+          <a:fillRef idx="0">
+            <a:schemeClr val="accent1"/>
+          </a:fillRef>
+          <a:effectRef idx="0">
+            <a:schemeClr val="accent1"/>
+          </a:effectRef>
+          <a:fontRef idx="minor">
+            <a:schemeClr val="tx1"/>
+          </a:fontRef>
+        </p:style>
+      </p:cxnSp>
+      <p:cxnSp>
+        <p:nvCxnSpPr>
+          <p:cNvPr id="34" name="직선 연결선 33">
+            <a:extLst>
+              <a:ext uri="{FF2B5EF4-FFF2-40B4-BE49-F238E27FC236}">
+                <a16:creationId xmlns:a16="http://schemas.microsoft.com/office/drawing/2014/main" id="{B060F7F2-DED3-42E8-BB35-7ABECE2B6F13}"/>
+              </a:ext>
+            </a:extLst>
+          </p:cNvPr>
+          <p:cNvCxnSpPr>
+            <a:cxnSpLocks/>
+          </p:cNvCxnSpPr>
+          <p:nvPr/>
+        </p:nvCxnSpPr>
+        <p:spPr>
+          <a:xfrm>
+            <a:off x="11160854" y="285750"/>
+            <a:ext cx="665843" cy="0"/>
+          </a:xfrm>
+          <a:prstGeom prst="line">
+            <a:avLst/>
+          </a:prstGeom>
+          <a:ln w="104775">
+            <a:solidFill>
+              <a:schemeClr val="tx1">
+                <a:lumMod val="50000"/>
+                <a:lumOff val="50000"/>
+              </a:schemeClr>
+            </a:solidFill>
+          </a:ln>
+        </p:spPr>
+        <p:style>
+          <a:lnRef idx="1">
+            <a:schemeClr val="accent1"/>
+          </a:lnRef>
+          <a:fillRef idx="0">
+            <a:schemeClr val="accent1"/>
+          </a:fillRef>
+          <a:effectRef idx="0">
+            <a:schemeClr val="accent1"/>
+          </a:effectRef>
+          <a:fontRef idx="minor">
+            <a:schemeClr val="tx1"/>
+          </a:fontRef>
+        </p:style>
+      </p:cxnSp>
+      <p:sp>
+        <p:nvSpPr>
+          <p:cNvPr id="35" name="직사각형 34">
+            <a:extLst>
+              <a:ext uri="{FF2B5EF4-FFF2-40B4-BE49-F238E27FC236}">
+                <a16:creationId xmlns:a16="http://schemas.microsoft.com/office/drawing/2014/main" id="{1F877727-60BC-480D-A849-A25BC0373C4C}"/>
+              </a:ext>
+            </a:extLst>
+          </p:cNvPr>
+          <p:cNvSpPr/>
+          <p:nvPr/>
+        </p:nvSpPr>
+        <p:spPr>
+          <a:xfrm>
+            <a:off x="143360" y="93372"/>
+            <a:ext cx="2265979" cy="523220"/>
+          </a:xfrm>
+          <a:prstGeom prst="rect">
+            <a:avLst/>
+          </a:prstGeom>
+        </p:spPr>
+        <p:txBody>
+          <a:bodyPr wrap="square">
+            <a:spAutoFit/>
+          </a:bodyPr>
+          <a:lstStyle/>
+          <a:p>
+            <a:pPr algn="ctr"/>
+            <a:r>
+              <a:rPr lang="ko-KR" altLang="en-US" sz="2800" dirty="0">
+                <a:solidFill>
+                  <a:schemeClr val="bg1"/>
+                </a:solidFill>
+                <a:latin typeface="나눔스퀘어 ExtraBold" panose="020B0600000101010101" pitchFamily="50" charset="-127"/>
+                <a:ea typeface="나눔스퀘어 ExtraBold" panose="020B0600000101010101" pitchFamily="50" charset="-127"/>
+              </a:rPr>
+              <a:t>개발 내용</a:t>
+            </a:r>
+          </a:p>
+        </p:txBody>
+      </p:sp>
+      <p:cxnSp>
+        <p:nvCxnSpPr>
+          <p:cNvPr id="36" name="직선 연결선 35">
+            <a:extLst>
+              <a:ext uri="{FF2B5EF4-FFF2-40B4-BE49-F238E27FC236}">
+                <a16:creationId xmlns:a16="http://schemas.microsoft.com/office/drawing/2014/main" id="{D45B621A-D247-43F2-9E06-78EE8D611E8B}"/>
+              </a:ext>
+            </a:extLst>
+          </p:cNvPr>
+          <p:cNvCxnSpPr>
+            <a:cxnSpLocks/>
+          </p:cNvCxnSpPr>
+          <p:nvPr/>
+        </p:nvCxnSpPr>
+        <p:spPr>
+          <a:xfrm>
+            <a:off x="9513029" y="285750"/>
+            <a:ext cx="665843" cy="0"/>
+          </a:xfrm>
+          <a:prstGeom prst="line">
+            <a:avLst/>
+          </a:prstGeom>
+          <a:ln w="104775">
+            <a:solidFill>
+              <a:srgbClr val="00B0F0"/>
+            </a:solidFill>
+          </a:ln>
+        </p:spPr>
+        <p:style>
+          <a:lnRef idx="1">
+            <a:schemeClr val="accent1"/>
+          </a:lnRef>
+          <a:fillRef idx="0">
+            <a:schemeClr val="accent1"/>
+          </a:fillRef>
+          <a:effectRef idx="0">
+            <a:schemeClr val="accent1"/>
+          </a:effectRef>
+          <a:fontRef idx="minor">
+            <a:schemeClr val="tx1"/>
+          </a:fontRef>
+        </p:style>
+      </p:cxnSp>
+      <p:sp>
+        <p:nvSpPr>
+          <p:cNvPr id="44" name="직사각형 43">
+            <a:extLst>
+              <a:ext uri="{FF2B5EF4-FFF2-40B4-BE49-F238E27FC236}">
+                <a16:creationId xmlns:a16="http://schemas.microsoft.com/office/drawing/2014/main" id="{1B9BE5A2-8E55-420D-BE6A-10567272E018}"/>
+              </a:ext>
+            </a:extLst>
+          </p:cNvPr>
+          <p:cNvSpPr/>
+          <p:nvPr/>
+        </p:nvSpPr>
+        <p:spPr>
+          <a:xfrm>
+            <a:off x="96019" y="1171993"/>
+            <a:ext cx="2776721" cy="405348"/>
+          </a:xfrm>
+          <a:prstGeom prst="rect">
+            <a:avLst/>
+          </a:prstGeom>
+          <a:solidFill>
+            <a:schemeClr val="tx1">
+              <a:lumMod val="75000"/>
+              <a:lumOff val="25000"/>
+            </a:schemeClr>
+          </a:solidFill>
+          <a:ln>
+            <a:noFill/>
+          </a:ln>
+        </p:spPr>
+        <p:style>
+          <a:lnRef idx="2">
+            <a:schemeClr val="accent1">
+              <a:shade val="50000"/>
+            </a:schemeClr>
+          </a:lnRef>
+          <a:fillRef idx="1">
+            <a:schemeClr val="accent1"/>
+          </a:fillRef>
+          <a:effectRef idx="0">
+            <a:schemeClr val="accent1"/>
+          </a:effectRef>
+          <a:fontRef idx="minor">
+            <a:schemeClr val="lt1"/>
+          </a:fontRef>
+        </p:style>
+        <p:txBody>
+          <a:bodyPr rtlCol="0" anchor="ctr"/>
+          <a:lstStyle/>
+          <a:p>
+            <a:pPr algn="ctr"/>
+            <a:r>
+              <a:rPr lang="ko-KR" altLang="en-US" dirty="0">
+                <a:latin typeface="나눔스퀘어 ExtraBold" panose="020B0600000101010101" pitchFamily="50" charset="-127"/>
+                <a:ea typeface="나눔스퀘어 ExtraBold" panose="020B0600000101010101" pitchFamily="50" charset="-127"/>
+              </a:rPr>
+              <a:t>인공지능</a:t>
+            </a:r>
+          </a:p>
+        </p:txBody>
+      </p:sp>
+      <p:cxnSp>
+        <p:nvCxnSpPr>
+          <p:cNvPr id="45" name="직선 화살표 연결선 44">
+            <a:extLst>
+              <a:ext uri="{FF2B5EF4-FFF2-40B4-BE49-F238E27FC236}">
+                <a16:creationId xmlns:a16="http://schemas.microsoft.com/office/drawing/2014/main" id="{9C468737-A181-4F75-9592-D31248CE4647}"/>
+              </a:ext>
+            </a:extLst>
+          </p:cNvPr>
+          <p:cNvCxnSpPr/>
+          <p:nvPr/>
+        </p:nvCxnSpPr>
+        <p:spPr>
+          <a:xfrm>
+            <a:off x="290872" y="1796650"/>
+            <a:ext cx="359682" cy="0"/>
+          </a:xfrm>
+          <a:prstGeom prst="straightConnector1">
+            <a:avLst/>
+          </a:prstGeom>
+          <a:ln w="57150">
+            <a:solidFill>
+              <a:srgbClr val="92D050"/>
+            </a:solidFill>
+            <a:tailEnd type="triangle"/>
+          </a:ln>
+        </p:spPr>
+        <p:style>
+          <a:lnRef idx="1">
+            <a:schemeClr val="accent1"/>
+          </a:lnRef>
+          <a:fillRef idx="0">
+            <a:schemeClr val="accent1"/>
+          </a:fillRef>
+          <a:effectRef idx="0">
+            <a:schemeClr val="accent1"/>
+          </a:effectRef>
+          <a:fontRef idx="minor">
+            <a:schemeClr val="tx1"/>
+          </a:fontRef>
+        </p:style>
+      </p:cxnSp>
+      <p:sp>
+        <p:nvSpPr>
+          <p:cNvPr id="46" name="부제목 2">
+            <a:extLst>
+              <a:ext uri="{FF2B5EF4-FFF2-40B4-BE49-F238E27FC236}">
+                <a16:creationId xmlns:a16="http://schemas.microsoft.com/office/drawing/2014/main" id="{4D6980A2-0A37-4E15-A6A1-E3E95CFDA585}"/>
+              </a:ext>
+            </a:extLst>
+          </p:cNvPr>
+          <p:cNvSpPr txBox="1">
+            <a:spLocks/>
+          </p:cNvSpPr>
+          <p:nvPr/>
+        </p:nvSpPr>
+        <p:spPr>
+          <a:xfrm>
+            <a:off x="650553" y="1616902"/>
+            <a:ext cx="3125307" cy="1161840"/>
+          </a:xfrm>
+          <a:prstGeom prst="rect">
+            <a:avLst/>
+          </a:prstGeom>
+        </p:spPr>
+        <p:txBody>
+          <a:bodyPr vert="horz" lIns="91440" tIns="45720" rIns="91440" bIns="45720" rtlCol="0" anchor="t">
+            <a:normAutofit/>
+          </a:bodyPr>
+          <a:lstStyle>
+            <a:lvl1pPr marL="0" indent="0" algn="ctr" defTabSz="914400" rtl="0" eaLnBrk="1" latinLnBrk="1" hangingPunct="1">
+              <a:lnSpc>
+                <a:spcPct val="90000"/>
+              </a:lnSpc>
+              <a:spcBef>
+                <a:spcPts val="1000"/>
+              </a:spcBef>
+              <a:buFont typeface="Arial" panose="020B0604020202020204" pitchFamily="34" charset="0"/>
+              <a:buNone/>
+              <a:defRPr sz="2400" kern="1200">
+                <a:solidFill>
+                  <a:schemeClr val="tx1"/>
+                </a:solidFill>
+                <a:latin typeface="+mn-lt"/>
+                <a:ea typeface="+mn-ea"/>
+                <a:cs typeface="+mn-cs"/>
+              </a:defRPr>
+            </a:lvl1pPr>
+            <a:lvl2pPr marL="457200" indent="0" algn="ctr" defTabSz="914400" rtl="0" eaLnBrk="1" latinLnBrk="1" hangingPunct="1">
+              <a:lnSpc>
+                <a:spcPct val="90000"/>
+              </a:lnSpc>
+              <a:spcBef>
+                <a:spcPts val="500"/>
+              </a:spcBef>
+              <a:buFont typeface="Arial" panose="020B0604020202020204" pitchFamily="34" charset="0"/>
+              <a:buNone/>
+              <a:defRPr sz="2000" kern="1200">
+                <a:solidFill>
+                  <a:schemeClr val="tx1"/>
+                </a:solidFill>
+                <a:latin typeface="+mn-lt"/>
+                <a:ea typeface="+mn-ea"/>
+                <a:cs typeface="+mn-cs"/>
+              </a:defRPr>
+            </a:lvl2pPr>
+            <a:lvl3pPr marL="914400" indent="0" algn="ctr" defTabSz="914400" rtl="0" eaLnBrk="1" latinLnBrk="1" hangingPunct="1">
+              <a:lnSpc>
+                <a:spcPct val="90000"/>
+              </a:lnSpc>
+              <a:spcBef>
+                <a:spcPts val="500"/>
+              </a:spcBef>
+              <a:buFont typeface="Arial" panose="020B0604020202020204" pitchFamily="34" charset="0"/>
+              <a:buNone/>
+              <a:defRPr sz="1800" kern="1200">
+                <a:solidFill>
+                  <a:schemeClr val="tx1"/>
+                </a:solidFill>
+                <a:latin typeface="+mn-lt"/>
+                <a:ea typeface="+mn-ea"/>
+                <a:cs typeface="+mn-cs"/>
+              </a:defRPr>
+            </a:lvl3pPr>
+            <a:lvl4pPr marL="1371600" indent="0" algn="ctr" defTabSz="914400" rtl="0" eaLnBrk="1" latinLnBrk="1" hangingPunct="1">
+              <a:lnSpc>
+                <a:spcPct val="90000"/>
+              </a:lnSpc>
+              <a:spcBef>
+                <a:spcPts val="500"/>
+              </a:spcBef>
+              <a:buFont typeface="Arial" panose="020B0604020202020204" pitchFamily="34" charset="0"/>
+              <a:buNone/>
+              <a:defRPr sz="1600" kern="1200">
+                <a:solidFill>
+                  <a:schemeClr val="tx1"/>
+                </a:solidFill>
+                <a:latin typeface="+mn-lt"/>
+                <a:ea typeface="+mn-ea"/>
+                <a:cs typeface="+mn-cs"/>
+              </a:defRPr>
+            </a:lvl4pPr>
+            <a:lvl5pPr marL="1828800" indent="0" algn="ctr" defTabSz="914400" rtl="0" eaLnBrk="1" latinLnBrk="1" hangingPunct="1">
+              <a:lnSpc>
+                <a:spcPct val="90000"/>
+              </a:lnSpc>
+              <a:spcBef>
+                <a:spcPts val="500"/>
+              </a:spcBef>
+              <a:buFont typeface="Arial" panose="020B0604020202020204" pitchFamily="34" charset="0"/>
+              <a:buNone/>
+              <a:defRPr sz="1600" kern="1200">
+                <a:solidFill>
+                  <a:schemeClr val="tx1"/>
+                </a:solidFill>
+                <a:latin typeface="+mn-lt"/>
+                <a:ea typeface="+mn-ea"/>
+                <a:cs typeface="+mn-cs"/>
+              </a:defRPr>
+            </a:lvl5pPr>
+            <a:lvl6pPr marL="2286000" indent="0" algn="ctr" defTabSz="914400" rtl="0" eaLnBrk="1" latinLnBrk="1" hangingPunct="1">
+              <a:lnSpc>
+                <a:spcPct val="90000"/>
+              </a:lnSpc>
+              <a:spcBef>
+                <a:spcPts val="500"/>
+              </a:spcBef>
+              <a:buFont typeface="Arial" panose="020B0604020202020204" pitchFamily="34" charset="0"/>
+              <a:buNone/>
+              <a:defRPr sz="1600" kern="1200">
+                <a:solidFill>
+                  <a:schemeClr val="tx1"/>
+                </a:solidFill>
+                <a:latin typeface="+mn-lt"/>
+                <a:ea typeface="+mn-ea"/>
+                <a:cs typeface="+mn-cs"/>
+              </a:defRPr>
+            </a:lvl6pPr>
+            <a:lvl7pPr marL="2743200" indent="0" algn="ctr" defTabSz="914400" rtl="0" eaLnBrk="1" latinLnBrk="1" hangingPunct="1">
+              <a:lnSpc>
+                <a:spcPct val="90000"/>
+              </a:lnSpc>
+              <a:spcBef>
+                <a:spcPts val="500"/>
+              </a:spcBef>
+              <a:buFont typeface="Arial" panose="020B0604020202020204" pitchFamily="34" charset="0"/>
+              <a:buNone/>
+              <a:defRPr sz="1600" kern="1200">
+                <a:solidFill>
+                  <a:schemeClr val="tx1"/>
+                </a:solidFill>
+                <a:latin typeface="+mn-lt"/>
+                <a:ea typeface="+mn-ea"/>
+                <a:cs typeface="+mn-cs"/>
+              </a:defRPr>
+            </a:lvl7pPr>
+            <a:lvl8pPr marL="3200400" indent="0" algn="ctr" defTabSz="914400" rtl="0" eaLnBrk="1" latinLnBrk="1" hangingPunct="1">
+              <a:lnSpc>
+                <a:spcPct val="90000"/>
+              </a:lnSpc>
+              <a:spcBef>
+                <a:spcPts val="500"/>
+              </a:spcBef>
+              <a:buFont typeface="Arial" panose="020B0604020202020204" pitchFamily="34" charset="0"/>
+              <a:buNone/>
+              <a:defRPr sz="1600" kern="1200">
+                <a:solidFill>
+                  <a:schemeClr val="tx1"/>
+                </a:solidFill>
+                <a:latin typeface="+mn-lt"/>
+                <a:ea typeface="+mn-ea"/>
+                <a:cs typeface="+mn-cs"/>
+              </a:defRPr>
+            </a:lvl8pPr>
+            <a:lvl9pPr marL="3657600" indent="0" algn="ctr" defTabSz="914400" rtl="0" eaLnBrk="1" latinLnBrk="1" hangingPunct="1">
+              <a:lnSpc>
+                <a:spcPct val="90000"/>
+              </a:lnSpc>
+              <a:spcBef>
+                <a:spcPts val="500"/>
+              </a:spcBef>
+              <a:buFont typeface="Arial" panose="020B0604020202020204" pitchFamily="34" charset="0"/>
+              <a:buNone/>
+              <a:defRPr sz="1600" kern="1200">
+                <a:solidFill>
+                  <a:schemeClr val="tx1"/>
+                </a:solidFill>
+                <a:latin typeface="+mn-lt"/>
+                <a:ea typeface="+mn-ea"/>
+                <a:cs typeface="+mn-cs"/>
+              </a:defRPr>
+            </a:lvl9pPr>
+          </a:lstStyle>
+          <a:p>
+            <a:pPr algn="l" latinLnBrk="0"/>
+            <a:r>
+              <a:rPr lang="ko-KR" altLang="en-US" sz="1600" dirty="0">
+                <a:latin typeface="나눔스퀘어" panose="020B0600000101010101" pitchFamily="50" charset="-127"/>
+                <a:ea typeface="나눔스퀘어" panose="020B0600000101010101" pitchFamily="50" charset="-127"/>
+              </a:rPr>
+              <a:t>채팅방의 </a:t>
+            </a:r>
+            <a:r>
+              <a:rPr lang="en-US" altLang="ko-KR" sz="1600" dirty="0">
+                <a:latin typeface="나눔스퀘어" panose="020B0600000101010101" pitchFamily="50" charset="-127"/>
+                <a:ea typeface="나눔스퀘어" panose="020B0600000101010101" pitchFamily="50" charset="-127"/>
+              </a:rPr>
+              <a:t>JavaScript</a:t>
+            </a:r>
+            <a:r>
+              <a:rPr lang="ko-KR" altLang="en-US" sz="1600" dirty="0">
+                <a:latin typeface="나눔스퀘어" panose="020B0600000101010101" pitchFamily="50" charset="-127"/>
+                <a:ea typeface="나눔스퀘어" panose="020B0600000101010101" pitchFamily="50" charset="-127"/>
+              </a:rPr>
+              <a:t> </a:t>
+            </a:r>
+            <a:r>
+              <a:rPr lang="en-US" altLang="ko-KR" sz="1600" dirty="0">
+                <a:latin typeface="나눔스퀘어" panose="020B0600000101010101" pitchFamily="50" charset="-127"/>
+                <a:ea typeface="나눔스퀘어" panose="020B0600000101010101" pitchFamily="50" charset="-127"/>
+              </a:rPr>
+              <a:t>+</a:t>
+            </a:r>
+            <a:r>
+              <a:rPr lang="ko-KR" altLang="en-US" sz="1600" dirty="0">
+                <a:latin typeface="나눔스퀘어" panose="020B0600000101010101" pitchFamily="50" charset="-127"/>
+                <a:ea typeface="나눔스퀘어" panose="020B0600000101010101" pitchFamily="50" charset="-127"/>
+              </a:rPr>
+              <a:t> </a:t>
+            </a:r>
+            <a:r>
+              <a:rPr lang="en-US" altLang="ko-KR" sz="1600" dirty="0" err="1">
+                <a:latin typeface="나눔스퀘어" panose="020B0600000101010101" pitchFamily="50" charset="-127"/>
+                <a:ea typeface="나눔스퀘어" panose="020B0600000101010101" pitchFamily="50" charset="-127"/>
+              </a:rPr>
+              <a:t>webGL</a:t>
+            </a:r>
+            <a:endParaRPr lang="en-US" altLang="ko-KR" sz="1600" dirty="0">
+              <a:latin typeface="나눔스퀘어" panose="020B0600000101010101" pitchFamily="50" charset="-127"/>
+              <a:ea typeface="나눔스퀘어" panose="020B0600000101010101" pitchFamily="50" charset="-127"/>
+            </a:endParaRPr>
+          </a:p>
+          <a:p>
+            <a:pPr algn="l" latinLnBrk="0"/>
+            <a:r>
+              <a:rPr lang="en-US" altLang="ko-KR" sz="1600" dirty="0">
+                <a:latin typeface="나눔스퀘어" panose="020B0600000101010101" pitchFamily="50" charset="-127"/>
+                <a:ea typeface="나눔스퀘어" panose="020B0600000101010101" pitchFamily="50" charset="-127"/>
+              </a:rPr>
+              <a:t>Unity 2020.03</a:t>
+            </a:r>
+            <a:r>
+              <a:rPr lang="ko-KR" altLang="en-US" sz="1600" dirty="0">
+                <a:latin typeface="나눔스퀘어" panose="020B0600000101010101" pitchFamily="50" charset="-127"/>
+                <a:ea typeface="나눔스퀘어" panose="020B0600000101010101" pitchFamily="50" charset="-127"/>
+              </a:rPr>
+              <a:t> 버전 기준 작성</a:t>
+            </a:r>
+            <a:endParaRPr lang="en-US" altLang="ko-KR" sz="1600" dirty="0">
+              <a:latin typeface="나눔스퀘어" panose="020B0600000101010101" pitchFamily="50" charset="-127"/>
+              <a:ea typeface="나눔스퀘어" panose="020B0600000101010101" pitchFamily="50" charset="-127"/>
+            </a:endParaRPr>
+          </a:p>
+          <a:p>
+            <a:pPr algn="l" latinLnBrk="0"/>
+            <a:r>
+              <a:rPr lang="en-US" altLang="ko-KR" sz="1600" dirty="0">
+                <a:latin typeface="나눔스퀘어" panose="020B0600000101010101" pitchFamily="50" charset="-127"/>
+                <a:ea typeface="나눔스퀘어" panose="020B0600000101010101" pitchFamily="50" charset="-127"/>
+              </a:rPr>
+              <a:t>Html </a:t>
+            </a:r>
+            <a:r>
+              <a:rPr lang="ko-KR" altLang="en-US" sz="1600" dirty="0">
+                <a:latin typeface="나눔스퀘어" panose="020B0600000101010101" pitchFamily="50" charset="-127"/>
+                <a:ea typeface="나눔스퀘어" panose="020B0600000101010101" pitchFamily="50" charset="-127"/>
+              </a:rPr>
+              <a:t>메인 페이지로 </a:t>
+            </a:r>
+            <a:r>
+              <a:rPr lang="en-US" altLang="ko-KR" sz="1600" dirty="0">
+                <a:latin typeface="나눔스퀘어" panose="020B0600000101010101" pitchFamily="50" charset="-127"/>
+                <a:ea typeface="나눔스퀘어" panose="020B0600000101010101" pitchFamily="50" charset="-127"/>
+              </a:rPr>
+              <a:t>script </a:t>
+            </a:r>
+            <a:r>
+              <a:rPr lang="ko-KR" altLang="en-US" sz="1600" dirty="0">
+                <a:latin typeface="나눔스퀘어" panose="020B0600000101010101" pitchFamily="50" charset="-127"/>
+                <a:ea typeface="나눔스퀘어" panose="020B0600000101010101" pitchFamily="50" charset="-127"/>
+              </a:rPr>
+              <a:t>전달</a:t>
+            </a:r>
+            <a:endParaRPr lang="en-US" altLang="ko-KR" sz="1600" dirty="0">
+              <a:latin typeface="나눔스퀘어" panose="020B0600000101010101" pitchFamily="50" charset="-127"/>
+              <a:ea typeface="나눔스퀘어" panose="020B0600000101010101" pitchFamily="50" charset="-127"/>
+            </a:endParaRPr>
+          </a:p>
+        </p:txBody>
+      </p:sp>
+    </p:spTree>
+    <p:extLst>
+      <p:ext uri="{BB962C8B-B14F-4D97-AF65-F5344CB8AC3E}">
+        <p14:creationId xmlns:p14="http://schemas.microsoft.com/office/powerpoint/2010/main" val="2828478580"/>
+      </p:ext>
+    </p:extLst>
+  </p:cSld>
+  <p:clrMapOvr>
+    <a:masterClrMapping/>
+  </p:clrMapOvr>
+  <mc:AlternateContent xmlns:mc="http://schemas.openxmlformats.org/markup-compatibility/2006">
+    <mc:Choice xmlns:p14="http://schemas.microsoft.com/office/powerpoint/2010/main" Requires="p14">
+      <p:transition p14:dur="250">
+        <p:fade/>
+      </p:transition>
+    </mc:Choice>
+    <mc:Fallback>
+      <p:transition>
+        <p:fade/>
+      </p:transition>
+    </mc:Fallback>
+  </mc:AlternateContent>
+</p:sld>
+</file>
+
+<file path=ppt/slides/slide42.xml><?xml version="1.0" encoding="utf-8"?>
+<p:sld xmlns:a="http://schemas.openxmlformats.org/drawingml/2006/main" xmlns:r="http://schemas.openxmlformats.org/officeDocument/2006/relationships" xmlns:p="http://schemas.openxmlformats.org/presentationml/2006/main">
+  <p:cSld>
+    <p:spTree>
+      <p:nvGrpSpPr>
+        <p:cNvPr id="1" name=""/>
+        <p:cNvGrpSpPr/>
+        <p:nvPr/>
+      </p:nvGrpSpPr>
+      <p:grpSpPr>
+        <a:xfrm>
+          <a:off x="0" y="0"/>
+          <a:ext cx="0" cy="0"/>
+          <a:chOff x="0" y="0"/>
+          <a:chExt cx="0" cy="0"/>
+        </a:xfrm>
+      </p:grpSpPr>
+      <p:sp>
+        <p:nvSpPr>
+          <p:cNvPr id="6" name="사각형: 잘린 한쪽 모서리 5">
+            <a:extLst>
+              <a:ext uri="{FF2B5EF4-FFF2-40B4-BE49-F238E27FC236}">
+                <a16:creationId xmlns:a16="http://schemas.microsoft.com/office/drawing/2014/main" id="{669DA37B-5DD3-4D78-9B12-107FEA86C5DB}"/>
+              </a:ext>
+            </a:extLst>
+          </p:cNvPr>
+          <p:cNvSpPr/>
+          <p:nvPr/>
+        </p:nvSpPr>
+        <p:spPr>
+          <a:xfrm flipV="1">
+            <a:off x="0" y="-2"/>
+            <a:ext cx="2552700" cy="771525"/>
+          </a:xfrm>
+          <a:prstGeom prst="snip1Rect">
+            <a:avLst>
+              <a:gd name="adj" fmla="val 40805"/>
+            </a:avLst>
+          </a:prstGeom>
+          <a:solidFill>
+            <a:schemeClr val="accent5"/>
+          </a:solidFill>
+          <a:ln>
+            <a:noFill/>
+          </a:ln>
+        </p:spPr>
+        <p:style>
+          <a:lnRef idx="2">
+            <a:schemeClr val="accent1">
+              <a:shade val="50000"/>
+            </a:schemeClr>
+          </a:lnRef>
+          <a:fillRef idx="1">
+            <a:schemeClr val="accent1"/>
+          </a:fillRef>
+          <a:effectRef idx="0">
+            <a:schemeClr val="accent1"/>
+          </a:effectRef>
+          <a:fontRef idx="minor">
+            <a:schemeClr val="lt1"/>
+          </a:fontRef>
+        </p:style>
+        <p:txBody>
+          <a:bodyPr rtlCol="0" anchor="ctr"/>
+          <a:lstStyle/>
+          <a:p>
+            <a:pPr algn="ctr"/>
+            <a:endParaRPr lang="ko-KR" altLang="en-US" dirty="0"/>
+          </a:p>
+        </p:txBody>
+      </p:sp>
+      <p:sp>
+        <p:nvSpPr>
+          <p:cNvPr id="7" name="직사각형 6">
+            <a:extLst>
+              <a:ext uri="{FF2B5EF4-FFF2-40B4-BE49-F238E27FC236}">
+                <a16:creationId xmlns:a16="http://schemas.microsoft.com/office/drawing/2014/main" id="{C7E1AF28-BE7B-4285-A5AF-85F45383FC55}"/>
+              </a:ext>
+            </a:extLst>
+          </p:cNvPr>
+          <p:cNvSpPr/>
+          <p:nvPr/>
+        </p:nvSpPr>
+        <p:spPr>
+          <a:xfrm>
+            <a:off x="-1" y="6639409"/>
+            <a:ext cx="12192001" cy="247606"/>
+          </a:xfrm>
+          <a:prstGeom prst="rect">
+            <a:avLst/>
+          </a:prstGeom>
+          <a:solidFill>
+            <a:schemeClr val="tx1">
+              <a:lumMod val="85000"/>
+              <a:lumOff val="15000"/>
+            </a:schemeClr>
+          </a:solidFill>
+          <a:ln>
+            <a:noFill/>
+          </a:ln>
+        </p:spPr>
+        <p:style>
+          <a:lnRef idx="2">
+            <a:schemeClr val="accent1">
+              <a:shade val="50000"/>
+            </a:schemeClr>
+          </a:lnRef>
+          <a:fillRef idx="1">
+            <a:schemeClr val="accent1"/>
+          </a:fillRef>
+          <a:effectRef idx="0">
+            <a:schemeClr val="accent1"/>
+          </a:effectRef>
+          <a:fontRef idx="minor">
+            <a:schemeClr val="lt1"/>
+          </a:fontRef>
+        </p:style>
+        <p:txBody>
+          <a:bodyPr rtlCol="0" anchor="ctr"/>
+          <a:lstStyle/>
+          <a:p>
+            <a:pPr algn="ctr"/>
+            <a:endParaRPr lang="ko-KR" altLang="en-US"/>
+          </a:p>
+        </p:txBody>
+      </p:sp>
+      <p:cxnSp>
+        <p:nvCxnSpPr>
+          <p:cNvPr id="198" name="직선 연결선 197">
+            <a:extLst>
+              <a:ext uri="{FF2B5EF4-FFF2-40B4-BE49-F238E27FC236}">
+                <a16:creationId xmlns:a16="http://schemas.microsoft.com/office/drawing/2014/main" id="{0ADD24F6-7FA0-49D5-83DE-852311572FB3}"/>
+              </a:ext>
+            </a:extLst>
+          </p:cNvPr>
+          <p:cNvCxnSpPr>
+            <a:cxnSpLocks/>
+          </p:cNvCxnSpPr>
+          <p:nvPr/>
+        </p:nvCxnSpPr>
+        <p:spPr>
+          <a:xfrm>
+            <a:off x="7051675" y="285750"/>
+            <a:ext cx="665843" cy="0"/>
+          </a:xfrm>
+          <a:prstGeom prst="line">
+            <a:avLst/>
+          </a:prstGeom>
+          <a:ln w="104775">
+            <a:solidFill>
+              <a:schemeClr val="accent5">
+                <a:lumMod val="40000"/>
+                <a:lumOff val="60000"/>
+              </a:schemeClr>
+            </a:solidFill>
+          </a:ln>
+        </p:spPr>
+        <p:style>
+          <a:lnRef idx="1">
+            <a:schemeClr val="accent1"/>
+          </a:lnRef>
+          <a:fillRef idx="0">
+            <a:schemeClr val="accent1"/>
+          </a:fillRef>
+          <a:effectRef idx="0">
+            <a:schemeClr val="accent1"/>
+          </a:effectRef>
+          <a:fontRef idx="minor">
+            <a:schemeClr val="tx1"/>
+          </a:fontRef>
+        </p:style>
+      </p:cxnSp>
+      <p:cxnSp>
+        <p:nvCxnSpPr>
+          <p:cNvPr id="199" name="직선 연결선 198">
+            <a:extLst>
+              <a:ext uri="{FF2B5EF4-FFF2-40B4-BE49-F238E27FC236}">
+                <a16:creationId xmlns:a16="http://schemas.microsoft.com/office/drawing/2014/main" id="{9CC6E2BB-3B54-45C8-997C-A110D2A07174}"/>
+              </a:ext>
+            </a:extLst>
+          </p:cNvPr>
+          <p:cNvCxnSpPr>
+            <a:cxnSpLocks/>
+          </p:cNvCxnSpPr>
+          <p:nvPr/>
+        </p:nvCxnSpPr>
+        <p:spPr>
+          <a:xfrm>
+            <a:off x="7861300" y="285750"/>
+            <a:ext cx="665843" cy="0"/>
+          </a:xfrm>
+          <a:prstGeom prst="line">
+            <a:avLst/>
+          </a:prstGeom>
+          <a:ln w="104775">
+            <a:solidFill>
+              <a:schemeClr val="accent5">
+                <a:lumMod val="40000"/>
+                <a:lumOff val="60000"/>
+              </a:schemeClr>
+            </a:solidFill>
+          </a:ln>
+        </p:spPr>
+        <p:style>
+          <a:lnRef idx="1">
+            <a:schemeClr val="accent1"/>
+          </a:lnRef>
+          <a:fillRef idx="0">
+            <a:schemeClr val="accent1"/>
+          </a:fillRef>
+          <a:effectRef idx="0">
+            <a:schemeClr val="accent1"/>
+          </a:effectRef>
+          <a:fontRef idx="minor">
+            <a:schemeClr val="tx1"/>
+          </a:fontRef>
+        </p:style>
+      </p:cxnSp>
+      <p:cxnSp>
+        <p:nvCxnSpPr>
+          <p:cNvPr id="200" name="직선 연결선 199">
+            <a:extLst>
+              <a:ext uri="{FF2B5EF4-FFF2-40B4-BE49-F238E27FC236}">
+                <a16:creationId xmlns:a16="http://schemas.microsoft.com/office/drawing/2014/main" id="{80BB21DC-703D-4A98-9D5C-3DD789D97315}"/>
+              </a:ext>
+            </a:extLst>
+          </p:cNvPr>
+          <p:cNvCxnSpPr>
+            <a:cxnSpLocks/>
+          </p:cNvCxnSpPr>
+          <p:nvPr/>
+        </p:nvCxnSpPr>
+        <p:spPr>
+          <a:xfrm>
+            <a:off x="8703404" y="285750"/>
+            <a:ext cx="665843" cy="0"/>
+          </a:xfrm>
+          <a:prstGeom prst="line">
+            <a:avLst/>
+          </a:prstGeom>
+          <a:ln w="104775">
+            <a:solidFill>
+              <a:schemeClr val="accent5">
+                <a:lumMod val="40000"/>
+                <a:lumOff val="60000"/>
+              </a:schemeClr>
+            </a:solidFill>
+          </a:ln>
+        </p:spPr>
+        <p:style>
+          <a:lnRef idx="1">
+            <a:schemeClr val="accent1"/>
+          </a:lnRef>
+          <a:fillRef idx="0">
+            <a:schemeClr val="accent1"/>
+          </a:fillRef>
+          <a:effectRef idx="0">
+            <a:schemeClr val="accent1"/>
+          </a:effectRef>
+          <a:fontRef idx="minor">
+            <a:schemeClr val="tx1"/>
+          </a:fontRef>
+        </p:style>
+      </p:cxnSp>
+      <p:cxnSp>
+        <p:nvCxnSpPr>
+          <p:cNvPr id="201" name="직선 연결선 200">
+            <a:extLst>
+              <a:ext uri="{FF2B5EF4-FFF2-40B4-BE49-F238E27FC236}">
+                <a16:creationId xmlns:a16="http://schemas.microsoft.com/office/drawing/2014/main" id="{FCABE61B-FC30-46A0-82C8-044A81DCDF1E}"/>
+              </a:ext>
+            </a:extLst>
+          </p:cNvPr>
+          <p:cNvCxnSpPr>
+            <a:cxnSpLocks/>
+          </p:cNvCxnSpPr>
+          <p:nvPr/>
+        </p:nvCxnSpPr>
+        <p:spPr>
+          <a:xfrm>
+            <a:off x="9513029" y="285750"/>
+            <a:ext cx="665843" cy="0"/>
+          </a:xfrm>
+          <a:prstGeom prst="line">
+            <a:avLst/>
+          </a:prstGeom>
+          <a:ln w="104775">
+            <a:solidFill>
+              <a:schemeClr val="accent5">
+                <a:lumMod val="40000"/>
+                <a:lumOff val="60000"/>
+              </a:schemeClr>
+            </a:solidFill>
+          </a:ln>
+        </p:spPr>
+        <p:style>
+          <a:lnRef idx="1">
+            <a:schemeClr val="accent1"/>
+          </a:lnRef>
+          <a:fillRef idx="0">
+            <a:schemeClr val="accent1"/>
+          </a:fillRef>
+          <a:effectRef idx="0">
+            <a:schemeClr val="accent1"/>
+          </a:effectRef>
+          <a:fontRef idx="minor">
+            <a:schemeClr val="tx1"/>
+          </a:fontRef>
+        </p:style>
+      </p:cxnSp>
+      <p:cxnSp>
+        <p:nvCxnSpPr>
+          <p:cNvPr id="202" name="직선 연결선 201">
+            <a:extLst>
+              <a:ext uri="{FF2B5EF4-FFF2-40B4-BE49-F238E27FC236}">
+                <a16:creationId xmlns:a16="http://schemas.microsoft.com/office/drawing/2014/main" id="{54393461-5348-4427-BC48-76002A1B6DE4}"/>
+              </a:ext>
+            </a:extLst>
+          </p:cNvPr>
+          <p:cNvCxnSpPr>
+            <a:cxnSpLocks/>
+          </p:cNvCxnSpPr>
+          <p:nvPr/>
+        </p:nvCxnSpPr>
+        <p:spPr>
+          <a:xfrm>
+            <a:off x="10351229" y="285750"/>
+            <a:ext cx="665843" cy="0"/>
+          </a:xfrm>
+          <a:prstGeom prst="line">
+            <a:avLst/>
+          </a:prstGeom>
+          <a:ln w="104775">
+            <a:solidFill>
+              <a:srgbClr val="00B0F0"/>
+            </a:solidFill>
+          </a:ln>
+        </p:spPr>
+        <p:style>
+          <a:lnRef idx="1">
+            <a:schemeClr val="accent1"/>
+          </a:lnRef>
+          <a:fillRef idx="0">
+            <a:schemeClr val="accent1"/>
+          </a:fillRef>
+          <a:effectRef idx="0">
+            <a:schemeClr val="accent1"/>
+          </a:effectRef>
+          <a:fontRef idx="minor">
+            <a:schemeClr val="tx1"/>
+          </a:fontRef>
+        </p:style>
+      </p:cxnSp>
+      <p:cxnSp>
+        <p:nvCxnSpPr>
+          <p:cNvPr id="203" name="직선 연결선 202">
+            <a:extLst>
+              <a:ext uri="{FF2B5EF4-FFF2-40B4-BE49-F238E27FC236}">
+                <a16:creationId xmlns:a16="http://schemas.microsoft.com/office/drawing/2014/main" id="{F287F060-271B-4F65-ACFC-16618F146830}"/>
+              </a:ext>
+            </a:extLst>
+          </p:cNvPr>
+          <p:cNvCxnSpPr>
+            <a:cxnSpLocks/>
+          </p:cNvCxnSpPr>
+          <p:nvPr/>
+        </p:nvCxnSpPr>
+        <p:spPr>
+          <a:xfrm>
+            <a:off x="11160854" y="285750"/>
+            <a:ext cx="665843" cy="0"/>
+          </a:xfrm>
+          <a:prstGeom prst="line">
+            <a:avLst/>
+          </a:prstGeom>
+          <a:ln w="104775">
+            <a:solidFill>
+              <a:schemeClr val="tx1">
+                <a:lumMod val="50000"/>
+                <a:lumOff val="50000"/>
+              </a:schemeClr>
+            </a:solidFill>
+          </a:ln>
+        </p:spPr>
+        <p:style>
+          <a:lnRef idx="1">
+            <a:schemeClr val="accent1"/>
+          </a:lnRef>
+          <a:fillRef idx="0">
+            <a:schemeClr val="accent1"/>
+          </a:fillRef>
+          <a:effectRef idx="0">
+            <a:schemeClr val="accent1"/>
+          </a:effectRef>
+          <a:fontRef idx="minor">
+            <a:schemeClr val="tx1"/>
+          </a:fontRef>
+        </p:style>
+      </p:cxnSp>
+      <p:sp>
+        <p:nvSpPr>
+          <p:cNvPr id="204" name="직사각형 203">
+            <a:extLst>
+              <a:ext uri="{FF2B5EF4-FFF2-40B4-BE49-F238E27FC236}">
+                <a16:creationId xmlns:a16="http://schemas.microsoft.com/office/drawing/2014/main" id="{98550F2F-62CD-4ECA-89E9-4B431180B4B1}"/>
+              </a:ext>
+            </a:extLst>
+          </p:cNvPr>
+          <p:cNvSpPr/>
+          <p:nvPr/>
+        </p:nvSpPr>
+        <p:spPr>
+          <a:xfrm>
+            <a:off x="82728" y="154927"/>
+            <a:ext cx="2265979" cy="461665"/>
+          </a:xfrm>
+          <a:prstGeom prst="rect">
+            <a:avLst/>
+          </a:prstGeom>
+        </p:spPr>
+        <p:txBody>
+          <a:bodyPr wrap="square">
+            <a:spAutoFit/>
+          </a:bodyPr>
+          <a:lstStyle/>
+          <a:p>
+            <a:pPr algn="ctr"/>
+            <a:r>
+              <a:rPr lang="ko-KR" altLang="en-US" sz="2400" dirty="0">
+                <a:solidFill>
+                  <a:schemeClr val="bg1"/>
+                </a:solidFill>
+                <a:latin typeface="나눔스퀘어 ExtraBold" panose="020B0600000101010101" pitchFamily="50" charset="-127"/>
+                <a:ea typeface="나눔스퀘어 ExtraBold" panose="020B0600000101010101" pitchFamily="50" charset="-127"/>
+              </a:rPr>
+              <a:t>연구 결과 </a:t>
+            </a:r>
+            <a:r>
+              <a:rPr lang="en-US" altLang="ko-KR" sz="2400" dirty="0">
+                <a:solidFill>
+                  <a:schemeClr val="bg1"/>
+                </a:solidFill>
+                <a:latin typeface="나눔스퀘어 ExtraBold" panose="020B0600000101010101" pitchFamily="50" charset="-127"/>
+                <a:ea typeface="나눔스퀘어 ExtraBold" panose="020B0600000101010101" pitchFamily="50" charset="-127"/>
+              </a:rPr>
+              <a:t>/</a:t>
+            </a:r>
+            <a:r>
+              <a:rPr lang="ko-KR" altLang="en-US" sz="2400" dirty="0">
+                <a:solidFill>
+                  <a:schemeClr val="bg1"/>
+                </a:solidFill>
+                <a:latin typeface="나눔스퀘어 ExtraBold" panose="020B0600000101010101" pitchFamily="50" charset="-127"/>
+                <a:ea typeface="나눔스퀘어 ExtraBold" panose="020B0600000101010101" pitchFamily="50" charset="-127"/>
+              </a:rPr>
+              <a:t> 분석</a:t>
+            </a:r>
+          </a:p>
+        </p:txBody>
+      </p:sp>
+    </p:spTree>
+    <p:extLst>
+      <p:ext uri="{BB962C8B-B14F-4D97-AF65-F5344CB8AC3E}">
+        <p14:creationId xmlns:p14="http://schemas.microsoft.com/office/powerpoint/2010/main" val="3868856364"/>
+      </p:ext>
+    </p:extLst>
+  </p:cSld>
+  <p:clrMapOvr>
+    <a:masterClrMapping/>
+  </p:clrMapOvr>
+  <mc:AlternateContent xmlns:mc="http://schemas.openxmlformats.org/markup-compatibility/2006">
+    <mc:Choice xmlns:p14="http://schemas.microsoft.com/office/powerpoint/2010/main" Requires="p14">
+      <p:transition p14:dur="250">
+        <p:fade/>
+      </p:transition>
+    </mc:Choice>
+    <mc:Fallback>
+      <p:transition>
+        <p:fade/>
+      </p:transition>
+    </mc:Fallback>
+  </mc:AlternateContent>
+</p:sld>
+</file>
+
+<file path=ppt/slides/slide43.xml><?xml version="1.0" encoding="utf-8"?>
 <p:sld xmlns:a="http://schemas.openxmlformats.org/drawingml/2006/main" xmlns:r="http://schemas.openxmlformats.org/officeDocument/2006/relationships" xmlns:p="http://schemas.openxmlformats.org/presentationml/2006/main">
   <p:cSld>
     <p:spTree>
